--- a/Project_1/Project1.pptx
+++ b/Project_1/Project1.pptx
@@ -5,23 +5,26 @@
     <p:sldMasterId id="2147483648" r:id="rId4"/>
   </p:sldMasterIdLst>
   <p:notesMasterIdLst>
-    <p:notesMasterId r:id="rId16"/>
+    <p:notesMasterId r:id="rId19"/>
   </p:notesMasterIdLst>
   <p:handoutMasterIdLst>
-    <p:handoutMasterId r:id="rId17"/>
+    <p:handoutMasterId r:id="rId20"/>
   </p:handoutMasterIdLst>
   <p:sldIdLst>
     <p:sldId id="292" r:id="rId5"/>
-    <p:sldId id="284" r:id="rId6"/>
-    <p:sldId id="295" r:id="rId7"/>
-    <p:sldId id="296" r:id="rId8"/>
-    <p:sldId id="299" r:id="rId9"/>
-    <p:sldId id="297" r:id="rId10"/>
-    <p:sldId id="300" r:id="rId11"/>
-    <p:sldId id="298" r:id="rId12"/>
-    <p:sldId id="301" r:id="rId13"/>
-    <p:sldId id="288" r:id="rId14"/>
-    <p:sldId id="289" r:id="rId15"/>
+    <p:sldId id="304" r:id="rId6"/>
+    <p:sldId id="302" r:id="rId7"/>
+    <p:sldId id="303" r:id="rId8"/>
+    <p:sldId id="284" r:id="rId9"/>
+    <p:sldId id="295" r:id="rId10"/>
+    <p:sldId id="296" r:id="rId11"/>
+    <p:sldId id="299" r:id="rId12"/>
+    <p:sldId id="297" r:id="rId13"/>
+    <p:sldId id="300" r:id="rId14"/>
+    <p:sldId id="298" r:id="rId15"/>
+    <p:sldId id="301" r:id="rId16"/>
+    <p:sldId id="288" r:id="rId17"/>
+    <p:sldId id="289" r:id="rId18"/>
   </p:sldIdLst>
   <p:sldSz cx="12192000" cy="6858000"/>
   <p:notesSz cx="6858000" cy="9144000"/>
@@ -122,7 +125,7 @@
   </p:defaultTextStyle>
   <p:extLst>
     <p:ext uri="{EFAFB233-063F-42B5-8137-9DF3F51BA10A}">
-      <p15:sldGuideLst xmlns="" xmlns:p15="http://schemas.microsoft.com/office/powerpoint/2012/main">
+      <p15:sldGuideLst xmlns:p15="http://schemas.microsoft.com/office/powerpoint/2012/main">
         <p15:guide id="1" orient="horz" pos="1536" userDrawn="1">
           <p15:clr>
             <a:srgbClr val="A4A3A4"/>
@@ -136,7 +139,7 @@
       </p15:sldGuideLst>
     </p:ext>
     <p:ext uri="{2D200454-40CA-4A62-9FC3-DE9A4176ACB9}">
-      <p15:notesGuideLst xmlns="" xmlns:p15="http://schemas.microsoft.com/office/powerpoint/2012/main"/>
+      <p15:notesGuideLst xmlns:p15="http://schemas.microsoft.com/office/powerpoint/2012/main"/>
     </p:ext>
   </p:extLst>
 </p:presentation>
@@ -146,6 +149,14 @@
 <p188:authorLst xmlns:a="http://schemas.openxmlformats.org/drawingml/2006/main" xmlns:r="http://schemas.openxmlformats.org/officeDocument/2006/relationships" xmlns:p188="http://schemas.microsoft.com/office/powerpoint/2018/8/main">
   <p188:author id="{00000000-0000-0000-0000-000000000000}" name="Author" initials="A" userId="Author" providerId="AD"/>
 </p188:authorLst>
+</file>
+
+<file path=ppt/revisionInfo.xml><?xml version="1.0" encoding="utf-8"?>
+<p1510:revInfo xmlns:a="http://schemas.openxmlformats.org/drawingml/2006/main" xmlns:r="http://schemas.openxmlformats.org/officeDocument/2006/relationships" xmlns:p1510="http://schemas.microsoft.com/office/powerpoint/2015/10/main">
+  <p1510:revLst>
+    <p1510:client id="{B138F87F-A560-4396-AE4A-892AE109E5E2}" v="9" dt="2024-02-10T08:22:46.494"/>
+  </p1510:revLst>
+</p1510:revInfo>
 </file>
 
 <file path=ppt/handoutMasters/handoutMaster1.xml><?xml version="1.0" encoding="utf-8"?>
@@ -175,7 +186,7 @@
           <p:cNvPr id="2" name="Header Placeholder 1">
             <a:extLst>
               <a:ext uri="{FF2B5EF4-FFF2-40B4-BE49-F238E27FC236}">
-                <a16:creationId xmlns="" xmlns:a16="http://schemas.microsoft.com/office/drawing/2014/main" id="{C27E3961-5613-64C6-63C3-6085D0CDAE5B}"/>
+                <a16:creationId xmlns:a16="http://schemas.microsoft.com/office/drawing/2014/main" id="{C27E3961-5613-64C6-63C3-6085D0CDAE5B}"/>
               </a:ext>
             </a:extLst>
           </p:cNvPr>
@@ -212,7 +223,7 @@
           <p:cNvPr id="3" name="Date Placeholder 2">
             <a:extLst>
               <a:ext uri="{FF2B5EF4-FFF2-40B4-BE49-F238E27FC236}">
-                <a16:creationId xmlns="" xmlns:a16="http://schemas.microsoft.com/office/drawing/2014/main" id="{506D1F08-FF42-95F6-3130-AE63E5604876}"/>
+                <a16:creationId xmlns:a16="http://schemas.microsoft.com/office/drawing/2014/main" id="{506D1F08-FF42-95F6-3130-AE63E5604876}"/>
               </a:ext>
             </a:extLst>
           </p:cNvPr>
@@ -242,7 +253,7 @@
           <a:p>
             <a:fld id="{8CD26A2A-0A96-0647-84E5-C82F2EFD9474}" type="datetimeFigureOut">
               <a:rPr lang="en-US" smtClean="0"/>
-              <a:t>2/8/2024</a:t>
+              <a:t>2/10/2024</a:t>
             </a:fld>
             <a:endParaRPr lang="en-US" dirty="0"/>
           </a:p>
@@ -253,7 +264,7 @@
           <p:cNvPr id="4" name="Footer Placeholder 3">
             <a:extLst>
               <a:ext uri="{FF2B5EF4-FFF2-40B4-BE49-F238E27FC236}">
-                <a16:creationId xmlns="" xmlns:a16="http://schemas.microsoft.com/office/drawing/2014/main" id="{4CD5B35B-A046-EC3C-A80E-3D9D12C14980}"/>
+                <a16:creationId xmlns:a16="http://schemas.microsoft.com/office/drawing/2014/main" id="{4CD5B35B-A046-EC3C-A80E-3D9D12C14980}"/>
               </a:ext>
             </a:extLst>
           </p:cNvPr>
@@ -290,7 +301,7 @@
           <p:cNvPr id="5" name="Slide Number Placeholder 4">
             <a:extLst>
               <a:ext uri="{FF2B5EF4-FFF2-40B4-BE49-F238E27FC236}">
-                <a16:creationId xmlns="" xmlns:a16="http://schemas.microsoft.com/office/drawing/2014/main" id="{7202DDE3-703C-8B4C-9506-EC0A39AACDD5}"/>
+                <a16:creationId xmlns:a16="http://schemas.microsoft.com/office/drawing/2014/main" id="{7202DDE3-703C-8B4C-9506-EC0A39AACDD5}"/>
               </a:ext>
             </a:extLst>
           </p:cNvPr>
@@ -364,7 +375,7 @@
           <p:cNvPr id="8" name="Header Placeholder 7">
             <a:extLst>
               <a:ext uri="{FF2B5EF4-FFF2-40B4-BE49-F238E27FC236}">
-                <a16:creationId xmlns="" xmlns:a16="http://schemas.microsoft.com/office/drawing/2014/main" id="{ED2950FC-64C0-50D7-5101-884A13ED2F1A}"/>
+                <a16:creationId xmlns:a16="http://schemas.microsoft.com/office/drawing/2014/main" id="{ED2950FC-64C0-50D7-5101-884A13ED2F1A}"/>
               </a:ext>
             </a:extLst>
           </p:cNvPr>
@@ -401,7 +412,7 @@
           <p:cNvPr id="9" name="Slide Image Placeholder 8">
             <a:extLst>
               <a:ext uri="{FF2B5EF4-FFF2-40B4-BE49-F238E27FC236}">
-                <a16:creationId xmlns="" xmlns:a16="http://schemas.microsoft.com/office/drawing/2014/main" id="{CEA88831-A930-596B-0685-672024BE2711}"/>
+                <a16:creationId xmlns:a16="http://schemas.microsoft.com/office/drawing/2014/main" id="{CEA88831-A930-596B-0685-672024BE2711}"/>
               </a:ext>
             </a:extLst>
           </p:cNvPr>
@@ -440,7 +451,7 @@
           <p:cNvPr id="10" name="Footer Placeholder 9">
             <a:extLst>
               <a:ext uri="{FF2B5EF4-FFF2-40B4-BE49-F238E27FC236}">
-                <a16:creationId xmlns="" xmlns:a16="http://schemas.microsoft.com/office/drawing/2014/main" id="{2A3FD0A0-F4FB-BC20-358F-C4F179AA8980}"/>
+                <a16:creationId xmlns:a16="http://schemas.microsoft.com/office/drawing/2014/main" id="{2A3FD0A0-F4FB-BC20-358F-C4F179AA8980}"/>
               </a:ext>
             </a:extLst>
           </p:cNvPr>
@@ -477,7 +488,7 @@
           <p:cNvPr id="11" name="Date Placeholder 10">
             <a:extLst>
               <a:ext uri="{FF2B5EF4-FFF2-40B4-BE49-F238E27FC236}">
-                <a16:creationId xmlns="" xmlns:a16="http://schemas.microsoft.com/office/drawing/2014/main" id="{2D389891-233D-6282-224F-6B8EC0182D20}"/>
+                <a16:creationId xmlns:a16="http://schemas.microsoft.com/office/drawing/2014/main" id="{2D389891-233D-6282-224F-6B8EC0182D20}"/>
               </a:ext>
             </a:extLst>
           </p:cNvPr>
@@ -507,7 +518,7 @@
           <a:p>
             <a:fld id="{5AD61DD8-56E8-44DB-8D68-9188DEA50502}" type="datetimeFigureOut">
               <a:rPr lang="en-US" smtClean="0"/>
-              <a:t>2/8/2024</a:t>
+              <a:t>2/10/2024</a:t>
             </a:fld>
             <a:endParaRPr lang="en-US" dirty="0"/>
           </a:p>
@@ -518,7 +529,7 @@
           <p:cNvPr id="12" name="Notes Placeholder 11">
             <a:extLst>
               <a:ext uri="{FF2B5EF4-FFF2-40B4-BE49-F238E27FC236}">
-                <a16:creationId xmlns="" xmlns:a16="http://schemas.microsoft.com/office/drawing/2014/main" id="{F2A2D99A-04B6-3AD9-B6DA-EEE29FB0DDFD}"/>
+                <a16:creationId xmlns:a16="http://schemas.microsoft.com/office/drawing/2014/main" id="{F2A2D99A-04B6-3AD9-B6DA-EEE29FB0DDFD}"/>
               </a:ext>
             </a:extLst>
           </p:cNvPr>
@@ -583,7 +594,7 @@
           <p:cNvPr id="13" name="Slide Number Placeholder 12">
             <a:extLst>
               <a:ext uri="{FF2B5EF4-FFF2-40B4-BE49-F238E27FC236}">
-                <a16:creationId xmlns="" xmlns:a16="http://schemas.microsoft.com/office/drawing/2014/main" id="{AEF4F81C-C1F0-7738-A271-96AF417D7F89}"/>
+                <a16:creationId xmlns:a16="http://schemas.microsoft.com/office/drawing/2014/main" id="{AEF4F81C-C1F0-7738-A271-96AF417D7F89}"/>
               </a:ext>
             </a:extLst>
           </p:cNvPr>
@@ -857,15 +868,7 @@
             <p:ph type="sldImg"/>
           </p:nvPr>
         </p:nvSpPr>
-        <p:spPr>
-          <a:xfrm>
-            <a:off x="685800" y="1143000"/>
-            <a:ext cx="5486400" cy="3086100"/>
-          </a:xfrm>
-          <a:prstGeom prst="rect">
-            <a:avLst/>
-          </a:prstGeom>
-        </p:spPr>
+        <p:spPr/>
       </p:sp>
       <p:sp>
         <p:nvSpPr>
@@ -877,20 +880,38 @@
             <p:ph type="body" idx="1"/>
           </p:nvPr>
         </p:nvSpPr>
-        <p:spPr>
-          <a:xfrm>
-            <a:off x="685800" y="4400550"/>
-            <a:ext cx="5486400" cy="3600450"/>
-          </a:xfrm>
-          <a:prstGeom prst="rect">
-            <a:avLst/>
-          </a:prstGeom>
-        </p:spPr>
+        <p:spPr/>
         <p:txBody>
           <a:bodyPr/>
           <a:lstStyle/>
           <a:p>
-            <a:endParaRPr lang="en-US" dirty="0"/>
+            <a:pPr marL="0" marR="0" lvl="0" indent="0" algn="l" defTabSz="914400" rtl="0" eaLnBrk="1" fontAlgn="auto" latinLnBrk="0" hangingPunct="1">
+              <a:lnSpc>
+                <a:spcPct val="100000"/>
+              </a:lnSpc>
+              <a:spcBef>
+                <a:spcPts val="0"/>
+              </a:spcBef>
+              <a:spcAft>
+                <a:spcPts val="0"/>
+              </a:spcAft>
+              <a:buClrTx/>
+              <a:buSzTx/>
+              <a:buFontTx/>
+              <a:buNone/>
+              <a:tabLst/>
+              <a:defRPr/>
+            </a:pPr>
+            <a:r>
+              <a:rPr lang="en-US" sz="1200" b="0" i="0" u="none" strike="noStrike" baseline="0" dirty="0">
+                <a:solidFill>
+                  <a:srgbClr val="043461"/>
+                </a:solidFill>
+                <a:latin typeface="Roboto-Regular"/>
+              </a:rPr>
+              <a:t>Questions that you found interesting and what motivated you to answer them</a:t>
+            </a:r>
+            <a:endParaRPr lang="en-AU" dirty="0"/>
           </a:p>
         </p:txBody>
       </p:sp>
@@ -904,31 +925,23 @@
             <p:ph type="sldNum" sz="quarter" idx="5"/>
           </p:nvPr>
         </p:nvSpPr>
-        <p:spPr>
-          <a:xfrm>
-            <a:off x="3884613" y="8685213"/>
-            <a:ext cx="2971800" cy="458787"/>
-          </a:xfrm>
-          <a:prstGeom prst="rect">
-            <a:avLst/>
-          </a:prstGeom>
-        </p:spPr>
+        <p:spPr/>
         <p:txBody>
           <a:bodyPr/>
           <a:lstStyle/>
           <a:p>
-            <a:fld id="{017105BD-6D6F-49DB-9DE4-D4A6452D7E5F}" type="slidenum">
-              <a:rPr lang="en-US" altLang="zh-CN" noProof="0" smtClean="0"/>
+            <a:fld id="{C384C781-2765-427A-A960-385CE0D0CAB9}" type="slidenum">
+              <a:rPr lang="en-US" smtClean="0"/>
               <a:t>2</a:t>
             </a:fld>
-            <a:endParaRPr lang="en-US" altLang="zh-CN" noProof="0" dirty="0"/>
+            <a:endParaRPr lang="en-US" dirty="0"/>
           </a:p>
         </p:txBody>
       </p:sp>
     </p:spTree>
     <p:extLst>
       <p:ext uri="{BB962C8B-B14F-4D97-AF65-F5344CB8AC3E}">
-        <p14:creationId xmlns:p14="http://schemas.microsoft.com/office/powerpoint/2010/main" val="2165519357"/>
+        <p14:creationId xmlns:p14="http://schemas.microsoft.com/office/powerpoint/2010/main" val="112557356"/>
       </p:ext>
     </p:extLst>
   </p:cSld>
@@ -965,15 +978,7 @@
             <p:ph type="sldImg"/>
           </p:nvPr>
         </p:nvSpPr>
-        <p:spPr>
-          <a:xfrm>
-            <a:off x="685800" y="1143000"/>
-            <a:ext cx="5486400" cy="3086100"/>
-          </a:xfrm>
-          <a:prstGeom prst="rect">
-            <a:avLst/>
-          </a:prstGeom>
-        </p:spPr>
+        <p:spPr/>
       </p:sp>
       <p:sp>
         <p:nvSpPr>
@@ -985,20 +990,12 @@
             <p:ph type="body" idx="1"/>
           </p:nvPr>
         </p:nvSpPr>
-        <p:spPr>
-          <a:xfrm>
-            <a:off x="685800" y="4400550"/>
-            <a:ext cx="5486400" cy="3600450"/>
-          </a:xfrm>
-          <a:prstGeom prst="rect">
-            <a:avLst/>
-          </a:prstGeom>
-        </p:spPr>
+        <p:spPr/>
         <p:txBody>
           <a:bodyPr/>
           <a:lstStyle/>
           <a:p>
-            <a:endParaRPr lang="en-US" dirty="0"/>
+            <a:endParaRPr lang="en-AU" dirty="0"/>
           </a:p>
         </p:txBody>
       </p:sp>
@@ -1012,31 +1009,23 @@
             <p:ph type="sldNum" sz="quarter" idx="5"/>
           </p:nvPr>
         </p:nvSpPr>
-        <p:spPr>
-          <a:xfrm>
-            <a:off x="3884613" y="8685213"/>
-            <a:ext cx="2971800" cy="458787"/>
-          </a:xfrm>
-          <a:prstGeom prst="rect">
-            <a:avLst/>
-          </a:prstGeom>
-        </p:spPr>
+        <p:spPr/>
         <p:txBody>
           <a:bodyPr/>
           <a:lstStyle/>
           <a:p>
-            <a:fld id="{017105BD-6D6F-49DB-9DE4-D4A6452D7E5F}" type="slidenum">
-              <a:rPr lang="en-US" altLang="zh-CN" smtClean="0"/>
+            <a:fld id="{C384C781-2765-427A-A960-385CE0D0CAB9}" type="slidenum">
+              <a:rPr lang="en-US" smtClean="0"/>
               <a:t>3</a:t>
             </a:fld>
-            <a:endParaRPr lang="en-US" altLang="zh-CN" dirty="0"/>
+            <a:endParaRPr lang="en-US" dirty="0"/>
           </a:p>
         </p:txBody>
       </p:sp>
     </p:spTree>
     <p:extLst>
       <p:ext uri="{BB962C8B-B14F-4D97-AF65-F5344CB8AC3E}">
-        <p14:creationId xmlns:p14="http://schemas.microsoft.com/office/powerpoint/2010/main" val="2424331431"/>
+        <p14:creationId xmlns:p14="http://schemas.microsoft.com/office/powerpoint/2010/main" val="2986383007"/>
       </p:ext>
     </p:extLst>
   </p:cSld>
@@ -1135,7 +1124,7 @@
           <a:p>
             <a:fld id="{017105BD-6D6F-49DB-9DE4-D4A6452D7E5F}" type="slidenum">
               <a:rPr lang="en-US" altLang="zh-CN" noProof="0" smtClean="0"/>
-              <a:t>10</a:t>
+              <a:t>5</a:t>
             </a:fld>
             <a:endParaRPr lang="en-US" altLang="zh-CN" noProof="0" dirty="0"/>
           </a:p>
@@ -1144,7 +1133,7 @@
     </p:spTree>
     <p:extLst>
       <p:ext uri="{BB962C8B-B14F-4D97-AF65-F5344CB8AC3E}">
-        <p14:creationId xmlns:p14="http://schemas.microsoft.com/office/powerpoint/2010/main" val="3104157801"/>
+        <p14:creationId xmlns:p14="http://schemas.microsoft.com/office/powerpoint/2010/main" val="2165519357"/>
       </p:ext>
     </p:extLst>
   </p:cSld>
@@ -1242,8 +1231,224 @@
           <a:lstStyle/>
           <a:p>
             <a:fld id="{017105BD-6D6F-49DB-9DE4-D4A6452D7E5F}" type="slidenum">
+              <a:rPr lang="en-US" altLang="zh-CN" smtClean="0"/>
+              <a:t>6</a:t>
+            </a:fld>
+            <a:endParaRPr lang="en-US" altLang="zh-CN" dirty="0"/>
+          </a:p>
+        </p:txBody>
+      </p:sp>
+    </p:spTree>
+    <p:extLst>
+      <p:ext uri="{BB962C8B-B14F-4D97-AF65-F5344CB8AC3E}">
+        <p14:creationId xmlns:p14="http://schemas.microsoft.com/office/powerpoint/2010/main" val="2424331431"/>
+      </p:ext>
+    </p:extLst>
+  </p:cSld>
+  <p:clrMapOvr>
+    <a:masterClrMapping/>
+  </p:clrMapOvr>
+</p:notes>
+</file>
+
+<file path=ppt/notesSlides/notesSlide6.xml><?xml version="1.0" encoding="utf-8"?>
+<p:notes xmlns:a="http://schemas.openxmlformats.org/drawingml/2006/main" xmlns:r="http://schemas.openxmlformats.org/officeDocument/2006/relationships" xmlns:p="http://schemas.openxmlformats.org/presentationml/2006/main">
+  <p:cSld>
+    <p:spTree>
+      <p:nvGrpSpPr>
+        <p:cNvPr id="1" name=""/>
+        <p:cNvGrpSpPr/>
+        <p:nvPr/>
+      </p:nvGrpSpPr>
+      <p:grpSpPr>
+        <a:xfrm>
+          <a:off x="0" y="0"/>
+          <a:ext cx="0" cy="0"/>
+          <a:chOff x="0" y="0"/>
+          <a:chExt cx="0" cy="0"/>
+        </a:xfrm>
+      </p:grpSpPr>
+      <p:sp>
+        <p:nvSpPr>
+          <p:cNvPr id="2" name="Slide Image Placeholder 1"/>
+          <p:cNvSpPr>
+            <a:spLocks noGrp="1" noRot="1" noChangeAspect="1"/>
+          </p:cNvSpPr>
+          <p:nvPr>
+            <p:ph type="sldImg"/>
+          </p:nvPr>
+        </p:nvSpPr>
+        <p:spPr>
+          <a:xfrm>
+            <a:off x="685800" y="1143000"/>
+            <a:ext cx="5486400" cy="3086100"/>
+          </a:xfrm>
+          <a:prstGeom prst="rect">
+            <a:avLst/>
+          </a:prstGeom>
+        </p:spPr>
+      </p:sp>
+      <p:sp>
+        <p:nvSpPr>
+          <p:cNvPr id="3" name="Notes Placeholder 2"/>
+          <p:cNvSpPr>
+            <a:spLocks noGrp="1"/>
+          </p:cNvSpPr>
+          <p:nvPr>
+            <p:ph type="body" idx="1"/>
+          </p:nvPr>
+        </p:nvSpPr>
+        <p:spPr>
+          <a:xfrm>
+            <a:off x="685800" y="4400550"/>
+            <a:ext cx="5486400" cy="3600450"/>
+          </a:xfrm>
+          <a:prstGeom prst="rect">
+            <a:avLst/>
+          </a:prstGeom>
+        </p:spPr>
+        <p:txBody>
+          <a:bodyPr/>
+          <a:lstStyle/>
+          <a:p>
+            <a:endParaRPr lang="en-US" dirty="0"/>
+          </a:p>
+        </p:txBody>
+      </p:sp>
+      <p:sp>
+        <p:nvSpPr>
+          <p:cNvPr id="4" name="Slide Number Placeholder 3"/>
+          <p:cNvSpPr>
+            <a:spLocks noGrp="1"/>
+          </p:cNvSpPr>
+          <p:nvPr>
+            <p:ph type="sldNum" sz="quarter" idx="5"/>
+          </p:nvPr>
+        </p:nvSpPr>
+        <p:spPr>
+          <a:xfrm>
+            <a:off x="3884613" y="8685213"/>
+            <a:ext cx="2971800" cy="458787"/>
+          </a:xfrm>
+          <a:prstGeom prst="rect">
+            <a:avLst/>
+          </a:prstGeom>
+        </p:spPr>
+        <p:txBody>
+          <a:bodyPr/>
+          <a:lstStyle/>
+          <a:p>
+            <a:fld id="{017105BD-6D6F-49DB-9DE4-D4A6452D7E5F}" type="slidenum">
               <a:rPr lang="en-US" altLang="zh-CN" noProof="0" smtClean="0"/>
-              <a:t>11</a:t>
+              <a:t>13</a:t>
+            </a:fld>
+            <a:endParaRPr lang="en-US" altLang="zh-CN" noProof="0" dirty="0"/>
+          </a:p>
+        </p:txBody>
+      </p:sp>
+    </p:spTree>
+    <p:extLst>
+      <p:ext uri="{BB962C8B-B14F-4D97-AF65-F5344CB8AC3E}">
+        <p14:creationId xmlns:p14="http://schemas.microsoft.com/office/powerpoint/2010/main" val="3104157801"/>
+      </p:ext>
+    </p:extLst>
+  </p:cSld>
+  <p:clrMapOvr>
+    <a:masterClrMapping/>
+  </p:clrMapOvr>
+</p:notes>
+</file>
+
+<file path=ppt/notesSlides/notesSlide7.xml><?xml version="1.0" encoding="utf-8"?>
+<p:notes xmlns:a="http://schemas.openxmlformats.org/drawingml/2006/main" xmlns:r="http://schemas.openxmlformats.org/officeDocument/2006/relationships" xmlns:p="http://schemas.openxmlformats.org/presentationml/2006/main">
+  <p:cSld>
+    <p:spTree>
+      <p:nvGrpSpPr>
+        <p:cNvPr id="1" name=""/>
+        <p:cNvGrpSpPr/>
+        <p:nvPr/>
+      </p:nvGrpSpPr>
+      <p:grpSpPr>
+        <a:xfrm>
+          <a:off x="0" y="0"/>
+          <a:ext cx="0" cy="0"/>
+          <a:chOff x="0" y="0"/>
+          <a:chExt cx="0" cy="0"/>
+        </a:xfrm>
+      </p:grpSpPr>
+      <p:sp>
+        <p:nvSpPr>
+          <p:cNvPr id="2" name="Slide Image Placeholder 1"/>
+          <p:cNvSpPr>
+            <a:spLocks noGrp="1" noRot="1" noChangeAspect="1"/>
+          </p:cNvSpPr>
+          <p:nvPr>
+            <p:ph type="sldImg"/>
+          </p:nvPr>
+        </p:nvSpPr>
+        <p:spPr>
+          <a:xfrm>
+            <a:off x="685800" y="1143000"/>
+            <a:ext cx="5486400" cy="3086100"/>
+          </a:xfrm>
+          <a:prstGeom prst="rect">
+            <a:avLst/>
+          </a:prstGeom>
+        </p:spPr>
+      </p:sp>
+      <p:sp>
+        <p:nvSpPr>
+          <p:cNvPr id="3" name="Notes Placeholder 2"/>
+          <p:cNvSpPr>
+            <a:spLocks noGrp="1"/>
+          </p:cNvSpPr>
+          <p:nvPr>
+            <p:ph type="body" idx="1"/>
+          </p:nvPr>
+        </p:nvSpPr>
+        <p:spPr>
+          <a:xfrm>
+            <a:off x="685800" y="4400550"/>
+            <a:ext cx="5486400" cy="3600450"/>
+          </a:xfrm>
+          <a:prstGeom prst="rect">
+            <a:avLst/>
+          </a:prstGeom>
+        </p:spPr>
+        <p:txBody>
+          <a:bodyPr/>
+          <a:lstStyle/>
+          <a:p>
+            <a:endParaRPr lang="en-US" dirty="0"/>
+          </a:p>
+        </p:txBody>
+      </p:sp>
+      <p:sp>
+        <p:nvSpPr>
+          <p:cNvPr id="4" name="Slide Number Placeholder 3"/>
+          <p:cNvSpPr>
+            <a:spLocks noGrp="1"/>
+          </p:cNvSpPr>
+          <p:nvPr>
+            <p:ph type="sldNum" sz="quarter" idx="5"/>
+          </p:nvPr>
+        </p:nvSpPr>
+        <p:spPr>
+          <a:xfrm>
+            <a:off x="3884613" y="8685213"/>
+            <a:ext cx="2971800" cy="458787"/>
+          </a:xfrm>
+          <a:prstGeom prst="rect">
+            <a:avLst/>
+          </a:prstGeom>
+        </p:spPr>
+        <p:txBody>
+          <a:bodyPr/>
+          <a:lstStyle/>
+          <a:p>
+            <a:fld id="{017105BD-6D6F-49DB-9DE4-D4A6452D7E5F}" type="slidenum">
+              <a:rPr lang="en-US" altLang="zh-CN" noProof="0" smtClean="0"/>
+              <a:t>14</a:t>
             </a:fld>
             <a:endParaRPr lang="en-US" altLang="zh-CN" noProof="0" dirty="0"/>
           </a:p>
@@ -1294,7 +1499,7 @@
           <p:cNvPr id="3" name="Title 2">
             <a:extLst>
               <a:ext uri="{FF2B5EF4-FFF2-40B4-BE49-F238E27FC236}">
-                <a16:creationId xmlns="" xmlns:a16="http://schemas.microsoft.com/office/drawing/2014/main" id="{7EC2501B-DEA6-190E-3633-E32F635B7CE1}"/>
+                <a16:creationId xmlns:a16="http://schemas.microsoft.com/office/drawing/2014/main" id="{7EC2501B-DEA6-190E-3633-E32F635B7CE1}"/>
               </a:ext>
             </a:extLst>
           </p:cNvPr>
@@ -1329,7 +1534,7 @@
           <p:cNvPr id="24" name="Straight Connector 2">
             <a:extLst>
               <a:ext uri="{FF2B5EF4-FFF2-40B4-BE49-F238E27FC236}">
-                <a16:creationId xmlns="" xmlns:a16="http://schemas.microsoft.com/office/drawing/2014/main" id="{F1FCCFDB-D985-4322-AC87-F69214893708}"/>
+                <a16:creationId xmlns:a16="http://schemas.microsoft.com/office/drawing/2014/main" id="{F1FCCFDB-D985-4322-AC87-F69214893708}"/>
               </a:ext>
             </a:extLst>
           </p:cNvPr>
@@ -1360,7 +1565,7 @@
           <p:cNvPr id="27" name="Content placeholder 47" descr="Click icon to add picture">
             <a:extLst>
               <a:ext uri="{FF2B5EF4-FFF2-40B4-BE49-F238E27FC236}">
-                <a16:creationId xmlns="" xmlns:a16="http://schemas.microsoft.com/office/drawing/2014/main" id="{EA8265B5-83C5-4AE9-88AB-3F2443B57F00}"/>
+                <a16:creationId xmlns:a16="http://schemas.microsoft.com/office/drawing/2014/main" id="{EA8265B5-83C5-4AE9-88AB-3F2443B57F00}"/>
               </a:ext>
             </a:extLst>
           </p:cNvPr>
@@ -1423,7 +1628,7 @@
           <p:cNvPr id="47" name="Content placeholder 47">
             <a:extLst>
               <a:ext uri="{FF2B5EF4-FFF2-40B4-BE49-F238E27FC236}">
-                <a16:creationId xmlns="" xmlns:a16="http://schemas.microsoft.com/office/drawing/2014/main" id="{0FFAAB58-ABE4-41AC-B94E-432936CE0301}"/>
+                <a16:creationId xmlns:a16="http://schemas.microsoft.com/office/drawing/2014/main" id="{0FFAAB58-ABE4-41AC-B94E-432936CE0301}"/>
               </a:ext>
             </a:extLst>
           </p:cNvPr>
@@ -1651,7 +1856,7 @@
           <p:cNvPr id="9" name="Freeform: Shape 11">
             <a:extLst>
               <a:ext uri="{FF2B5EF4-FFF2-40B4-BE49-F238E27FC236}">
-                <a16:creationId xmlns="" xmlns:a16="http://schemas.microsoft.com/office/drawing/2014/main" id="{9ECA281C-F2CB-AE9D-DCD6-F94D3FEE2E67}"/>
+                <a16:creationId xmlns:a16="http://schemas.microsoft.com/office/drawing/2014/main" id="{9ECA281C-F2CB-AE9D-DCD6-F94D3FEE2E67}"/>
               </a:ext>
             </a:extLst>
           </p:cNvPr>
@@ -1797,7 +2002,7 @@
   </p:clrMapOvr>
   <p:extLst>
     <p:ext uri="{DCECCB84-F9BA-43D5-87BE-67443E8EF086}">
-      <p15:sldGuideLst xmlns="" xmlns:p15="http://schemas.microsoft.com/office/powerpoint/2012/main">
+      <p15:sldGuideLst xmlns:p15="http://schemas.microsoft.com/office/powerpoint/2012/main">
         <p15:guide id="1" pos="528">
           <p15:clr>
             <a:srgbClr val="FBAE40"/>
@@ -1836,7 +2041,7 @@
           <p:cNvPr id="4" name="Freeform: Shape 6">
             <a:extLst>
               <a:ext uri="{FF2B5EF4-FFF2-40B4-BE49-F238E27FC236}">
-                <a16:creationId xmlns="" xmlns:a16="http://schemas.microsoft.com/office/drawing/2014/main" id="{A533F602-EEC9-45F6-8223-8C8F4914919D}"/>
+                <a16:creationId xmlns:a16="http://schemas.microsoft.com/office/drawing/2014/main" id="{A533F602-EEC9-45F6-8223-8C8F4914919D}"/>
               </a:ext>
             </a:extLst>
           </p:cNvPr>
@@ -1977,7 +2182,7 @@
           <p:cNvPr id="5" name="Freeform: Shape 7">
             <a:extLst>
               <a:ext uri="{FF2B5EF4-FFF2-40B4-BE49-F238E27FC236}">
-                <a16:creationId xmlns="" xmlns:a16="http://schemas.microsoft.com/office/drawing/2014/main" id="{08F73F8C-5CF8-4470-AE2B-8E6D7952FF3E}"/>
+                <a16:creationId xmlns:a16="http://schemas.microsoft.com/office/drawing/2014/main" id="{08F73F8C-5CF8-4470-AE2B-8E6D7952FF3E}"/>
               </a:ext>
             </a:extLst>
           </p:cNvPr>
@@ -2118,7 +2323,7 @@
           <p:cNvPr id="6" name="Freeform: Shape 8">
             <a:extLst>
               <a:ext uri="{FF2B5EF4-FFF2-40B4-BE49-F238E27FC236}">
-                <a16:creationId xmlns="" xmlns:a16="http://schemas.microsoft.com/office/drawing/2014/main" id="{1299AD72-44AB-4D37-ABBB-9E295508DDB5}"/>
+                <a16:creationId xmlns:a16="http://schemas.microsoft.com/office/drawing/2014/main" id="{1299AD72-44AB-4D37-ABBB-9E295508DDB5}"/>
               </a:ext>
             </a:extLst>
           </p:cNvPr>
@@ -2259,7 +2464,7 @@
           <p:cNvPr id="7" name="Freeform: Shape 9">
             <a:extLst>
               <a:ext uri="{FF2B5EF4-FFF2-40B4-BE49-F238E27FC236}">
-                <a16:creationId xmlns="" xmlns:a16="http://schemas.microsoft.com/office/drawing/2014/main" id="{834981F1-A16D-4CA2-8001-0D2A65539268}"/>
+                <a16:creationId xmlns:a16="http://schemas.microsoft.com/office/drawing/2014/main" id="{834981F1-A16D-4CA2-8001-0D2A65539268}"/>
               </a:ext>
             </a:extLst>
           </p:cNvPr>
@@ -2400,7 +2605,7 @@
           <p:cNvPr id="31" name="Content placeholder 47" descr="Click icon to add picture">
             <a:extLst>
               <a:ext uri="{FF2B5EF4-FFF2-40B4-BE49-F238E27FC236}">
-                <a16:creationId xmlns="" xmlns:a16="http://schemas.microsoft.com/office/drawing/2014/main" id="{7AA46292-B7E4-4DB5-85D0-C4F19D66F86C}"/>
+                <a16:creationId xmlns:a16="http://schemas.microsoft.com/office/drawing/2014/main" id="{7AA46292-B7E4-4DB5-85D0-C4F19D66F86C}"/>
               </a:ext>
             </a:extLst>
           </p:cNvPr>
@@ -2463,7 +2668,7 @@
           <p:cNvPr id="32" name="Content placeholder 47">
             <a:extLst>
               <a:ext uri="{FF2B5EF4-FFF2-40B4-BE49-F238E27FC236}">
-                <a16:creationId xmlns="" xmlns:a16="http://schemas.microsoft.com/office/drawing/2014/main" id="{382E7D57-1A1A-432F-AEA9-9730DEE1572B}"/>
+                <a16:creationId xmlns:a16="http://schemas.microsoft.com/office/drawing/2014/main" id="{382E7D57-1A1A-432F-AEA9-9730DEE1572B}"/>
               </a:ext>
             </a:extLst>
           </p:cNvPr>
@@ -2541,7 +2746,7 @@
           <p:cNvPr id="33" name="Content placeholder 47" descr="Click icon to add picture">
             <a:extLst>
               <a:ext uri="{FF2B5EF4-FFF2-40B4-BE49-F238E27FC236}">
-                <a16:creationId xmlns="" xmlns:a16="http://schemas.microsoft.com/office/drawing/2014/main" id="{E51F0384-440E-45B9-91E7-78CA13DE0B98}"/>
+                <a16:creationId xmlns:a16="http://schemas.microsoft.com/office/drawing/2014/main" id="{E51F0384-440E-45B9-91E7-78CA13DE0B98}"/>
               </a:ext>
             </a:extLst>
           </p:cNvPr>
@@ -2604,7 +2809,7 @@
           <p:cNvPr id="34" name="Content placeholder 47">
             <a:extLst>
               <a:ext uri="{FF2B5EF4-FFF2-40B4-BE49-F238E27FC236}">
-                <a16:creationId xmlns="" xmlns:a16="http://schemas.microsoft.com/office/drawing/2014/main" id="{35EAE525-3692-40E8-894E-B19171FF64F6}"/>
+                <a16:creationId xmlns:a16="http://schemas.microsoft.com/office/drawing/2014/main" id="{35EAE525-3692-40E8-894E-B19171FF64F6}"/>
               </a:ext>
             </a:extLst>
           </p:cNvPr>
@@ -2682,7 +2887,7 @@
           <p:cNvPr id="35" name="Content placeholder 47" descr="Click icon to add picture">
             <a:extLst>
               <a:ext uri="{FF2B5EF4-FFF2-40B4-BE49-F238E27FC236}">
-                <a16:creationId xmlns="" xmlns:a16="http://schemas.microsoft.com/office/drawing/2014/main" id="{847DC539-F391-4470-96EB-486AB02DADBB}"/>
+                <a16:creationId xmlns:a16="http://schemas.microsoft.com/office/drawing/2014/main" id="{847DC539-F391-4470-96EB-486AB02DADBB}"/>
               </a:ext>
             </a:extLst>
           </p:cNvPr>
@@ -2745,7 +2950,7 @@
           <p:cNvPr id="36" name="Content placeholder 47">
             <a:extLst>
               <a:ext uri="{FF2B5EF4-FFF2-40B4-BE49-F238E27FC236}">
-                <a16:creationId xmlns="" xmlns:a16="http://schemas.microsoft.com/office/drawing/2014/main" id="{50988645-D146-4AFE-B87D-279279577176}"/>
+                <a16:creationId xmlns:a16="http://schemas.microsoft.com/office/drawing/2014/main" id="{50988645-D146-4AFE-B87D-279279577176}"/>
               </a:ext>
             </a:extLst>
           </p:cNvPr>
@@ -2823,7 +3028,7 @@
           <p:cNvPr id="37" name="Content placeholder 47" descr="Click icon to add picture">
             <a:extLst>
               <a:ext uri="{FF2B5EF4-FFF2-40B4-BE49-F238E27FC236}">
-                <a16:creationId xmlns="" xmlns:a16="http://schemas.microsoft.com/office/drawing/2014/main" id="{6712E8AC-14E0-42CC-8037-7C1D0E044B61}"/>
+                <a16:creationId xmlns:a16="http://schemas.microsoft.com/office/drawing/2014/main" id="{6712E8AC-14E0-42CC-8037-7C1D0E044B61}"/>
               </a:ext>
             </a:extLst>
           </p:cNvPr>
@@ -2886,7 +3091,7 @@
           <p:cNvPr id="38" name="Content placeholder 47">
             <a:extLst>
               <a:ext uri="{FF2B5EF4-FFF2-40B4-BE49-F238E27FC236}">
-                <a16:creationId xmlns="" xmlns:a16="http://schemas.microsoft.com/office/drawing/2014/main" id="{C68DF822-6F14-4839-BD33-6874C8136EE0}"/>
+                <a16:creationId xmlns:a16="http://schemas.microsoft.com/office/drawing/2014/main" id="{C68DF822-6F14-4839-BD33-6874C8136EE0}"/>
               </a:ext>
             </a:extLst>
           </p:cNvPr>
@@ -2964,7 +3169,7 @@
           <p:cNvPr id="39" name="Content placeholder 47" descr="Click icon to add picture">
             <a:extLst>
               <a:ext uri="{FF2B5EF4-FFF2-40B4-BE49-F238E27FC236}">
-                <a16:creationId xmlns="" xmlns:a16="http://schemas.microsoft.com/office/drawing/2014/main" id="{2D1F75C7-DA21-4400-B066-F38190B4F520}"/>
+                <a16:creationId xmlns:a16="http://schemas.microsoft.com/office/drawing/2014/main" id="{2D1F75C7-DA21-4400-B066-F38190B4F520}"/>
               </a:ext>
             </a:extLst>
           </p:cNvPr>
@@ -3027,7 +3232,7 @@
           <p:cNvPr id="40" name="Content placeholder 47">
             <a:extLst>
               <a:ext uri="{FF2B5EF4-FFF2-40B4-BE49-F238E27FC236}">
-                <a16:creationId xmlns="" xmlns:a16="http://schemas.microsoft.com/office/drawing/2014/main" id="{F7CF6BF0-A40D-4F18-B9DF-D9C4106065D2}"/>
+                <a16:creationId xmlns:a16="http://schemas.microsoft.com/office/drawing/2014/main" id="{F7CF6BF0-A40D-4F18-B9DF-D9C4106065D2}"/>
               </a:ext>
             </a:extLst>
           </p:cNvPr>
@@ -3105,7 +3310,7 @@
           <p:cNvPr id="41" name="Content placeholder 47">
             <a:extLst>
               <a:ext uri="{FF2B5EF4-FFF2-40B4-BE49-F238E27FC236}">
-                <a16:creationId xmlns="" xmlns:a16="http://schemas.microsoft.com/office/drawing/2014/main" id="{95C6B2A2-937E-4C7D-92E3-8A105DD43A98}"/>
+                <a16:creationId xmlns:a16="http://schemas.microsoft.com/office/drawing/2014/main" id="{95C6B2A2-937E-4C7D-92E3-8A105DD43A98}"/>
               </a:ext>
             </a:extLst>
           </p:cNvPr>
@@ -3339,7 +3544,7 @@
           <p:cNvPr id="42" name="Content placeholder 47">
             <a:extLst>
               <a:ext uri="{FF2B5EF4-FFF2-40B4-BE49-F238E27FC236}">
-                <a16:creationId xmlns="" xmlns:a16="http://schemas.microsoft.com/office/drawing/2014/main" id="{A9ECEF10-95EB-4F03-B3B1-8FC0E421618E}"/>
+                <a16:creationId xmlns:a16="http://schemas.microsoft.com/office/drawing/2014/main" id="{A9ECEF10-95EB-4F03-B3B1-8FC0E421618E}"/>
               </a:ext>
             </a:extLst>
           </p:cNvPr>
@@ -3573,7 +3778,7 @@
           <p:cNvPr id="43" name="Content placeholder 47">
             <a:extLst>
               <a:ext uri="{FF2B5EF4-FFF2-40B4-BE49-F238E27FC236}">
-                <a16:creationId xmlns="" xmlns:a16="http://schemas.microsoft.com/office/drawing/2014/main" id="{12D92FE1-9874-49B8-8FDC-F903A4843015}"/>
+                <a16:creationId xmlns:a16="http://schemas.microsoft.com/office/drawing/2014/main" id="{12D92FE1-9874-49B8-8FDC-F903A4843015}"/>
               </a:ext>
             </a:extLst>
           </p:cNvPr>
@@ -3807,7 +4012,7 @@
           <p:cNvPr id="44" name="Content placeholder 47">
             <a:extLst>
               <a:ext uri="{FF2B5EF4-FFF2-40B4-BE49-F238E27FC236}">
-                <a16:creationId xmlns="" xmlns:a16="http://schemas.microsoft.com/office/drawing/2014/main" id="{12070F52-AB91-476E-9FE0-5403568A11DD}"/>
+                <a16:creationId xmlns:a16="http://schemas.microsoft.com/office/drawing/2014/main" id="{12070F52-AB91-476E-9FE0-5403568A11DD}"/>
               </a:ext>
             </a:extLst>
           </p:cNvPr>
@@ -4041,7 +4246,7 @@
           <p:cNvPr id="45" name="Content placeholder 47">
             <a:extLst>
               <a:ext uri="{FF2B5EF4-FFF2-40B4-BE49-F238E27FC236}">
-                <a16:creationId xmlns="" xmlns:a16="http://schemas.microsoft.com/office/drawing/2014/main" id="{13AE459B-26D7-43FC-BE0B-EF7B119D7D40}"/>
+                <a16:creationId xmlns:a16="http://schemas.microsoft.com/office/drawing/2014/main" id="{13AE459B-26D7-43FC-BE0B-EF7B119D7D40}"/>
               </a:ext>
             </a:extLst>
           </p:cNvPr>
@@ -4275,7 +4480,7 @@
           <p:cNvPr id="25" name="Title Placeholder 4">
             <a:extLst>
               <a:ext uri="{FF2B5EF4-FFF2-40B4-BE49-F238E27FC236}">
-                <a16:creationId xmlns="" xmlns:a16="http://schemas.microsoft.com/office/drawing/2014/main" id="{C8ECEE37-7B17-4FD7-2612-FBD357E10418}"/>
+                <a16:creationId xmlns:a16="http://schemas.microsoft.com/office/drawing/2014/main" id="{C8ECEE37-7B17-4FD7-2612-FBD357E10418}"/>
               </a:ext>
             </a:extLst>
           </p:cNvPr>
@@ -4322,7 +4527,7 @@
           <p:cNvPr id="2" name="Footer Placeholder 1">
             <a:extLst>
               <a:ext uri="{FF2B5EF4-FFF2-40B4-BE49-F238E27FC236}">
-                <a16:creationId xmlns="" xmlns:a16="http://schemas.microsoft.com/office/drawing/2014/main" id="{F7F2CD23-FF0B-8184-9F40-957043412F1C}"/>
+                <a16:creationId xmlns:a16="http://schemas.microsoft.com/office/drawing/2014/main" id="{F7F2CD23-FF0B-8184-9F40-957043412F1C}"/>
               </a:ext>
             </a:extLst>
           </p:cNvPr>
@@ -4360,7 +4565,7 @@
           <p:cNvPr id="3" name="Slide Number Placeholder 2">
             <a:extLst>
               <a:ext uri="{FF2B5EF4-FFF2-40B4-BE49-F238E27FC236}">
-                <a16:creationId xmlns="" xmlns:a16="http://schemas.microsoft.com/office/drawing/2014/main" id="{7876D293-58F2-B8E9-6576-2676F210D7CF}"/>
+                <a16:creationId xmlns:a16="http://schemas.microsoft.com/office/drawing/2014/main" id="{7876D293-58F2-B8E9-6576-2676F210D7CF}"/>
               </a:ext>
             </a:extLst>
           </p:cNvPr>
@@ -4430,7 +4635,7 @@
           <p:cNvPr id="32" name="Content placeholder 47">
             <a:extLst>
               <a:ext uri="{FF2B5EF4-FFF2-40B4-BE49-F238E27FC236}">
-                <a16:creationId xmlns="" xmlns:a16="http://schemas.microsoft.com/office/drawing/2014/main" id="{67FF6BA4-2B1B-4B51-9FE3-A67E3DCC3184}"/>
+                <a16:creationId xmlns:a16="http://schemas.microsoft.com/office/drawing/2014/main" id="{67FF6BA4-2B1B-4B51-9FE3-A67E3DCC3184}"/>
               </a:ext>
             </a:extLst>
           </p:cNvPr>
@@ -4502,7 +4707,7 @@
           <p:cNvPr id="30" name="Content placeholder 47">
             <a:extLst>
               <a:ext uri="{FF2B5EF4-FFF2-40B4-BE49-F238E27FC236}">
-                <a16:creationId xmlns="" xmlns:a16="http://schemas.microsoft.com/office/drawing/2014/main" id="{88E2377A-ED6B-4D69-A9DC-647CB22A5204}"/>
+                <a16:creationId xmlns:a16="http://schemas.microsoft.com/office/drawing/2014/main" id="{88E2377A-ED6B-4D69-A9DC-647CB22A5204}"/>
               </a:ext>
             </a:extLst>
           </p:cNvPr>
@@ -4574,7 +4779,7 @@
           <p:cNvPr id="31" name="Content placeholder 47">
             <a:extLst>
               <a:ext uri="{FF2B5EF4-FFF2-40B4-BE49-F238E27FC236}">
-                <a16:creationId xmlns="" xmlns:a16="http://schemas.microsoft.com/office/drawing/2014/main" id="{ECC27D7D-FA65-E93F-3C7E-AADBF7E0CC2C}"/>
+                <a16:creationId xmlns:a16="http://schemas.microsoft.com/office/drawing/2014/main" id="{ECC27D7D-FA65-E93F-3C7E-AADBF7E0CC2C}"/>
               </a:ext>
             </a:extLst>
           </p:cNvPr>
@@ -4646,7 +4851,7 @@
           <p:cNvPr id="33" name="Content placeholder 47">
             <a:extLst>
               <a:ext uri="{FF2B5EF4-FFF2-40B4-BE49-F238E27FC236}">
-                <a16:creationId xmlns="" xmlns:a16="http://schemas.microsoft.com/office/drawing/2014/main" id="{DF5280E4-E86B-9E17-04A1-072A8148C3BD}"/>
+                <a16:creationId xmlns:a16="http://schemas.microsoft.com/office/drawing/2014/main" id="{DF5280E4-E86B-9E17-04A1-072A8148C3BD}"/>
               </a:ext>
             </a:extLst>
           </p:cNvPr>
@@ -4718,7 +4923,7 @@
           <p:cNvPr id="37" name="Content placeholder 47">
             <a:extLst>
               <a:ext uri="{FF2B5EF4-FFF2-40B4-BE49-F238E27FC236}">
-                <a16:creationId xmlns="" xmlns:a16="http://schemas.microsoft.com/office/drawing/2014/main" id="{42F4F0D3-AF64-7F92-FF1C-F5D1DC62A388}"/>
+                <a16:creationId xmlns:a16="http://schemas.microsoft.com/office/drawing/2014/main" id="{42F4F0D3-AF64-7F92-FF1C-F5D1DC62A388}"/>
               </a:ext>
             </a:extLst>
           </p:cNvPr>
@@ -4790,7 +4995,7 @@
           <p:cNvPr id="27" name="Content placeholder 47">
             <a:extLst>
               <a:ext uri="{FF2B5EF4-FFF2-40B4-BE49-F238E27FC236}">
-                <a16:creationId xmlns="" xmlns:a16="http://schemas.microsoft.com/office/drawing/2014/main" id="{43D089D6-48B5-43AB-A887-EEF910BA9161}"/>
+                <a16:creationId xmlns:a16="http://schemas.microsoft.com/office/drawing/2014/main" id="{43D089D6-48B5-43AB-A887-EEF910BA9161}"/>
               </a:ext>
             </a:extLst>
           </p:cNvPr>
@@ -4849,7 +5054,7 @@
           <p:cNvPr id="24" name="Title Placeholder 4">
             <a:extLst>
               <a:ext uri="{FF2B5EF4-FFF2-40B4-BE49-F238E27FC236}">
-                <a16:creationId xmlns="" xmlns:a16="http://schemas.microsoft.com/office/drawing/2014/main" id="{69ABDED2-7EB3-3ABE-90D0-E6C00F806D0F}"/>
+                <a16:creationId xmlns:a16="http://schemas.microsoft.com/office/drawing/2014/main" id="{69ABDED2-7EB3-3ABE-90D0-E6C00F806D0F}"/>
               </a:ext>
             </a:extLst>
           </p:cNvPr>
@@ -4896,7 +5101,7 @@
           <p:cNvPr id="25" name="Content placeholder 47">
             <a:extLst>
               <a:ext uri="{FF2B5EF4-FFF2-40B4-BE49-F238E27FC236}">
-                <a16:creationId xmlns="" xmlns:a16="http://schemas.microsoft.com/office/drawing/2014/main" id="{476A31DC-7395-007C-8BA1-C38E5B289CF5}"/>
+                <a16:creationId xmlns:a16="http://schemas.microsoft.com/office/drawing/2014/main" id="{476A31DC-7395-007C-8BA1-C38E5B289CF5}"/>
               </a:ext>
             </a:extLst>
           </p:cNvPr>
@@ -4955,7 +5160,7 @@
           <p:cNvPr id="26" name="Content placeholder 47">
             <a:extLst>
               <a:ext uri="{FF2B5EF4-FFF2-40B4-BE49-F238E27FC236}">
-                <a16:creationId xmlns="" xmlns:a16="http://schemas.microsoft.com/office/drawing/2014/main" id="{35CE0786-D87B-DD89-C418-C53C1B7E610B}"/>
+                <a16:creationId xmlns:a16="http://schemas.microsoft.com/office/drawing/2014/main" id="{35CE0786-D87B-DD89-C418-C53C1B7E610B}"/>
               </a:ext>
             </a:extLst>
           </p:cNvPr>
@@ -5014,7 +5219,7 @@
           <p:cNvPr id="28" name="Content placeholder 47">
             <a:extLst>
               <a:ext uri="{FF2B5EF4-FFF2-40B4-BE49-F238E27FC236}">
-                <a16:creationId xmlns="" xmlns:a16="http://schemas.microsoft.com/office/drawing/2014/main" id="{7C7F2E6C-1DCD-3C6A-4830-5BF230A3AAB2}"/>
+                <a16:creationId xmlns:a16="http://schemas.microsoft.com/office/drawing/2014/main" id="{7C7F2E6C-1DCD-3C6A-4830-5BF230A3AAB2}"/>
               </a:ext>
             </a:extLst>
           </p:cNvPr>
@@ -5073,7 +5278,7 @@
           <p:cNvPr id="29" name="Content placeholder 47">
             <a:extLst>
               <a:ext uri="{FF2B5EF4-FFF2-40B4-BE49-F238E27FC236}">
-                <a16:creationId xmlns="" xmlns:a16="http://schemas.microsoft.com/office/drawing/2014/main" id="{56A87F6E-D6C5-8903-BC20-313810046034}"/>
+                <a16:creationId xmlns:a16="http://schemas.microsoft.com/office/drawing/2014/main" id="{56A87F6E-D6C5-8903-BC20-313810046034}"/>
               </a:ext>
             </a:extLst>
           </p:cNvPr>
@@ -5132,7 +5337,7 @@
           <p:cNvPr id="11" name="Footer Placeholder 10">
             <a:extLst>
               <a:ext uri="{FF2B5EF4-FFF2-40B4-BE49-F238E27FC236}">
-                <a16:creationId xmlns="" xmlns:a16="http://schemas.microsoft.com/office/drawing/2014/main" id="{7218367E-FDD8-A1F8-8E0F-A365771B85F7}"/>
+                <a16:creationId xmlns:a16="http://schemas.microsoft.com/office/drawing/2014/main" id="{7218367E-FDD8-A1F8-8E0F-A365771B85F7}"/>
               </a:ext>
             </a:extLst>
           </p:cNvPr>
@@ -5162,7 +5367,7 @@
           <p:cNvPr id="12" name="Slide Number Placeholder 11">
             <a:extLst>
               <a:ext uri="{FF2B5EF4-FFF2-40B4-BE49-F238E27FC236}">
-                <a16:creationId xmlns="" xmlns:a16="http://schemas.microsoft.com/office/drawing/2014/main" id="{77ECE300-0AB8-85A0-D4D3-B948DDA7B00F}"/>
+                <a16:creationId xmlns:a16="http://schemas.microsoft.com/office/drawing/2014/main" id="{77ECE300-0AB8-85A0-D4D3-B948DDA7B00F}"/>
               </a:ext>
             </a:extLst>
           </p:cNvPr>
@@ -5224,7 +5429,7 @@
           <p:cNvPr id="66" name="Freeform: Shape 25">
             <a:extLst>
               <a:ext uri="{FF2B5EF4-FFF2-40B4-BE49-F238E27FC236}">
-                <a16:creationId xmlns="" xmlns:a16="http://schemas.microsoft.com/office/drawing/2014/main" id="{D61EE2E4-C5DD-4944-B70C-8F0A3F741A59}"/>
+                <a16:creationId xmlns:a16="http://schemas.microsoft.com/office/drawing/2014/main" id="{D61EE2E4-C5DD-4944-B70C-8F0A3F741A59}"/>
               </a:ext>
             </a:extLst>
           </p:cNvPr>
@@ -5377,7 +5582,7 @@
           <p:cNvPr id="67" name="Freeform: Shape 26">
             <a:extLst>
               <a:ext uri="{FF2B5EF4-FFF2-40B4-BE49-F238E27FC236}">
-                <a16:creationId xmlns="" xmlns:a16="http://schemas.microsoft.com/office/drawing/2014/main" id="{91FA36A8-94E8-4069-B957-F7145D77BD5F}"/>
+                <a16:creationId xmlns:a16="http://schemas.microsoft.com/office/drawing/2014/main" id="{91FA36A8-94E8-4069-B957-F7145D77BD5F}"/>
               </a:ext>
             </a:extLst>
           </p:cNvPr>
@@ -5530,7 +5735,7 @@
           <p:cNvPr id="68" name="Freeform: Shape 27">
             <a:extLst>
               <a:ext uri="{FF2B5EF4-FFF2-40B4-BE49-F238E27FC236}">
-                <a16:creationId xmlns="" xmlns:a16="http://schemas.microsoft.com/office/drawing/2014/main" id="{7D38D67C-B6B8-4EB2-BC07-4A8128F44D16}"/>
+                <a16:creationId xmlns:a16="http://schemas.microsoft.com/office/drawing/2014/main" id="{7D38D67C-B6B8-4EB2-BC07-4A8128F44D16}"/>
               </a:ext>
             </a:extLst>
           </p:cNvPr>
@@ -5683,7 +5888,7 @@
           <p:cNvPr id="69" name="Freeform: Shape 28">
             <a:extLst>
               <a:ext uri="{FF2B5EF4-FFF2-40B4-BE49-F238E27FC236}">
-                <a16:creationId xmlns="" xmlns:a16="http://schemas.microsoft.com/office/drawing/2014/main" id="{6B2E4C8C-D96E-4A66-A3D2-3580DACCF801}"/>
+                <a16:creationId xmlns:a16="http://schemas.microsoft.com/office/drawing/2014/main" id="{6B2E4C8C-D96E-4A66-A3D2-3580DACCF801}"/>
               </a:ext>
             </a:extLst>
           </p:cNvPr>
@@ -5836,7 +6041,7 @@
           <p:cNvPr id="70" name="Freeform: Shape 29">
             <a:extLst>
               <a:ext uri="{FF2B5EF4-FFF2-40B4-BE49-F238E27FC236}">
-                <a16:creationId xmlns="" xmlns:a16="http://schemas.microsoft.com/office/drawing/2014/main" id="{74E0B8B0-45C7-4733-BBDC-B82F9307E431}"/>
+                <a16:creationId xmlns:a16="http://schemas.microsoft.com/office/drawing/2014/main" id="{74E0B8B0-45C7-4733-BBDC-B82F9307E431}"/>
               </a:ext>
             </a:extLst>
           </p:cNvPr>
@@ -5989,7 +6194,7 @@
           <p:cNvPr id="71" name="Freeform: Shape 30">
             <a:extLst>
               <a:ext uri="{FF2B5EF4-FFF2-40B4-BE49-F238E27FC236}">
-                <a16:creationId xmlns="" xmlns:a16="http://schemas.microsoft.com/office/drawing/2014/main" id="{F0BBECC2-631C-4C53-A9E8-6C87D48A3B01}"/>
+                <a16:creationId xmlns:a16="http://schemas.microsoft.com/office/drawing/2014/main" id="{F0BBECC2-631C-4C53-A9E8-6C87D48A3B01}"/>
               </a:ext>
             </a:extLst>
           </p:cNvPr>
@@ -6924,7 +7129,7 @@
           <p:cNvPr id="72" name="Freeform: Shape 31">
             <a:extLst>
               <a:ext uri="{FF2B5EF4-FFF2-40B4-BE49-F238E27FC236}">
-                <a16:creationId xmlns="" xmlns:a16="http://schemas.microsoft.com/office/drawing/2014/main" id="{274DD645-8640-45D5-9B60-F31EC01D3CC0}"/>
+                <a16:creationId xmlns:a16="http://schemas.microsoft.com/office/drawing/2014/main" id="{274DD645-8640-45D5-9B60-F31EC01D3CC0}"/>
               </a:ext>
             </a:extLst>
           </p:cNvPr>
@@ -7039,7 +7244,7 @@
           <p:cNvPr id="73" name="Freeform: Shape 34">
             <a:extLst>
               <a:ext uri="{FF2B5EF4-FFF2-40B4-BE49-F238E27FC236}">
-                <a16:creationId xmlns="" xmlns:a16="http://schemas.microsoft.com/office/drawing/2014/main" id="{71C09F09-7119-47FD-8E60-E4A92C9A3119}"/>
+                <a16:creationId xmlns:a16="http://schemas.microsoft.com/office/drawing/2014/main" id="{71C09F09-7119-47FD-8E60-E4A92C9A3119}"/>
               </a:ext>
             </a:extLst>
           </p:cNvPr>
@@ -7195,7 +7400,7 @@
           <p:cNvPr id="74" name="Freeform: Shape 45">
             <a:extLst>
               <a:ext uri="{FF2B5EF4-FFF2-40B4-BE49-F238E27FC236}">
-                <a16:creationId xmlns="" xmlns:a16="http://schemas.microsoft.com/office/drawing/2014/main" id="{E99BCE04-19B9-4541-925F-AC59CF760E7F}"/>
+                <a16:creationId xmlns:a16="http://schemas.microsoft.com/office/drawing/2014/main" id="{E99BCE04-19B9-4541-925F-AC59CF760E7F}"/>
               </a:ext>
             </a:extLst>
           </p:cNvPr>
@@ -7351,7 +7556,7 @@
           <p:cNvPr id="75" name="Freeform: Shape 46">
             <a:extLst>
               <a:ext uri="{FF2B5EF4-FFF2-40B4-BE49-F238E27FC236}">
-                <a16:creationId xmlns="" xmlns:a16="http://schemas.microsoft.com/office/drawing/2014/main" id="{F2B610BB-26F6-44A5-B7DB-CEEDCAE916ED}"/>
+                <a16:creationId xmlns:a16="http://schemas.microsoft.com/office/drawing/2014/main" id="{F2B610BB-26F6-44A5-B7DB-CEEDCAE916ED}"/>
               </a:ext>
             </a:extLst>
           </p:cNvPr>
@@ -7507,7 +7712,7 @@
           <p:cNvPr id="76" name="Freeform: Shape 47">
             <a:extLst>
               <a:ext uri="{FF2B5EF4-FFF2-40B4-BE49-F238E27FC236}">
-                <a16:creationId xmlns="" xmlns:a16="http://schemas.microsoft.com/office/drawing/2014/main" id="{C979636C-DE09-47B7-8972-BAE28DFA91DF}"/>
+                <a16:creationId xmlns:a16="http://schemas.microsoft.com/office/drawing/2014/main" id="{C979636C-DE09-47B7-8972-BAE28DFA91DF}"/>
               </a:ext>
             </a:extLst>
           </p:cNvPr>
@@ -7663,7 +7868,7 @@
           <p:cNvPr id="77" name="Freeform: Shape 48">
             <a:extLst>
               <a:ext uri="{FF2B5EF4-FFF2-40B4-BE49-F238E27FC236}">
-                <a16:creationId xmlns="" xmlns:a16="http://schemas.microsoft.com/office/drawing/2014/main" id="{01B12467-C508-4D89-94B3-6D23C6199703}"/>
+                <a16:creationId xmlns:a16="http://schemas.microsoft.com/office/drawing/2014/main" id="{01B12467-C508-4D89-94B3-6D23C6199703}"/>
               </a:ext>
             </a:extLst>
           </p:cNvPr>
@@ -7819,7 +8024,7 @@
           <p:cNvPr id="78" name="Freeform: Shape 49">
             <a:extLst>
               <a:ext uri="{FF2B5EF4-FFF2-40B4-BE49-F238E27FC236}">
-                <a16:creationId xmlns="" xmlns:a16="http://schemas.microsoft.com/office/drawing/2014/main" id="{9EA72422-90A8-454F-8133-112CD2B85BEA}"/>
+                <a16:creationId xmlns:a16="http://schemas.microsoft.com/office/drawing/2014/main" id="{9EA72422-90A8-454F-8133-112CD2B85BEA}"/>
               </a:ext>
             </a:extLst>
           </p:cNvPr>
@@ -7975,7 +8180,7 @@
           <p:cNvPr id="79" name="Freeform: Shape 50">
             <a:extLst>
               <a:ext uri="{FF2B5EF4-FFF2-40B4-BE49-F238E27FC236}">
-                <a16:creationId xmlns="" xmlns:a16="http://schemas.microsoft.com/office/drawing/2014/main" id="{3C67727D-D0D9-4CA6-99EE-0B89D465A706}"/>
+                <a16:creationId xmlns:a16="http://schemas.microsoft.com/office/drawing/2014/main" id="{3C67727D-D0D9-4CA6-99EE-0B89D465A706}"/>
               </a:ext>
             </a:extLst>
           </p:cNvPr>
@@ -8131,7 +8336,7 @@
           <p:cNvPr id="80" name="Freeform: Shape 51">
             <a:extLst>
               <a:ext uri="{FF2B5EF4-FFF2-40B4-BE49-F238E27FC236}">
-                <a16:creationId xmlns="" xmlns:a16="http://schemas.microsoft.com/office/drawing/2014/main" id="{C88A67D0-B01F-4CC8-B248-2CF85911F456}"/>
+                <a16:creationId xmlns:a16="http://schemas.microsoft.com/office/drawing/2014/main" id="{C88A67D0-B01F-4CC8-B248-2CF85911F456}"/>
               </a:ext>
             </a:extLst>
           </p:cNvPr>
@@ -8287,7 +8492,7 @@
           <p:cNvPr id="81" name="Freeform: Shape 52">
             <a:extLst>
               <a:ext uri="{FF2B5EF4-FFF2-40B4-BE49-F238E27FC236}">
-                <a16:creationId xmlns="" xmlns:a16="http://schemas.microsoft.com/office/drawing/2014/main" id="{DBF6CA39-E979-4287-833E-20A9B455F7D6}"/>
+                <a16:creationId xmlns:a16="http://schemas.microsoft.com/office/drawing/2014/main" id="{DBF6CA39-E979-4287-833E-20A9B455F7D6}"/>
               </a:ext>
             </a:extLst>
           </p:cNvPr>
@@ -8443,7 +8648,7 @@
           <p:cNvPr id="82" name="Freeform: Shape 53">
             <a:extLst>
               <a:ext uri="{FF2B5EF4-FFF2-40B4-BE49-F238E27FC236}">
-                <a16:creationId xmlns="" xmlns:a16="http://schemas.microsoft.com/office/drawing/2014/main" id="{9EAA4E60-7510-4920-A426-5630491CFAC2}"/>
+                <a16:creationId xmlns:a16="http://schemas.microsoft.com/office/drawing/2014/main" id="{9EAA4E60-7510-4920-A426-5630491CFAC2}"/>
               </a:ext>
             </a:extLst>
           </p:cNvPr>
@@ -8599,7 +8804,7 @@
           <p:cNvPr id="83" name="Freeform: Shape 54">
             <a:extLst>
               <a:ext uri="{FF2B5EF4-FFF2-40B4-BE49-F238E27FC236}">
-                <a16:creationId xmlns="" xmlns:a16="http://schemas.microsoft.com/office/drawing/2014/main" id="{322F7ECD-1942-42EE-B5E0-FC1E0206BFFD}"/>
+                <a16:creationId xmlns:a16="http://schemas.microsoft.com/office/drawing/2014/main" id="{322F7ECD-1942-42EE-B5E0-FC1E0206BFFD}"/>
               </a:ext>
             </a:extLst>
           </p:cNvPr>
@@ -8755,7 +8960,7 @@
           <p:cNvPr id="84" name="Freeform: Shape 55">
             <a:extLst>
               <a:ext uri="{FF2B5EF4-FFF2-40B4-BE49-F238E27FC236}">
-                <a16:creationId xmlns="" xmlns:a16="http://schemas.microsoft.com/office/drawing/2014/main" id="{2465D6BD-72DA-4C13-97C2-7CF8D7F2F0C4}"/>
+                <a16:creationId xmlns:a16="http://schemas.microsoft.com/office/drawing/2014/main" id="{2465D6BD-72DA-4C13-97C2-7CF8D7F2F0C4}"/>
               </a:ext>
             </a:extLst>
           </p:cNvPr>
@@ -8911,7 +9116,7 @@
           <p:cNvPr id="85" name="Content placeholder 47" descr="Click icon to add picture">
             <a:extLst>
               <a:ext uri="{FF2B5EF4-FFF2-40B4-BE49-F238E27FC236}">
-                <a16:creationId xmlns="" xmlns:a16="http://schemas.microsoft.com/office/drawing/2014/main" id="{E7C6BEEA-1766-44A1-A28D-2E817DBF2267}"/>
+                <a16:creationId xmlns:a16="http://schemas.microsoft.com/office/drawing/2014/main" id="{E7C6BEEA-1766-44A1-A28D-2E817DBF2267}"/>
               </a:ext>
             </a:extLst>
           </p:cNvPr>
@@ -8974,7 +9179,7 @@
           <p:cNvPr id="86" name="Content placeholder 47">
             <a:extLst>
               <a:ext uri="{FF2B5EF4-FFF2-40B4-BE49-F238E27FC236}">
-                <a16:creationId xmlns="" xmlns:a16="http://schemas.microsoft.com/office/drawing/2014/main" id="{597D4D7A-8D7E-492C-8795-D491CF53B5FA}"/>
+                <a16:creationId xmlns:a16="http://schemas.microsoft.com/office/drawing/2014/main" id="{597D4D7A-8D7E-492C-8795-D491CF53B5FA}"/>
               </a:ext>
             </a:extLst>
           </p:cNvPr>
@@ -9052,7 +9257,7 @@
           <p:cNvPr id="87" name="Content placeholder 47" descr="Click icon to add picture">
             <a:extLst>
               <a:ext uri="{FF2B5EF4-FFF2-40B4-BE49-F238E27FC236}">
-                <a16:creationId xmlns="" xmlns:a16="http://schemas.microsoft.com/office/drawing/2014/main" id="{A7396594-2DE7-4DB9-B6B4-92F63F06EFCF}"/>
+                <a16:creationId xmlns:a16="http://schemas.microsoft.com/office/drawing/2014/main" id="{A7396594-2DE7-4DB9-B6B4-92F63F06EFCF}"/>
               </a:ext>
             </a:extLst>
           </p:cNvPr>
@@ -9115,7 +9320,7 @@
           <p:cNvPr id="88" name="Content placeholder 47">
             <a:extLst>
               <a:ext uri="{FF2B5EF4-FFF2-40B4-BE49-F238E27FC236}">
-                <a16:creationId xmlns="" xmlns:a16="http://schemas.microsoft.com/office/drawing/2014/main" id="{CC680CF7-ED60-4FFF-B04E-B24ECDDD3512}"/>
+                <a16:creationId xmlns:a16="http://schemas.microsoft.com/office/drawing/2014/main" id="{CC680CF7-ED60-4FFF-B04E-B24ECDDD3512}"/>
               </a:ext>
             </a:extLst>
           </p:cNvPr>
@@ -9190,7 +9395,7 @@
           <p:cNvPr id="89" name="Content placeholder 47" descr="Click icon to add picture">
             <a:extLst>
               <a:ext uri="{FF2B5EF4-FFF2-40B4-BE49-F238E27FC236}">
-                <a16:creationId xmlns="" xmlns:a16="http://schemas.microsoft.com/office/drawing/2014/main" id="{042E6E66-3835-45DF-80D9-C4AFDF3401FF}"/>
+                <a16:creationId xmlns:a16="http://schemas.microsoft.com/office/drawing/2014/main" id="{042E6E66-3835-45DF-80D9-C4AFDF3401FF}"/>
               </a:ext>
             </a:extLst>
           </p:cNvPr>
@@ -9253,7 +9458,7 @@
           <p:cNvPr id="90" name="Content placeholder 47">
             <a:extLst>
               <a:ext uri="{FF2B5EF4-FFF2-40B4-BE49-F238E27FC236}">
-                <a16:creationId xmlns="" xmlns:a16="http://schemas.microsoft.com/office/drawing/2014/main" id="{A6E85C70-1784-4A0C-8897-EDE98D39BC01}"/>
+                <a16:creationId xmlns:a16="http://schemas.microsoft.com/office/drawing/2014/main" id="{A6E85C70-1784-4A0C-8897-EDE98D39BC01}"/>
               </a:ext>
             </a:extLst>
           </p:cNvPr>
@@ -9331,7 +9536,7 @@
           <p:cNvPr id="91" name="Content placeholder 47" descr="Click icon to add picture">
             <a:extLst>
               <a:ext uri="{FF2B5EF4-FFF2-40B4-BE49-F238E27FC236}">
-                <a16:creationId xmlns="" xmlns:a16="http://schemas.microsoft.com/office/drawing/2014/main" id="{4CD55BC2-05D0-49CB-B0A5-C96ACB411B57}"/>
+                <a16:creationId xmlns:a16="http://schemas.microsoft.com/office/drawing/2014/main" id="{4CD55BC2-05D0-49CB-B0A5-C96ACB411B57}"/>
               </a:ext>
             </a:extLst>
           </p:cNvPr>
@@ -9394,7 +9599,7 @@
           <p:cNvPr id="92" name="Content placeholder 47">
             <a:extLst>
               <a:ext uri="{FF2B5EF4-FFF2-40B4-BE49-F238E27FC236}">
-                <a16:creationId xmlns="" xmlns:a16="http://schemas.microsoft.com/office/drawing/2014/main" id="{49DB7120-2F2C-4F89-AA8C-ABC4F3FF25F3}"/>
+                <a16:creationId xmlns:a16="http://schemas.microsoft.com/office/drawing/2014/main" id="{49DB7120-2F2C-4F89-AA8C-ABC4F3FF25F3}"/>
               </a:ext>
             </a:extLst>
           </p:cNvPr>
@@ -9472,7 +9677,7 @@
           <p:cNvPr id="93" name="Content placeholder 47" descr="Click icon to add picture">
             <a:extLst>
               <a:ext uri="{FF2B5EF4-FFF2-40B4-BE49-F238E27FC236}">
-                <a16:creationId xmlns="" xmlns:a16="http://schemas.microsoft.com/office/drawing/2014/main" id="{AEB1F7BA-7D83-4C23-A72B-82DF9377E9C3}"/>
+                <a16:creationId xmlns:a16="http://schemas.microsoft.com/office/drawing/2014/main" id="{AEB1F7BA-7D83-4C23-A72B-82DF9377E9C3}"/>
               </a:ext>
             </a:extLst>
           </p:cNvPr>
@@ -9535,7 +9740,7 @@
           <p:cNvPr id="94" name="Content placeholder 47">
             <a:extLst>
               <a:ext uri="{FF2B5EF4-FFF2-40B4-BE49-F238E27FC236}">
-                <a16:creationId xmlns="" xmlns:a16="http://schemas.microsoft.com/office/drawing/2014/main" id="{7C32F3EB-1AC3-40E9-B66D-ADB19CC74F0F}"/>
+                <a16:creationId xmlns:a16="http://schemas.microsoft.com/office/drawing/2014/main" id="{7C32F3EB-1AC3-40E9-B66D-ADB19CC74F0F}"/>
               </a:ext>
             </a:extLst>
           </p:cNvPr>
@@ -9613,7 +9818,7 @@
           <p:cNvPr id="2" name="Title 1">
             <a:extLst>
               <a:ext uri="{FF2B5EF4-FFF2-40B4-BE49-F238E27FC236}">
-                <a16:creationId xmlns="" xmlns:a16="http://schemas.microsoft.com/office/drawing/2014/main" id="{667E7569-B8BF-39D0-D742-EF98B83E4E1D}"/>
+                <a16:creationId xmlns:a16="http://schemas.microsoft.com/office/drawing/2014/main" id="{667E7569-B8BF-39D0-D742-EF98B83E4E1D}"/>
               </a:ext>
             </a:extLst>
           </p:cNvPr>
@@ -9657,7 +9862,7 @@
           <p:cNvPr id="3" name="Footer Placeholder 2">
             <a:extLst>
               <a:ext uri="{FF2B5EF4-FFF2-40B4-BE49-F238E27FC236}">
-                <a16:creationId xmlns="" xmlns:a16="http://schemas.microsoft.com/office/drawing/2014/main" id="{9FC159C7-D006-5B5F-1FEA-689C432B8C8C}"/>
+                <a16:creationId xmlns:a16="http://schemas.microsoft.com/office/drawing/2014/main" id="{9FC159C7-D006-5B5F-1FEA-689C432B8C8C}"/>
               </a:ext>
             </a:extLst>
           </p:cNvPr>
@@ -9695,7 +9900,7 @@
           <p:cNvPr id="4" name="Slide Number Placeholder 3">
             <a:extLst>
               <a:ext uri="{FF2B5EF4-FFF2-40B4-BE49-F238E27FC236}">
-                <a16:creationId xmlns="" xmlns:a16="http://schemas.microsoft.com/office/drawing/2014/main" id="{4F0EBABD-E264-2C96-1139-289A712F35B7}"/>
+                <a16:creationId xmlns:a16="http://schemas.microsoft.com/office/drawing/2014/main" id="{4F0EBABD-E264-2C96-1139-289A712F35B7}"/>
               </a:ext>
             </a:extLst>
           </p:cNvPr>
@@ -9765,7 +9970,7 @@
           <p:cNvPr id="7" name="Freeform: Shape 19">
             <a:extLst>
               <a:ext uri="{FF2B5EF4-FFF2-40B4-BE49-F238E27FC236}">
-                <a16:creationId xmlns="" xmlns:a16="http://schemas.microsoft.com/office/drawing/2014/main" id="{F38B75F8-75D4-4B41-B7C7-433032DD0A6F}"/>
+                <a16:creationId xmlns:a16="http://schemas.microsoft.com/office/drawing/2014/main" id="{F38B75F8-75D4-4B41-B7C7-433032DD0A6F}"/>
               </a:ext>
             </a:extLst>
           </p:cNvPr>
@@ -9909,7 +10114,7 @@
           <p:cNvPr id="8" name="Freeform: Shape 24">
             <a:extLst>
               <a:ext uri="{FF2B5EF4-FFF2-40B4-BE49-F238E27FC236}">
-                <a16:creationId xmlns="" xmlns:a16="http://schemas.microsoft.com/office/drawing/2014/main" id="{671D1224-EDDC-4900-92DC-13608D44C524}"/>
+                <a16:creationId xmlns:a16="http://schemas.microsoft.com/office/drawing/2014/main" id="{671D1224-EDDC-4900-92DC-13608D44C524}"/>
               </a:ext>
             </a:extLst>
           </p:cNvPr>
@@ -10053,7 +10258,7 @@
           <p:cNvPr id="15" name="Freeform 14">
             <a:extLst>
               <a:ext uri="{FF2B5EF4-FFF2-40B4-BE49-F238E27FC236}">
-                <a16:creationId xmlns="" xmlns:a16="http://schemas.microsoft.com/office/drawing/2014/main" id="{635A9E44-4E60-1AD1-0B85-72422683B48A}"/>
+                <a16:creationId xmlns:a16="http://schemas.microsoft.com/office/drawing/2014/main" id="{635A9E44-4E60-1AD1-0B85-72422683B48A}"/>
               </a:ext>
             </a:extLst>
           </p:cNvPr>
@@ -10170,7 +10375,7 @@
           <p:cNvPr id="21" name="Subtitle 47" descr="Click icon to add picture">
             <a:extLst>
               <a:ext uri="{FF2B5EF4-FFF2-40B4-BE49-F238E27FC236}">
-                <a16:creationId xmlns="" xmlns:a16="http://schemas.microsoft.com/office/drawing/2014/main" id="{0C7786BA-5E56-47AA-AE47-4EC07A0D4FA1}"/>
+                <a16:creationId xmlns:a16="http://schemas.microsoft.com/office/drawing/2014/main" id="{0C7786BA-5E56-47AA-AE47-4EC07A0D4FA1}"/>
               </a:ext>
             </a:extLst>
           </p:cNvPr>
@@ -10233,7 +10438,7 @@
           <p:cNvPr id="23" name="Content placeholder 47">
             <a:extLst>
               <a:ext uri="{FF2B5EF4-FFF2-40B4-BE49-F238E27FC236}">
-                <a16:creationId xmlns="" xmlns:a16="http://schemas.microsoft.com/office/drawing/2014/main" id="{880214CF-87DD-476A-9B2E-A58DB313A61A}"/>
+                <a16:creationId xmlns:a16="http://schemas.microsoft.com/office/drawing/2014/main" id="{880214CF-87DD-476A-9B2E-A58DB313A61A}"/>
               </a:ext>
             </a:extLst>
           </p:cNvPr>
@@ -10300,7 +10505,7 @@
           <p:cNvPr id="37" name="Picture placeholder">
             <a:extLst>
               <a:ext uri="{FF2B5EF4-FFF2-40B4-BE49-F238E27FC236}">
-                <a16:creationId xmlns="" xmlns:a16="http://schemas.microsoft.com/office/drawing/2014/main" id="{264CF63C-079E-41AA-AA9A-762A765E699F}"/>
+                <a16:creationId xmlns:a16="http://schemas.microsoft.com/office/drawing/2014/main" id="{264CF63C-079E-41AA-AA9A-762A765E699F}"/>
               </a:ext>
             </a:extLst>
           </p:cNvPr>
@@ -10534,7 +10739,7 @@
           <p:cNvPr id="17" name="Title 1">
             <a:extLst>
               <a:ext uri="{FF2B5EF4-FFF2-40B4-BE49-F238E27FC236}">
-                <a16:creationId xmlns="" xmlns:a16="http://schemas.microsoft.com/office/drawing/2014/main" id="{D041C638-CBB8-1159-9AF8-B5D14CC7BE0F}"/>
+                <a16:creationId xmlns:a16="http://schemas.microsoft.com/office/drawing/2014/main" id="{D041C638-CBB8-1159-9AF8-B5D14CC7BE0F}"/>
               </a:ext>
             </a:extLst>
           </p:cNvPr>
@@ -10578,7 +10783,7 @@
           <p:cNvPr id="18" name="Subtitle 47" descr="Click icon to add picture">
             <a:extLst>
               <a:ext uri="{FF2B5EF4-FFF2-40B4-BE49-F238E27FC236}">
-                <a16:creationId xmlns="" xmlns:a16="http://schemas.microsoft.com/office/drawing/2014/main" id="{3C2C4001-E56F-4174-01AA-4630360BFF48}"/>
+                <a16:creationId xmlns:a16="http://schemas.microsoft.com/office/drawing/2014/main" id="{3C2C4001-E56F-4174-01AA-4630360BFF48}"/>
               </a:ext>
             </a:extLst>
           </p:cNvPr>
@@ -10641,7 +10846,7 @@
           <p:cNvPr id="20" name="Content placeholder 47">
             <a:extLst>
               <a:ext uri="{FF2B5EF4-FFF2-40B4-BE49-F238E27FC236}">
-                <a16:creationId xmlns="" xmlns:a16="http://schemas.microsoft.com/office/drawing/2014/main" id="{02DFC856-C546-62E9-220F-7A668D349056}"/>
+                <a16:creationId xmlns:a16="http://schemas.microsoft.com/office/drawing/2014/main" id="{02DFC856-C546-62E9-220F-7A668D349056}"/>
               </a:ext>
             </a:extLst>
           </p:cNvPr>
@@ -10708,7 +10913,7 @@
           <p:cNvPr id="6" name="Slide Number Placeholder 5">
             <a:extLst>
               <a:ext uri="{FF2B5EF4-FFF2-40B4-BE49-F238E27FC236}">
-                <a16:creationId xmlns="" xmlns:a16="http://schemas.microsoft.com/office/drawing/2014/main" id="{F507335A-F59E-2A6C-D2D6-F10391DA8D69}"/>
+                <a16:creationId xmlns:a16="http://schemas.microsoft.com/office/drawing/2014/main" id="{F507335A-F59E-2A6C-D2D6-F10391DA8D69}"/>
               </a:ext>
             </a:extLst>
           </p:cNvPr>
@@ -10778,7 +10983,7 @@
           <p:cNvPr id="15" name="Freeform 14">
             <a:extLst>
               <a:ext uri="{FF2B5EF4-FFF2-40B4-BE49-F238E27FC236}">
-                <a16:creationId xmlns="" xmlns:a16="http://schemas.microsoft.com/office/drawing/2014/main" id="{F946AB17-3782-8412-C51A-DE10A0637453}"/>
+                <a16:creationId xmlns:a16="http://schemas.microsoft.com/office/drawing/2014/main" id="{F946AB17-3782-8412-C51A-DE10A0637453}"/>
               </a:ext>
             </a:extLst>
           </p:cNvPr>
@@ -10898,7 +11103,7 @@
           <p:cNvPr id="16" name="Freeform 15">
             <a:extLst>
               <a:ext uri="{FF2B5EF4-FFF2-40B4-BE49-F238E27FC236}">
-                <a16:creationId xmlns="" xmlns:a16="http://schemas.microsoft.com/office/drawing/2014/main" id="{2BA5A58B-9440-7DAB-E7D7-3143B049FBAC}"/>
+                <a16:creationId xmlns:a16="http://schemas.microsoft.com/office/drawing/2014/main" id="{2BA5A58B-9440-7DAB-E7D7-3143B049FBAC}"/>
               </a:ext>
             </a:extLst>
           </p:cNvPr>
@@ -11025,7 +11230,7 @@
           <p:cNvPr id="22" name="Content Placeholder 47" descr="Click icon to add picture">
             <a:extLst>
               <a:ext uri="{FF2B5EF4-FFF2-40B4-BE49-F238E27FC236}">
-                <a16:creationId xmlns="" xmlns:a16="http://schemas.microsoft.com/office/drawing/2014/main" id="{95ADF367-2619-4E00-AB82-8FFF41D0E5C2}"/>
+                <a16:creationId xmlns:a16="http://schemas.microsoft.com/office/drawing/2014/main" id="{95ADF367-2619-4E00-AB82-8FFF41D0E5C2}"/>
               </a:ext>
             </a:extLst>
           </p:cNvPr>
@@ -11090,7 +11295,7 @@
           <p:cNvPr id="23" name="Content Placeholder 47">
             <a:extLst>
               <a:ext uri="{FF2B5EF4-FFF2-40B4-BE49-F238E27FC236}">
-                <a16:creationId xmlns="" xmlns:a16="http://schemas.microsoft.com/office/drawing/2014/main" id="{8CEB04CE-793E-47B4-8D80-9B82864F2CDF}"/>
+                <a16:creationId xmlns:a16="http://schemas.microsoft.com/office/drawing/2014/main" id="{8CEB04CE-793E-47B4-8D80-9B82864F2CDF}"/>
               </a:ext>
             </a:extLst>
           </p:cNvPr>
@@ -11161,7 +11366,7 @@
           <p:cNvPr id="24" name="Content Placeholder 47" descr="Click icon to add picture">
             <a:extLst>
               <a:ext uri="{FF2B5EF4-FFF2-40B4-BE49-F238E27FC236}">
-                <a16:creationId xmlns="" xmlns:a16="http://schemas.microsoft.com/office/drawing/2014/main" id="{067BF8FD-2643-4122-BE3E-63F413244ECB}"/>
+                <a16:creationId xmlns:a16="http://schemas.microsoft.com/office/drawing/2014/main" id="{067BF8FD-2643-4122-BE3E-63F413244ECB}"/>
               </a:ext>
             </a:extLst>
           </p:cNvPr>
@@ -11226,7 +11431,7 @@
           <p:cNvPr id="26" name="Content Placeholder 47" descr="Click icon to add picture">
             <a:extLst>
               <a:ext uri="{FF2B5EF4-FFF2-40B4-BE49-F238E27FC236}">
-                <a16:creationId xmlns="" xmlns:a16="http://schemas.microsoft.com/office/drawing/2014/main" id="{02260D10-FEA1-48A7-B544-FAEEAECF5DE2}"/>
+                <a16:creationId xmlns:a16="http://schemas.microsoft.com/office/drawing/2014/main" id="{02260D10-FEA1-48A7-B544-FAEEAECF5DE2}"/>
               </a:ext>
             </a:extLst>
           </p:cNvPr>
@@ -11291,7 +11496,7 @@
           <p:cNvPr id="20" name="Content Placeholder 47">
             <a:extLst>
               <a:ext uri="{FF2B5EF4-FFF2-40B4-BE49-F238E27FC236}">
-                <a16:creationId xmlns="" xmlns:a16="http://schemas.microsoft.com/office/drawing/2014/main" id="{64584B30-8BCF-4D75-8A6C-FD82347CC7B6}"/>
+                <a16:creationId xmlns:a16="http://schemas.microsoft.com/office/drawing/2014/main" id="{64584B30-8BCF-4D75-8A6C-FD82347CC7B6}"/>
               </a:ext>
             </a:extLst>
           </p:cNvPr>
@@ -11362,7 +11567,7 @@
           <p:cNvPr id="28" name="Content Placeholder 47">
             <a:extLst>
               <a:ext uri="{FF2B5EF4-FFF2-40B4-BE49-F238E27FC236}">
-                <a16:creationId xmlns="" xmlns:a16="http://schemas.microsoft.com/office/drawing/2014/main" id="{A4A25056-27FA-4039-ACFA-6624F778712A}"/>
+                <a16:creationId xmlns:a16="http://schemas.microsoft.com/office/drawing/2014/main" id="{A4A25056-27FA-4039-ACFA-6624F778712A}"/>
               </a:ext>
             </a:extLst>
           </p:cNvPr>
@@ -11433,7 +11638,7 @@
           <p:cNvPr id="27" name="Freeform: Shape 24">
             <a:extLst>
               <a:ext uri="{FF2B5EF4-FFF2-40B4-BE49-F238E27FC236}">
-                <a16:creationId xmlns="" xmlns:a16="http://schemas.microsoft.com/office/drawing/2014/main" id="{A23F9759-CF52-CE45-5E22-9678534685A7}"/>
+                <a16:creationId xmlns:a16="http://schemas.microsoft.com/office/drawing/2014/main" id="{A23F9759-CF52-CE45-5E22-9678534685A7}"/>
               </a:ext>
             </a:extLst>
           </p:cNvPr>
@@ -11577,7 +11782,7 @@
           <p:cNvPr id="6" name="Title 5">
             <a:extLst>
               <a:ext uri="{FF2B5EF4-FFF2-40B4-BE49-F238E27FC236}">
-                <a16:creationId xmlns="" xmlns:a16="http://schemas.microsoft.com/office/drawing/2014/main" id="{5D84FCC1-368D-680C-31AA-597C3AAF4232}"/>
+                <a16:creationId xmlns:a16="http://schemas.microsoft.com/office/drawing/2014/main" id="{5D84FCC1-368D-680C-31AA-597C3AAF4232}"/>
               </a:ext>
             </a:extLst>
           </p:cNvPr>
@@ -11621,7 +11826,7 @@
           <p:cNvPr id="18" name="Picture Placeholder 2">
             <a:extLst>
               <a:ext uri="{FF2B5EF4-FFF2-40B4-BE49-F238E27FC236}">
-                <a16:creationId xmlns="" xmlns:a16="http://schemas.microsoft.com/office/drawing/2014/main" id="{E53E8C9F-CD73-30CD-1F24-20F2E6149D58}"/>
+                <a16:creationId xmlns:a16="http://schemas.microsoft.com/office/drawing/2014/main" id="{E53E8C9F-CD73-30CD-1F24-20F2E6149D58}"/>
               </a:ext>
             </a:extLst>
           </p:cNvPr>
@@ -11697,7 +11902,7 @@
           <p:cNvPr id="19" name="Picture Placeholder 2">
             <a:extLst>
               <a:ext uri="{FF2B5EF4-FFF2-40B4-BE49-F238E27FC236}">
-                <a16:creationId xmlns="" xmlns:a16="http://schemas.microsoft.com/office/drawing/2014/main" id="{CE61E189-349E-0076-EA43-7BCB6E24CE86}"/>
+                <a16:creationId xmlns:a16="http://schemas.microsoft.com/office/drawing/2014/main" id="{CE61E189-349E-0076-EA43-7BCB6E24CE86}"/>
               </a:ext>
             </a:extLst>
           </p:cNvPr>
@@ -11773,7 +11978,7 @@
           <p:cNvPr id="21" name="Picture Placeholder 2">
             <a:extLst>
               <a:ext uri="{FF2B5EF4-FFF2-40B4-BE49-F238E27FC236}">
-                <a16:creationId xmlns="" xmlns:a16="http://schemas.microsoft.com/office/drawing/2014/main" id="{68B04572-5D47-C3DF-CDEA-15EC646EA8FE}"/>
+                <a16:creationId xmlns:a16="http://schemas.microsoft.com/office/drawing/2014/main" id="{68B04572-5D47-C3DF-CDEA-15EC646EA8FE}"/>
               </a:ext>
             </a:extLst>
           </p:cNvPr>
@@ -11849,7 +12054,7 @@
           <p:cNvPr id="5" name="Slide Number Placeholder 4">
             <a:extLst>
               <a:ext uri="{FF2B5EF4-FFF2-40B4-BE49-F238E27FC236}">
-                <a16:creationId xmlns="" xmlns:a16="http://schemas.microsoft.com/office/drawing/2014/main" id="{2446A453-65E1-B688-A3F9-EA0AA347DDEA}"/>
+                <a16:creationId xmlns:a16="http://schemas.microsoft.com/office/drawing/2014/main" id="{2446A453-65E1-B688-A3F9-EA0AA347DDEA}"/>
               </a:ext>
             </a:extLst>
           </p:cNvPr>
@@ -11919,7 +12124,7 @@
           <p:cNvPr id="8" name="Content Placeholder 47">
             <a:extLst>
               <a:ext uri="{FF2B5EF4-FFF2-40B4-BE49-F238E27FC236}">
-                <a16:creationId xmlns="" xmlns:a16="http://schemas.microsoft.com/office/drawing/2014/main" id="{3EDD8D3E-653B-4A9E-9868-3B013A65FE9F}"/>
+                <a16:creationId xmlns:a16="http://schemas.microsoft.com/office/drawing/2014/main" id="{3EDD8D3E-653B-4A9E-9868-3B013A65FE9F}"/>
               </a:ext>
             </a:extLst>
           </p:cNvPr>
@@ -12151,7 +12356,7 @@
           <p:cNvPr id="18" name="Content Placeholder 47">
             <a:extLst>
               <a:ext uri="{FF2B5EF4-FFF2-40B4-BE49-F238E27FC236}">
-                <a16:creationId xmlns="" xmlns:a16="http://schemas.microsoft.com/office/drawing/2014/main" id="{DD4E6A9F-7400-917B-6A6B-6BAB445E85FA}"/>
+                <a16:creationId xmlns:a16="http://schemas.microsoft.com/office/drawing/2014/main" id="{DD4E6A9F-7400-917B-6A6B-6BAB445E85FA}"/>
               </a:ext>
             </a:extLst>
           </p:cNvPr>
@@ -12215,7 +12420,7 @@
           <p:cNvPr id="19" name="Freeform: Shape 25">
             <a:extLst>
               <a:ext uri="{FF2B5EF4-FFF2-40B4-BE49-F238E27FC236}">
-                <a16:creationId xmlns="" xmlns:a16="http://schemas.microsoft.com/office/drawing/2014/main" id="{D7BBD3E8-D5DD-C21F-3792-4880373CCDCC}"/>
+                <a16:creationId xmlns:a16="http://schemas.microsoft.com/office/drawing/2014/main" id="{D7BBD3E8-D5DD-C21F-3792-4880373CCDCC}"/>
               </a:ext>
             </a:extLst>
           </p:cNvPr>
@@ -12359,7 +12564,7 @@
           <p:cNvPr id="20" name="Freeform: Shape 11">
             <a:extLst>
               <a:ext uri="{FF2B5EF4-FFF2-40B4-BE49-F238E27FC236}">
-                <a16:creationId xmlns="" xmlns:a16="http://schemas.microsoft.com/office/drawing/2014/main" id="{FC461D80-0CAC-62E5-726A-63B48BEF3F25}"/>
+                <a16:creationId xmlns:a16="http://schemas.microsoft.com/office/drawing/2014/main" id="{FC461D80-0CAC-62E5-726A-63B48BEF3F25}"/>
               </a:ext>
             </a:extLst>
           </p:cNvPr>
@@ -12501,7 +12706,7 @@
           <p:cNvPr id="3" name="Title 2">
             <a:extLst>
               <a:ext uri="{FF2B5EF4-FFF2-40B4-BE49-F238E27FC236}">
-                <a16:creationId xmlns="" xmlns:a16="http://schemas.microsoft.com/office/drawing/2014/main" id="{D4944167-AFE9-AE61-AF44-B9AEE24D17D8}"/>
+                <a16:creationId xmlns:a16="http://schemas.microsoft.com/office/drawing/2014/main" id="{D4944167-AFE9-AE61-AF44-B9AEE24D17D8}"/>
               </a:ext>
             </a:extLst>
           </p:cNvPr>
@@ -12545,7 +12750,7 @@
           <p:cNvPr id="2" name="Footer Placeholder 1">
             <a:extLst>
               <a:ext uri="{FF2B5EF4-FFF2-40B4-BE49-F238E27FC236}">
-                <a16:creationId xmlns="" xmlns:a16="http://schemas.microsoft.com/office/drawing/2014/main" id="{47268D53-92DA-7335-4DAB-83485CAF3FE9}"/>
+                <a16:creationId xmlns:a16="http://schemas.microsoft.com/office/drawing/2014/main" id="{47268D53-92DA-7335-4DAB-83485CAF3FE9}"/>
               </a:ext>
             </a:extLst>
           </p:cNvPr>
@@ -12583,7 +12788,7 @@
           <p:cNvPr id="6" name="Slide Number Placeholder 5">
             <a:extLst>
               <a:ext uri="{FF2B5EF4-FFF2-40B4-BE49-F238E27FC236}">
-                <a16:creationId xmlns="" xmlns:a16="http://schemas.microsoft.com/office/drawing/2014/main" id="{9F9FCB16-3643-AB04-D20E-A14FFE07F67C}"/>
+                <a16:creationId xmlns:a16="http://schemas.microsoft.com/office/drawing/2014/main" id="{9F9FCB16-3643-AB04-D20E-A14FFE07F67C}"/>
               </a:ext>
             </a:extLst>
           </p:cNvPr>
@@ -12653,7 +12858,7 @@
           <p:cNvPr id="47" name="Freeform 46">
             <a:extLst>
               <a:ext uri="{FF2B5EF4-FFF2-40B4-BE49-F238E27FC236}">
-                <a16:creationId xmlns="" xmlns:a16="http://schemas.microsoft.com/office/drawing/2014/main" id="{39B50CEE-D9F9-B5CD-C274-BEAA5EAB37E3}"/>
+                <a16:creationId xmlns:a16="http://schemas.microsoft.com/office/drawing/2014/main" id="{39B50CEE-D9F9-B5CD-C274-BEAA5EAB37E3}"/>
               </a:ext>
             </a:extLst>
           </p:cNvPr>
@@ -12773,7 +12978,7 @@
           <p:cNvPr id="9" name="Hexagon 15">
             <a:extLst>
               <a:ext uri="{FF2B5EF4-FFF2-40B4-BE49-F238E27FC236}">
-                <a16:creationId xmlns="" xmlns:a16="http://schemas.microsoft.com/office/drawing/2014/main" id="{93831F6E-A0DA-46E5-AF13-ED5D9ABF108D}"/>
+                <a16:creationId xmlns:a16="http://schemas.microsoft.com/office/drawing/2014/main" id="{93831F6E-A0DA-46E5-AF13-ED5D9ABF108D}"/>
               </a:ext>
             </a:extLst>
           </p:cNvPr>
@@ -12837,7 +13042,7 @@
           <p:cNvPr id="10" name="Hexagon 17">
             <a:extLst>
               <a:ext uri="{FF2B5EF4-FFF2-40B4-BE49-F238E27FC236}">
-                <a16:creationId xmlns="" xmlns:a16="http://schemas.microsoft.com/office/drawing/2014/main" id="{18B06ECC-5FA7-4ACA-86BF-694240D0C05B}"/>
+                <a16:creationId xmlns:a16="http://schemas.microsoft.com/office/drawing/2014/main" id="{18B06ECC-5FA7-4ACA-86BF-694240D0C05B}"/>
               </a:ext>
             </a:extLst>
           </p:cNvPr>
@@ -12898,7 +13103,7 @@
           <p:cNvPr id="11" name="Hexagon 19">
             <a:extLst>
               <a:ext uri="{FF2B5EF4-FFF2-40B4-BE49-F238E27FC236}">
-                <a16:creationId xmlns="" xmlns:a16="http://schemas.microsoft.com/office/drawing/2014/main" id="{089AA305-8FFC-46A5-B806-D5D78320D0CD}"/>
+                <a16:creationId xmlns:a16="http://schemas.microsoft.com/office/drawing/2014/main" id="{089AA305-8FFC-46A5-B806-D5D78320D0CD}"/>
               </a:ext>
             </a:extLst>
           </p:cNvPr>
@@ -12959,7 +13164,7 @@
           <p:cNvPr id="12" name="Hexagon 21">
             <a:extLst>
               <a:ext uri="{FF2B5EF4-FFF2-40B4-BE49-F238E27FC236}">
-                <a16:creationId xmlns="" xmlns:a16="http://schemas.microsoft.com/office/drawing/2014/main" id="{DB2D65ED-32BC-44B2-92F3-E16717051CA1}"/>
+                <a16:creationId xmlns:a16="http://schemas.microsoft.com/office/drawing/2014/main" id="{DB2D65ED-32BC-44B2-92F3-E16717051CA1}"/>
               </a:ext>
             </a:extLst>
           </p:cNvPr>
@@ -13023,7 +13228,7 @@
           <p:cNvPr id="44" name="Freeform 43">
             <a:extLst>
               <a:ext uri="{FF2B5EF4-FFF2-40B4-BE49-F238E27FC236}">
-                <a16:creationId xmlns="" xmlns:a16="http://schemas.microsoft.com/office/drawing/2014/main" id="{6100186E-95B0-AB29-6F1D-DBFBAA566DB2}"/>
+                <a16:creationId xmlns:a16="http://schemas.microsoft.com/office/drawing/2014/main" id="{6100186E-95B0-AB29-6F1D-DBFBAA566DB2}"/>
               </a:ext>
             </a:extLst>
           </p:cNvPr>
@@ -13143,7 +13348,7 @@
           <p:cNvPr id="14" name="Hexagon 27">
             <a:extLst>
               <a:ext uri="{FF2B5EF4-FFF2-40B4-BE49-F238E27FC236}">
-                <a16:creationId xmlns="" xmlns:a16="http://schemas.microsoft.com/office/drawing/2014/main" id="{5275D449-7441-440B-8584-96D25256F24D}"/>
+                <a16:creationId xmlns:a16="http://schemas.microsoft.com/office/drawing/2014/main" id="{5275D449-7441-440B-8584-96D25256F24D}"/>
               </a:ext>
             </a:extLst>
           </p:cNvPr>
@@ -13204,7 +13409,7 @@
           <p:cNvPr id="15" name="Hexagon 28">
             <a:extLst>
               <a:ext uri="{FF2B5EF4-FFF2-40B4-BE49-F238E27FC236}">
-                <a16:creationId xmlns="" xmlns:a16="http://schemas.microsoft.com/office/drawing/2014/main" id="{94CFCD79-F5CD-4175-96DE-1AC2E1999DB6}"/>
+                <a16:creationId xmlns:a16="http://schemas.microsoft.com/office/drawing/2014/main" id="{94CFCD79-F5CD-4175-96DE-1AC2E1999DB6}"/>
               </a:ext>
             </a:extLst>
           </p:cNvPr>
@@ -13267,7 +13472,7 @@
           <p:cNvPr id="43" name="Freeform 42">
             <a:extLst>
               <a:ext uri="{FF2B5EF4-FFF2-40B4-BE49-F238E27FC236}">
-                <a16:creationId xmlns="" xmlns:a16="http://schemas.microsoft.com/office/drawing/2014/main" id="{C8667104-E096-23C3-4C2C-5277C2AF5C57}"/>
+                <a16:creationId xmlns:a16="http://schemas.microsoft.com/office/drawing/2014/main" id="{C8667104-E096-23C3-4C2C-5277C2AF5C57}"/>
               </a:ext>
             </a:extLst>
           </p:cNvPr>
@@ -13376,7 +13581,7 @@
           <p:cNvPr id="18" name="Hexagon 31">
             <a:extLst>
               <a:ext uri="{FF2B5EF4-FFF2-40B4-BE49-F238E27FC236}">
-                <a16:creationId xmlns="" xmlns:a16="http://schemas.microsoft.com/office/drawing/2014/main" id="{61BB4AB0-7C5C-4697-A25B-0AFD8754AB52}"/>
+                <a16:creationId xmlns:a16="http://schemas.microsoft.com/office/drawing/2014/main" id="{61BB4AB0-7C5C-4697-A25B-0AFD8754AB52}"/>
               </a:ext>
             </a:extLst>
           </p:cNvPr>
@@ -13440,7 +13645,7 @@
           <p:cNvPr id="46" name="Freeform 45">
             <a:extLst>
               <a:ext uri="{FF2B5EF4-FFF2-40B4-BE49-F238E27FC236}">
-                <a16:creationId xmlns="" xmlns:a16="http://schemas.microsoft.com/office/drawing/2014/main" id="{2363FF00-E570-D743-258E-E9FEF4F02A08}"/>
+                <a16:creationId xmlns:a16="http://schemas.microsoft.com/office/drawing/2014/main" id="{2363FF00-E570-D743-258E-E9FEF4F02A08}"/>
               </a:ext>
             </a:extLst>
           </p:cNvPr>
@@ -13557,7 +13762,7 @@
           <p:cNvPr id="28" name="Content Placeholder 47">
             <a:extLst>
               <a:ext uri="{FF2B5EF4-FFF2-40B4-BE49-F238E27FC236}">
-                <a16:creationId xmlns="" xmlns:a16="http://schemas.microsoft.com/office/drawing/2014/main" id="{073CD90F-1E45-47EC-B558-D5F638F5FE6F}"/>
+                <a16:creationId xmlns:a16="http://schemas.microsoft.com/office/drawing/2014/main" id="{073CD90F-1E45-47EC-B558-D5F638F5FE6F}"/>
               </a:ext>
             </a:extLst>
           </p:cNvPr>
@@ -13611,7 +13816,7 @@
           <p:cNvPr id="29" name="Content Placeholder 47">
             <a:extLst>
               <a:ext uri="{FF2B5EF4-FFF2-40B4-BE49-F238E27FC236}">
-                <a16:creationId xmlns="" xmlns:a16="http://schemas.microsoft.com/office/drawing/2014/main" id="{9A501203-35D0-41A5-A2A4-9F05FAB495C4}"/>
+                <a16:creationId xmlns:a16="http://schemas.microsoft.com/office/drawing/2014/main" id="{9A501203-35D0-41A5-A2A4-9F05FAB495C4}"/>
               </a:ext>
             </a:extLst>
           </p:cNvPr>
@@ -13665,7 +13870,7 @@
           <p:cNvPr id="30" name="Content Placeholder 47">
             <a:extLst>
               <a:ext uri="{FF2B5EF4-FFF2-40B4-BE49-F238E27FC236}">
-                <a16:creationId xmlns="" xmlns:a16="http://schemas.microsoft.com/office/drawing/2014/main" id="{1FA62038-8BB7-45FD-896E-34738A5578BD}"/>
+                <a16:creationId xmlns:a16="http://schemas.microsoft.com/office/drawing/2014/main" id="{1FA62038-8BB7-45FD-896E-34738A5578BD}"/>
               </a:ext>
             </a:extLst>
           </p:cNvPr>
@@ -13719,7 +13924,7 @@
           <p:cNvPr id="31" name="Content Placeholder 47">
             <a:extLst>
               <a:ext uri="{FF2B5EF4-FFF2-40B4-BE49-F238E27FC236}">
-                <a16:creationId xmlns="" xmlns:a16="http://schemas.microsoft.com/office/drawing/2014/main" id="{9A7E0EE6-5885-489B-81A9-65DBC0016938}"/>
+                <a16:creationId xmlns:a16="http://schemas.microsoft.com/office/drawing/2014/main" id="{9A7E0EE6-5885-489B-81A9-65DBC0016938}"/>
               </a:ext>
             </a:extLst>
           </p:cNvPr>
@@ -13773,7 +13978,7 @@
           <p:cNvPr id="21" name="Content Placeholder 47" descr="Click icon to add picture">
             <a:extLst>
               <a:ext uri="{FF2B5EF4-FFF2-40B4-BE49-F238E27FC236}">
-                <a16:creationId xmlns="" xmlns:a16="http://schemas.microsoft.com/office/drawing/2014/main" id="{B7E46D91-6194-E279-CAE3-425E21FD4A83}"/>
+                <a16:creationId xmlns:a16="http://schemas.microsoft.com/office/drawing/2014/main" id="{B7E46D91-6194-E279-CAE3-425E21FD4A83}"/>
               </a:ext>
             </a:extLst>
           </p:cNvPr>
@@ -13836,7 +14041,7 @@
           <p:cNvPr id="22" name="Title 1">
             <a:extLst>
               <a:ext uri="{FF2B5EF4-FFF2-40B4-BE49-F238E27FC236}">
-                <a16:creationId xmlns="" xmlns:a16="http://schemas.microsoft.com/office/drawing/2014/main" id="{4722C9EB-D452-B3DF-5219-160F48DE789C}"/>
+                <a16:creationId xmlns:a16="http://schemas.microsoft.com/office/drawing/2014/main" id="{4722C9EB-D452-B3DF-5219-160F48DE789C}"/>
               </a:ext>
             </a:extLst>
           </p:cNvPr>
@@ -13880,7 +14085,7 @@
           <p:cNvPr id="40" name="Freeform 39">
             <a:extLst>
               <a:ext uri="{FF2B5EF4-FFF2-40B4-BE49-F238E27FC236}">
-                <a16:creationId xmlns="" xmlns:a16="http://schemas.microsoft.com/office/drawing/2014/main" id="{E3C8467A-0A34-2A65-92FE-F12F6A3D84A6}"/>
+                <a16:creationId xmlns:a16="http://schemas.microsoft.com/office/drawing/2014/main" id="{E3C8467A-0A34-2A65-92FE-F12F6A3D84A6}"/>
               </a:ext>
             </a:extLst>
           </p:cNvPr>
@@ -14054,7 +14259,7 @@
           <p:cNvPr id="17" name="Title 16">
             <a:extLst>
               <a:ext uri="{FF2B5EF4-FFF2-40B4-BE49-F238E27FC236}">
-                <a16:creationId xmlns="" xmlns:a16="http://schemas.microsoft.com/office/drawing/2014/main" id="{5518B595-5A04-0768-52B1-73F11E4754EA}"/>
+                <a16:creationId xmlns:a16="http://schemas.microsoft.com/office/drawing/2014/main" id="{5518B595-5A04-0768-52B1-73F11E4754EA}"/>
               </a:ext>
             </a:extLst>
           </p:cNvPr>
@@ -14098,7 +14303,7 @@
           <p:cNvPr id="7" name="Freeform: Shape 4">
             <a:extLst>
               <a:ext uri="{FF2B5EF4-FFF2-40B4-BE49-F238E27FC236}">
-                <a16:creationId xmlns="" xmlns:a16="http://schemas.microsoft.com/office/drawing/2014/main" id="{AE722AFD-22D7-4BD8-B055-3867C3800E16}"/>
+                <a16:creationId xmlns:a16="http://schemas.microsoft.com/office/drawing/2014/main" id="{AE722AFD-22D7-4BD8-B055-3867C3800E16}"/>
               </a:ext>
             </a:extLst>
           </p:cNvPr>
@@ -14238,7 +14443,7 @@
           <p:cNvPr id="13" name="Freeform: Shape 12">
             <a:extLst>
               <a:ext uri="{FF2B5EF4-FFF2-40B4-BE49-F238E27FC236}">
-                <a16:creationId xmlns="" xmlns:a16="http://schemas.microsoft.com/office/drawing/2014/main" id="{5D0355E4-3980-42A9-9376-74163520D39D}"/>
+                <a16:creationId xmlns:a16="http://schemas.microsoft.com/office/drawing/2014/main" id="{5D0355E4-3980-42A9-9376-74163520D39D}"/>
               </a:ext>
             </a:extLst>
           </p:cNvPr>
@@ -14378,7 +14583,7 @@
           <p:cNvPr id="14" name="Freeform: Shape 13">
             <a:extLst>
               <a:ext uri="{FF2B5EF4-FFF2-40B4-BE49-F238E27FC236}">
-                <a16:creationId xmlns="" xmlns:a16="http://schemas.microsoft.com/office/drawing/2014/main" id="{70174533-8C0E-4E82-A582-891A0555FA1F}"/>
+                <a16:creationId xmlns:a16="http://schemas.microsoft.com/office/drawing/2014/main" id="{70174533-8C0E-4E82-A582-891A0555FA1F}"/>
               </a:ext>
             </a:extLst>
           </p:cNvPr>
@@ -14518,7 +14723,7 @@
           <p:cNvPr id="15" name="Freeform: Shape 14">
             <a:extLst>
               <a:ext uri="{FF2B5EF4-FFF2-40B4-BE49-F238E27FC236}">
-                <a16:creationId xmlns="" xmlns:a16="http://schemas.microsoft.com/office/drawing/2014/main" id="{071E3938-A754-4D49-B509-249EE9BD83AB}"/>
+                <a16:creationId xmlns:a16="http://schemas.microsoft.com/office/drawing/2014/main" id="{071E3938-A754-4D49-B509-249EE9BD83AB}"/>
               </a:ext>
             </a:extLst>
           </p:cNvPr>
@@ -14658,7 +14863,7 @@
           <p:cNvPr id="16" name="Freeform: Shape 15">
             <a:extLst>
               <a:ext uri="{FF2B5EF4-FFF2-40B4-BE49-F238E27FC236}">
-                <a16:creationId xmlns="" xmlns:a16="http://schemas.microsoft.com/office/drawing/2014/main" id="{B9D430ED-A815-4274-966C-8192C4230569}"/>
+                <a16:creationId xmlns:a16="http://schemas.microsoft.com/office/drawing/2014/main" id="{B9D430ED-A815-4274-966C-8192C4230569}"/>
               </a:ext>
             </a:extLst>
           </p:cNvPr>
@@ -14798,7 +15003,7 @@
           <p:cNvPr id="24" name="Content placeholder 47" descr="Click icon to add picture">
             <a:extLst>
               <a:ext uri="{FF2B5EF4-FFF2-40B4-BE49-F238E27FC236}">
-                <a16:creationId xmlns="" xmlns:a16="http://schemas.microsoft.com/office/drawing/2014/main" id="{5414CF94-2913-4AE7-AAC3-3D61FE742888}"/>
+                <a16:creationId xmlns:a16="http://schemas.microsoft.com/office/drawing/2014/main" id="{5414CF94-2913-4AE7-AAC3-3D61FE742888}"/>
               </a:ext>
             </a:extLst>
           </p:cNvPr>
@@ -14870,7 +15075,7 @@
           <p:cNvPr id="26" name="Content placeholder 47" descr="Click icon to add picture">
             <a:extLst>
               <a:ext uri="{FF2B5EF4-FFF2-40B4-BE49-F238E27FC236}">
-                <a16:creationId xmlns="" xmlns:a16="http://schemas.microsoft.com/office/drawing/2014/main" id="{3CE3485A-395E-4C5F-A00F-D230FF7CFB93}"/>
+                <a16:creationId xmlns:a16="http://schemas.microsoft.com/office/drawing/2014/main" id="{3CE3485A-395E-4C5F-A00F-D230FF7CFB93}"/>
               </a:ext>
             </a:extLst>
           </p:cNvPr>
@@ -14942,7 +15147,7 @@
           <p:cNvPr id="33" name="Content placeholder 47" descr="Click icon to add picture">
             <a:extLst>
               <a:ext uri="{FF2B5EF4-FFF2-40B4-BE49-F238E27FC236}">
-                <a16:creationId xmlns="" xmlns:a16="http://schemas.microsoft.com/office/drawing/2014/main" id="{6A8DFBFF-5B07-49C6-ADB8-341FCD1E7531}"/>
+                <a16:creationId xmlns:a16="http://schemas.microsoft.com/office/drawing/2014/main" id="{6A8DFBFF-5B07-49C6-ADB8-341FCD1E7531}"/>
               </a:ext>
             </a:extLst>
           </p:cNvPr>
@@ -15006,7 +15211,7 @@
           <p:cNvPr id="34" name="Content placeholder 47" descr="Click icon to add picture">
             <a:extLst>
               <a:ext uri="{FF2B5EF4-FFF2-40B4-BE49-F238E27FC236}">
-                <a16:creationId xmlns="" xmlns:a16="http://schemas.microsoft.com/office/drawing/2014/main" id="{1AC7F192-CFC3-470A-9467-330212C6F52D}"/>
+                <a16:creationId xmlns:a16="http://schemas.microsoft.com/office/drawing/2014/main" id="{1AC7F192-CFC3-470A-9467-330212C6F52D}"/>
               </a:ext>
             </a:extLst>
           </p:cNvPr>
@@ -15070,7 +15275,7 @@
           <p:cNvPr id="35" name="Content placeholder 47" descr="Click icon to add picture">
             <a:extLst>
               <a:ext uri="{FF2B5EF4-FFF2-40B4-BE49-F238E27FC236}">
-                <a16:creationId xmlns="" xmlns:a16="http://schemas.microsoft.com/office/drawing/2014/main" id="{A5D53FF3-B0CD-4D31-9128-2D2E0E89F09C}"/>
+                <a16:creationId xmlns:a16="http://schemas.microsoft.com/office/drawing/2014/main" id="{A5D53FF3-B0CD-4D31-9128-2D2E0E89F09C}"/>
               </a:ext>
             </a:extLst>
           </p:cNvPr>
@@ -15134,7 +15339,7 @@
           <p:cNvPr id="6" name="Freeform: Shape 6">
             <a:extLst>
               <a:ext uri="{FF2B5EF4-FFF2-40B4-BE49-F238E27FC236}">
-                <a16:creationId xmlns="" xmlns:a16="http://schemas.microsoft.com/office/drawing/2014/main" id="{4D27EAE5-5D14-4E2B-9A4E-E1CE7C26F40F}"/>
+                <a16:creationId xmlns:a16="http://schemas.microsoft.com/office/drawing/2014/main" id="{4D27EAE5-5D14-4E2B-9A4E-E1CE7C26F40F}"/>
               </a:ext>
             </a:extLst>
           </p:cNvPr>
@@ -15271,7 +15476,7 @@
           <p:cNvPr id="29" name="Freeform 28">
             <a:extLst>
               <a:ext uri="{FF2B5EF4-FFF2-40B4-BE49-F238E27FC236}">
-                <a16:creationId xmlns="" xmlns:a16="http://schemas.microsoft.com/office/drawing/2014/main" id="{0B88ADED-0863-78D3-7710-E131932E965F}"/>
+                <a16:creationId xmlns:a16="http://schemas.microsoft.com/office/drawing/2014/main" id="{0B88ADED-0863-78D3-7710-E131932E965F}"/>
               </a:ext>
             </a:extLst>
           </p:cNvPr>
@@ -15384,7 +15589,7 @@
           <p:cNvPr id="28" name="Freeform 27">
             <a:extLst>
               <a:ext uri="{FF2B5EF4-FFF2-40B4-BE49-F238E27FC236}">
-                <a16:creationId xmlns="" xmlns:a16="http://schemas.microsoft.com/office/drawing/2014/main" id="{32435EB1-8BEE-9EEE-D9E4-E53D56B7E09C}"/>
+                <a16:creationId xmlns:a16="http://schemas.microsoft.com/office/drawing/2014/main" id="{32435EB1-8BEE-9EEE-D9E4-E53D56B7E09C}"/>
               </a:ext>
             </a:extLst>
           </p:cNvPr>
@@ -15481,7 +15686,7 @@
           <p:cNvPr id="30" name="Freeform 29">
             <a:extLst>
               <a:ext uri="{FF2B5EF4-FFF2-40B4-BE49-F238E27FC236}">
-                <a16:creationId xmlns="" xmlns:a16="http://schemas.microsoft.com/office/drawing/2014/main" id="{2692688E-3654-181E-6244-F2CED7612746}"/>
+                <a16:creationId xmlns:a16="http://schemas.microsoft.com/office/drawing/2014/main" id="{2692688E-3654-181E-6244-F2CED7612746}"/>
               </a:ext>
             </a:extLst>
           </p:cNvPr>
@@ -15594,7 +15799,7 @@
           <p:cNvPr id="11" name="Freeform: Shape 10">
             <a:extLst>
               <a:ext uri="{FF2B5EF4-FFF2-40B4-BE49-F238E27FC236}">
-                <a16:creationId xmlns="" xmlns:a16="http://schemas.microsoft.com/office/drawing/2014/main" id="{01796F5D-2CC8-44C2-B5B5-E61BEFFF5A72}"/>
+                <a16:creationId xmlns:a16="http://schemas.microsoft.com/office/drawing/2014/main" id="{01796F5D-2CC8-44C2-B5B5-E61BEFFF5A72}"/>
               </a:ext>
             </a:extLst>
           </p:cNvPr>
@@ -15731,7 +15936,7 @@
           <p:cNvPr id="12" name="Freeform: Shape 11">
             <a:extLst>
               <a:ext uri="{FF2B5EF4-FFF2-40B4-BE49-F238E27FC236}">
-                <a16:creationId xmlns="" xmlns:a16="http://schemas.microsoft.com/office/drawing/2014/main" id="{73093633-6A91-42B5-961C-4B3A5DDF2146}"/>
+                <a16:creationId xmlns:a16="http://schemas.microsoft.com/office/drawing/2014/main" id="{73093633-6A91-42B5-961C-4B3A5DDF2146}"/>
               </a:ext>
             </a:extLst>
           </p:cNvPr>
@@ -15868,7 +16073,7 @@
           <p:cNvPr id="2" name="Footer Placeholder 1">
             <a:extLst>
               <a:ext uri="{FF2B5EF4-FFF2-40B4-BE49-F238E27FC236}">
-                <a16:creationId xmlns="" xmlns:a16="http://schemas.microsoft.com/office/drawing/2014/main" id="{D6B1A7E0-D0BF-7FCA-D296-94BFC0D611C5}"/>
+                <a16:creationId xmlns:a16="http://schemas.microsoft.com/office/drawing/2014/main" id="{D6B1A7E0-D0BF-7FCA-D296-94BFC0D611C5}"/>
               </a:ext>
             </a:extLst>
           </p:cNvPr>
@@ -15909,7 +16114,7 @@
           <p:cNvPr id="3" name="Slide Number Placeholder 2">
             <a:extLst>
               <a:ext uri="{FF2B5EF4-FFF2-40B4-BE49-F238E27FC236}">
-                <a16:creationId xmlns="" xmlns:a16="http://schemas.microsoft.com/office/drawing/2014/main" id="{FCAC10D1-DF42-8734-0793-84312B963E62}"/>
+                <a16:creationId xmlns:a16="http://schemas.microsoft.com/office/drawing/2014/main" id="{FCAC10D1-DF42-8734-0793-84312B963E62}"/>
               </a:ext>
             </a:extLst>
           </p:cNvPr>
@@ -15959,7 +16164,7 @@
   </p:clrMapOvr>
   <p:extLst>
     <p:ext uri="{DCECCB84-F9BA-43D5-87BE-67443E8EF086}">
-      <p15:sldGuideLst xmlns="" xmlns:p15="http://schemas.microsoft.com/office/powerpoint/2012/main">
+      <p15:sldGuideLst xmlns:p15="http://schemas.microsoft.com/office/powerpoint/2012/main">
         <p15:guide id="1" orient="horz" pos="528">
           <p15:clr>
             <a:srgbClr val="FBAE40"/>
@@ -15998,7 +16203,7 @@
           <p:cNvPr id="6" name="Title 5">
             <a:extLst>
               <a:ext uri="{FF2B5EF4-FFF2-40B4-BE49-F238E27FC236}">
-                <a16:creationId xmlns="" xmlns:a16="http://schemas.microsoft.com/office/drawing/2014/main" id="{50C1D3CF-F6AF-93EB-C40E-C278E58442C0}"/>
+                <a16:creationId xmlns:a16="http://schemas.microsoft.com/office/drawing/2014/main" id="{50C1D3CF-F6AF-93EB-C40E-C278E58442C0}"/>
               </a:ext>
             </a:extLst>
           </p:cNvPr>
@@ -16042,7 +16247,7 @@
           <p:cNvPr id="14" name="Content placeholder 47">
             <a:extLst>
               <a:ext uri="{FF2B5EF4-FFF2-40B4-BE49-F238E27FC236}">
-                <a16:creationId xmlns="" xmlns:a16="http://schemas.microsoft.com/office/drawing/2014/main" id="{E61594E5-F661-407F-9B5E-62267D2E6AAD}"/>
+                <a16:creationId xmlns:a16="http://schemas.microsoft.com/office/drawing/2014/main" id="{E61594E5-F661-407F-9B5E-62267D2E6AAD}"/>
               </a:ext>
             </a:extLst>
           </p:cNvPr>
@@ -16106,7 +16311,7 @@
           <p:cNvPr id="21" name="Picture Placeholder 20">
             <a:extLst>
               <a:ext uri="{FF2B5EF4-FFF2-40B4-BE49-F238E27FC236}">
-                <a16:creationId xmlns="" xmlns:a16="http://schemas.microsoft.com/office/drawing/2014/main" id="{988BDF24-3B67-5B77-0D48-319FA7FD0F65}"/>
+                <a16:creationId xmlns:a16="http://schemas.microsoft.com/office/drawing/2014/main" id="{988BDF24-3B67-5B77-0D48-319FA7FD0F65}"/>
               </a:ext>
             </a:extLst>
           </p:cNvPr>
@@ -16304,7 +16509,7 @@
           <p:cNvPr id="5" name="Footer Placeholder 4">
             <a:extLst>
               <a:ext uri="{FF2B5EF4-FFF2-40B4-BE49-F238E27FC236}">
-                <a16:creationId xmlns="" xmlns:a16="http://schemas.microsoft.com/office/drawing/2014/main" id="{41F6C45B-70BB-86F1-1866-F93BEC26ACF8}"/>
+                <a16:creationId xmlns:a16="http://schemas.microsoft.com/office/drawing/2014/main" id="{41F6C45B-70BB-86F1-1866-F93BEC26ACF8}"/>
               </a:ext>
             </a:extLst>
           </p:cNvPr>
@@ -16342,7 +16547,7 @@
           <p:cNvPr id="7" name="Slide Number Placeholder 6">
             <a:extLst>
               <a:ext uri="{FF2B5EF4-FFF2-40B4-BE49-F238E27FC236}">
-                <a16:creationId xmlns="" xmlns:a16="http://schemas.microsoft.com/office/drawing/2014/main" id="{0870044D-485D-043B-9D5B-C01AA8E06447}"/>
+                <a16:creationId xmlns:a16="http://schemas.microsoft.com/office/drawing/2014/main" id="{0870044D-485D-043B-9D5B-C01AA8E06447}"/>
               </a:ext>
             </a:extLst>
           </p:cNvPr>
@@ -16412,7 +16617,7 @@
           <p:cNvPr id="8" name="Title Placeholder 4">
             <a:extLst>
               <a:ext uri="{FF2B5EF4-FFF2-40B4-BE49-F238E27FC236}">
-                <a16:creationId xmlns="" xmlns:a16="http://schemas.microsoft.com/office/drawing/2014/main" id="{F73BF8E3-2426-5D65-6582-D4B03C765A5D}"/>
+                <a16:creationId xmlns:a16="http://schemas.microsoft.com/office/drawing/2014/main" id="{F73BF8E3-2426-5D65-6582-D4B03C765A5D}"/>
               </a:ext>
             </a:extLst>
           </p:cNvPr>
@@ -16459,7 +16664,7 @@
           <p:cNvPr id="18" name="Hexagon 17">
             <a:extLst>
               <a:ext uri="{FF2B5EF4-FFF2-40B4-BE49-F238E27FC236}">
-                <a16:creationId xmlns="" xmlns:a16="http://schemas.microsoft.com/office/drawing/2014/main" id="{ADF8D8A3-175E-9A50-A98B-3766DAAB5EE2}"/>
+                <a16:creationId xmlns:a16="http://schemas.microsoft.com/office/drawing/2014/main" id="{ADF8D8A3-175E-9A50-A98B-3766DAAB5EE2}"/>
               </a:ext>
             </a:extLst>
           </p:cNvPr>
@@ -16520,7 +16725,7 @@
           <p:cNvPr id="11" name="Text 47" descr="Click icon to add picture">
             <a:extLst>
               <a:ext uri="{FF2B5EF4-FFF2-40B4-BE49-F238E27FC236}">
-                <a16:creationId xmlns="" xmlns:a16="http://schemas.microsoft.com/office/drawing/2014/main" id="{B264F104-ED4D-9A7F-E598-295893E05B7F}"/>
+                <a16:creationId xmlns:a16="http://schemas.microsoft.com/office/drawing/2014/main" id="{B264F104-ED4D-9A7F-E598-295893E05B7F}"/>
               </a:ext>
             </a:extLst>
           </p:cNvPr>
@@ -16583,7 +16788,7 @@
           <p:cNvPr id="17" name="Picture Placeholder 16">
             <a:extLst>
               <a:ext uri="{FF2B5EF4-FFF2-40B4-BE49-F238E27FC236}">
-                <a16:creationId xmlns="" xmlns:a16="http://schemas.microsoft.com/office/drawing/2014/main" id="{7A084A88-6A62-9495-6CFE-1127D5CAAAB2}"/>
+                <a16:creationId xmlns:a16="http://schemas.microsoft.com/office/drawing/2014/main" id="{7A084A88-6A62-9495-6CFE-1127D5CAAAB2}"/>
               </a:ext>
             </a:extLst>
           </p:cNvPr>
@@ -16770,7 +16975,7 @@
           <p:cNvPr id="2" name="Title 1">
             <a:extLst>
               <a:ext uri="{FF2B5EF4-FFF2-40B4-BE49-F238E27FC236}">
-                <a16:creationId xmlns="" xmlns:a16="http://schemas.microsoft.com/office/drawing/2014/main" id="{7C42BC57-1D8D-9F59-24F9-1E8232279959}"/>
+                <a16:creationId xmlns:a16="http://schemas.microsoft.com/office/drawing/2014/main" id="{7C42BC57-1D8D-9F59-24F9-1E8232279959}"/>
               </a:ext>
             </a:extLst>
           </p:cNvPr>
@@ -16811,7 +17016,7 @@
           <p:cNvPr id="11" name="Content placeholder 47">
             <a:extLst>
               <a:ext uri="{FF2B5EF4-FFF2-40B4-BE49-F238E27FC236}">
-                <a16:creationId xmlns="" xmlns:a16="http://schemas.microsoft.com/office/drawing/2014/main" id="{561744A6-D3EA-42C3-8E71-3BB8BA1E6149}"/>
+                <a16:creationId xmlns:a16="http://schemas.microsoft.com/office/drawing/2014/main" id="{561744A6-D3EA-42C3-8E71-3BB8BA1E6149}"/>
               </a:ext>
             </a:extLst>
           </p:cNvPr>
@@ -16856,7 +17061,7 @@
           <p:cNvPr id="3" name="Footer Placeholder 2">
             <a:extLst>
               <a:ext uri="{FF2B5EF4-FFF2-40B4-BE49-F238E27FC236}">
-                <a16:creationId xmlns="" xmlns:a16="http://schemas.microsoft.com/office/drawing/2014/main" id="{D1C82179-6F61-D1EC-D800-74B748B37F0E}"/>
+                <a16:creationId xmlns:a16="http://schemas.microsoft.com/office/drawing/2014/main" id="{D1C82179-6F61-D1EC-D800-74B748B37F0E}"/>
               </a:ext>
             </a:extLst>
           </p:cNvPr>
@@ -16892,7 +17097,7 @@
           <p:cNvPr id="5" name="Slide Number Placeholder 4">
             <a:extLst>
               <a:ext uri="{FF2B5EF4-FFF2-40B4-BE49-F238E27FC236}">
-                <a16:creationId xmlns="" xmlns:a16="http://schemas.microsoft.com/office/drawing/2014/main" id="{38803A51-0211-9F66-D20B-444BC94AA39E}"/>
+                <a16:creationId xmlns:a16="http://schemas.microsoft.com/office/drawing/2014/main" id="{38803A51-0211-9F66-D20B-444BC94AA39E}"/>
               </a:ext>
             </a:extLst>
           </p:cNvPr>
@@ -16960,7 +17165,7 @@
           <p:cNvPr id="11" name="Title Placeholder 4">
             <a:extLst>
               <a:ext uri="{FF2B5EF4-FFF2-40B4-BE49-F238E27FC236}">
-                <a16:creationId xmlns="" xmlns:a16="http://schemas.microsoft.com/office/drawing/2014/main" id="{05751864-B11A-0286-13EA-2AC2A2C8DD5D}"/>
+                <a16:creationId xmlns:a16="http://schemas.microsoft.com/office/drawing/2014/main" id="{05751864-B11A-0286-13EA-2AC2A2C8DD5D}"/>
               </a:ext>
             </a:extLst>
           </p:cNvPr>
@@ -17007,7 +17212,7 @@
           <p:cNvPr id="10" name="Table placeholder">
             <a:extLst>
               <a:ext uri="{FF2B5EF4-FFF2-40B4-BE49-F238E27FC236}">
-                <a16:creationId xmlns="" xmlns:a16="http://schemas.microsoft.com/office/drawing/2014/main" id="{CFC5FF09-DE50-4155-81A0-5DD9B700F205}"/>
+                <a16:creationId xmlns:a16="http://schemas.microsoft.com/office/drawing/2014/main" id="{CFC5FF09-DE50-4155-81A0-5DD9B700F205}"/>
               </a:ext>
             </a:extLst>
           </p:cNvPr>
@@ -17054,7 +17259,7 @@
           <p:cNvPr id="9" name="Freeform: Shape 5">
             <a:extLst>
               <a:ext uri="{FF2B5EF4-FFF2-40B4-BE49-F238E27FC236}">
-                <a16:creationId xmlns="" xmlns:a16="http://schemas.microsoft.com/office/drawing/2014/main" id="{3F619E6B-153E-B522-47EB-4104C405736C}"/>
+                <a16:creationId xmlns:a16="http://schemas.microsoft.com/office/drawing/2014/main" id="{3F619E6B-153E-B522-47EB-4104C405736C}"/>
               </a:ext>
             </a:extLst>
           </p:cNvPr>
@@ -17195,7 +17400,7 @@
           <p:cNvPr id="12" name="Freeform 11">
             <a:extLst>
               <a:ext uri="{FF2B5EF4-FFF2-40B4-BE49-F238E27FC236}">
-                <a16:creationId xmlns="" xmlns:a16="http://schemas.microsoft.com/office/drawing/2014/main" id="{687A7B3D-E004-6D6A-5979-8F1BADBC9237}"/>
+                <a16:creationId xmlns:a16="http://schemas.microsoft.com/office/drawing/2014/main" id="{687A7B3D-E004-6D6A-5979-8F1BADBC9237}"/>
               </a:ext>
             </a:extLst>
           </p:cNvPr>
@@ -17312,7 +17517,7 @@
           <p:cNvPr id="13" name="Freeform: Shape 11">
             <a:extLst>
               <a:ext uri="{FF2B5EF4-FFF2-40B4-BE49-F238E27FC236}">
-                <a16:creationId xmlns="" xmlns:a16="http://schemas.microsoft.com/office/drawing/2014/main" id="{A4CA3A93-BDBF-112D-54A0-05BF6B06BCC1}"/>
+                <a16:creationId xmlns:a16="http://schemas.microsoft.com/office/drawing/2014/main" id="{A4CA3A93-BDBF-112D-54A0-05BF6B06BCC1}"/>
               </a:ext>
             </a:extLst>
           </p:cNvPr>
@@ -17454,7 +17659,7 @@
           <p:cNvPr id="2" name="Footer Placeholder 1">
             <a:extLst>
               <a:ext uri="{FF2B5EF4-FFF2-40B4-BE49-F238E27FC236}">
-                <a16:creationId xmlns="" xmlns:a16="http://schemas.microsoft.com/office/drawing/2014/main" id="{5F7A154B-D8F5-C1FB-307D-496380875BD1}"/>
+                <a16:creationId xmlns:a16="http://schemas.microsoft.com/office/drawing/2014/main" id="{5F7A154B-D8F5-C1FB-307D-496380875BD1}"/>
               </a:ext>
             </a:extLst>
           </p:cNvPr>
@@ -17492,7 +17697,7 @@
           <p:cNvPr id="5" name="Slide Number Placeholder 4">
             <a:extLst>
               <a:ext uri="{FF2B5EF4-FFF2-40B4-BE49-F238E27FC236}">
-                <a16:creationId xmlns="" xmlns:a16="http://schemas.microsoft.com/office/drawing/2014/main" id="{D728715E-D2CE-A33E-1A28-4E627F239BBE}"/>
+                <a16:creationId xmlns:a16="http://schemas.microsoft.com/office/drawing/2014/main" id="{D728715E-D2CE-A33E-1A28-4E627F239BBE}"/>
               </a:ext>
             </a:extLst>
           </p:cNvPr>
@@ -17562,7 +17767,7 @@
           <p:cNvPr id="7" name="Title 6">
             <a:extLst>
               <a:ext uri="{FF2B5EF4-FFF2-40B4-BE49-F238E27FC236}">
-                <a16:creationId xmlns="" xmlns:a16="http://schemas.microsoft.com/office/drawing/2014/main" id="{8BF58E95-E9E1-28E6-FB2F-DE808892233F}"/>
+                <a16:creationId xmlns:a16="http://schemas.microsoft.com/office/drawing/2014/main" id="{8BF58E95-E9E1-28E6-FB2F-DE808892233F}"/>
               </a:ext>
             </a:extLst>
           </p:cNvPr>
@@ -17615,7 +17820,7 @@
           <p:cNvPr id="11" name="subtitle 47">
             <a:extLst>
               <a:ext uri="{FF2B5EF4-FFF2-40B4-BE49-F238E27FC236}">
-                <a16:creationId xmlns="" xmlns:a16="http://schemas.microsoft.com/office/drawing/2014/main" id="{3B45AD65-2B81-A368-E5F0-5C61D0B1DFEB}"/>
+                <a16:creationId xmlns:a16="http://schemas.microsoft.com/office/drawing/2014/main" id="{3B45AD65-2B81-A368-E5F0-5C61D0B1DFEB}"/>
               </a:ext>
             </a:extLst>
           </p:cNvPr>
@@ -17679,7 +17884,7 @@
           <p:cNvPr id="4" name="Freeform: Shape 5">
             <a:extLst>
               <a:ext uri="{FF2B5EF4-FFF2-40B4-BE49-F238E27FC236}">
-                <a16:creationId xmlns="" xmlns:a16="http://schemas.microsoft.com/office/drawing/2014/main" id="{0CA4AA19-0D07-46AB-AC12-64054BBBB499}"/>
+                <a16:creationId xmlns:a16="http://schemas.microsoft.com/office/drawing/2014/main" id="{0CA4AA19-0D07-46AB-AC12-64054BBBB499}"/>
               </a:ext>
             </a:extLst>
           </p:cNvPr>
@@ -17819,7 +18024,7 @@
           <p:cNvPr id="5" name="Freeform: Shape 6">
             <a:extLst>
               <a:ext uri="{FF2B5EF4-FFF2-40B4-BE49-F238E27FC236}">
-                <a16:creationId xmlns="" xmlns:a16="http://schemas.microsoft.com/office/drawing/2014/main" id="{DF781D9E-0DF5-4DDA-84E6-35DFB054158C}"/>
+                <a16:creationId xmlns:a16="http://schemas.microsoft.com/office/drawing/2014/main" id="{DF781D9E-0DF5-4DDA-84E6-35DFB054158C}"/>
               </a:ext>
             </a:extLst>
           </p:cNvPr>
@@ -17959,7 +18164,7 @@
           <p:cNvPr id="6" name="Freeform: Shape 7">
             <a:extLst>
               <a:ext uri="{FF2B5EF4-FFF2-40B4-BE49-F238E27FC236}">
-                <a16:creationId xmlns="" xmlns:a16="http://schemas.microsoft.com/office/drawing/2014/main" id="{86BA1075-E23C-4BC9-8F67-B2E408F864D2}"/>
+                <a16:creationId xmlns:a16="http://schemas.microsoft.com/office/drawing/2014/main" id="{86BA1075-E23C-4BC9-8F67-B2E408F864D2}"/>
               </a:ext>
             </a:extLst>
           </p:cNvPr>
@@ -18096,7 +18301,7 @@
           <p:cNvPr id="8" name="Freeform: Shape 11">
             <a:extLst>
               <a:ext uri="{FF2B5EF4-FFF2-40B4-BE49-F238E27FC236}">
-                <a16:creationId xmlns="" xmlns:a16="http://schemas.microsoft.com/office/drawing/2014/main" id="{B2A4CA75-D17E-243B-9C56-A63C75AF6D56}"/>
+                <a16:creationId xmlns:a16="http://schemas.microsoft.com/office/drawing/2014/main" id="{B2A4CA75-D17E-243B-9C56-A63C75AF6D56}"/>
               </a:ext>
             </a:extLst>
           </p:cNvPr>
@@ -18238,7 +18443,7 @@
           <p:cNvPr id="3" name="Footer Placeholder 2">
             <a:extLst>
               <a:ext uri="{FF2B5EF4-FFF2-40B4-BE49-F238E27FC236}">
-                <a16:creationId xmlns="" xmlns:a16="http://schemas.microsoft.com/office/drawing/2014/main" id="{7964077E-956B-EA3A-700F-A833D82341FE}"/>
+                <a16:creationId xmlns:a16="http://schemas.microsoft.com/office/drawing/2014/main" id="{7964077E-956B-EA3A-700F-A833D82341FE}"/>
               </a:ext>
             </a:extLst>
           </p:cNvPr>
@@ -18268,7 +18473,7 @@
           <p:cNvPr id="10" name="Slide Number Placeholder 9">
             <a:extLst>
               <a:ext uri="{FF2B5EF4-FFF2-40B4-BE49-F238E27FC236}">
-                <a16:creationId xmlns="" xmlns:a16="http://schemas.microsoft.com/office/drawing/2014/main" id="{8ED455D4-27F3-B6AD-2A20-7475F307E5E4}"/>
+                <a16:creationId xmlns:a16="http://schemas.microsoft.com/office/drawing/2014/main" id="{8ED455D4-27F3-B6AD-2A20-7475F307E5E4}"/>
               </a:ext>
             </a:extLst>
           </p:cNvPr>
@@ -18330,7 +18535,7 @@
           <p:cNvPr id="16" name="Title Placeholder 4">
             <a:extLst>
               <a:ext uri="{FF2B5EF4-FFF2-40B4-BE49-F238E27FC236}">
-                <a16:creationId xmlns="" xmlns:a16="http://schemas.microsoft.com/office/drawing/2014/main" id="{DCA6F28B-ACF1-D3CB-8968-4F64BEA02E93}"/>
+                <a16:creationId xmlns:a16="http://schemas.microsoft.com/office/drawing/2014/main" id="{DCA6F28B-ACF1-D3CB-8968-4F64BEA02E93}"/>
               </a:ext>
             </a:extLst>
           </p:cNvPr>
@@ -18377,7 +18582,7 @@
           <p:cNvPr id="60" name="Content placeholder 47">
             <a:extLst>
               <a:ext uri="{FF2B5EF4-FFF2-40B4-BE49-F238E27FC236}">
-                <a16:creationId xmlns="" xmlns:a16="http://schemas.microsoft.com/office/drawing/2014/main" id="{E2F72F6F-0172-47B0-8D9E-0EED383332E2}"/>
+                <a16:creationId xmlns:a16="http://schemas.microsoft.com/office/drawing/2014/main" id="{E2F72F6F-0172-47B0-8D9E-0EED383332E2}"/>
               </a:ext>
             </a:extLst>
           </p:cNvPr>
@@ -18431,7 +18636,7 @@
           <p:cNvPr id="52" name="Content placeholder 47" descr="Click icon to add picture">
             <a:extLst>
               <a:ext uri="{FF2B5EF4-FFF2-40B4-BE49-F238E27FC236}">
-                <a16:creationId xmlns="" xmlns:a16="http://schemas.microsoft.com/office/drawing/2014/main" id="{2369DDD8-CFC2-4980-A0DB-411AA173B475}"/>
+                <a16:creationId xmlns:a16="http://schemas.microsoft.com/office/drawing/2014/main" id="{2369DDD8-CFC2-4980-A0DB-411AA173B475}"/>
               </a:ext>
             </a:extLst>
           </p:cNvPr>
@@ -18496,7 +18701,7 @@
           <p:cNvPr id="53" name="Content placeholder 47">
             <a:extLst>
               <a:ext uri="{FF2B5EF4-FFF2-40B4-BE49-F238E27FC236}">
-                <a16:creationId xmlns="" xmlns:a16="http://schemas.microsoft.com/office/drawing/2014/main" id="{B66AC261-5929-40D2-A646-8F16675DE383}"/>
+                <a16:creationId xmlns:a16="http://schemas.microsoft.com/office/drawing/2014/main" id="{B66AC261-5929-40D2-A646-8F16675DE383}"/>
               </a:ext>
             </a:extLst>
           </p:cNvPr>
@@ -18560,7 +18765,7 @@
           <p:cNvPr id="61" name="Content placeholder 47">
             <a:extLst>
               <a:ext uri="{FF2B5EF4-FFF2-40B4-BE49-F238E27FC236}">
-                <a16:creationId xmlns="" xmlns:a16="http://schemas.microsoft.com/office/drawing/2014/main" id="{B33A9FB2-1610-4389-B352-D99255F77BEC}"/>
+                <a16:creationId xmlns:a16="http://schemas.microsoft.com/office/drawing/2014/main" id="{B33A9FB2-1610-4389-B352-D99255F77BEC}"/>
               </a:ext>
             </a:extLst>
           </p:cNvPr>
@@ -18614,7 +18819,7 @@
           <p:cNvPr id="21" name="Content placeholder 47" descr="Click icon to add picture">
             <a:extLst>
               <a:ext uri="{FF2B5EF4-FFF2-40B4-BE49-F238E27FC236}">
-                <a16:creationId xmlns="" xmlns:a16="http://schemas.microsoft.com/office/drawing/2014/main" id="{DEE851A8-3FB7-B319-A053-BE08A45763C5}"/>
+                <a16:creationId xmlns:a16="http://schemas.microsoft.com/office/drawing/2014/main" id="{DEE851A8-3FB7-B319-A053-BE08A45763C5}"/>
               </a:ext>
             </a:extLst>
           </p:cNvPr>
@@ -18679,7 +18884,7 @@
           <p:cNvPr id="22" name="Content placeholder 47">
             <a:extLst>
               <a:ext uri="{FF2B5EF4-FFF2-40B4-BE49-F238E27FC236}">
-                <a16:creationId xmlns="" xmlns:a16="http://schemas.microsoft.com/office/drawing/2014/main" id="{5743B59B-3EAA-B249-07CE-9C9C5B0B6AB1}"/>
+                <a16:creationId xmlns:a16="http://schemas.microsoft.com/office/drawing/2014/main" id="{5743B59B-3EAA-B249-07CE-9C9C5B0B6AB1}"/>
               </a:ext>
             </a:extLst>
           </p:cNvPr>
@@ -18743,7 +18948,7 @@
           <p:cNvPr id="62" name="Content placeholder 47">
             <a:extLst>
               <a:ext uri="{FF2B5EF4-FFF2-40B4-BE49-F238E27FC236}">
-                <a16:creationId xmlns="" xmlns:a16="http://schemas.microsoft.com/office/drawing/2014/main" id="{0AC60B87-71AC-4AA8-9AE7-B3B427BACB12}"/>
+                <a16:creationId xmlns:a16="http://schemas.microsoft.com/office/drawing/2014/main" id="{0AC60B87-71AC-4AA8-9AE7-B3B427BACB12}"/>
               </a:ext>
             </a:extLst>
           </p:cNvPr>
@@ -18797,7 +19002,7 @@
           <p:cNvPr id="19" name="Content placeholder 47" descr="Click icon to add picture">
             <a:extLst>
               <a:ext uri="{FF2B5EF4-FFF2-40B4-BE49-F238E27FC236}">
-                <a16:creationId xmlns="" xmlns:a16="http://schemas.microsoft.com/office/drawing/2014/main" id="{110FBA5D-2CEB-4D44-16CA-0F24099B1401}"/>
+                <a16:creationId xmlns:a16="http://schemas.microsoft.com/office/drawing/2014/main" id="{110FBA5D-2CEB-4D44-16CA-0F24099B1401}"/>
               </a:ext>
             </a:extLst>
           </p:cNvPr>
@@ -18862,7 +19067,7 @@
           <p:cNvPr id="20" name="Content placeholder 47">
             <a:extLst>
               <a:ext uri="{FF2B5EF4-FFF2-40B4-BE49-F238E27FC236}">
-                <a16:creationId xmlns="" xmlns:a16="http://schemas.microsoft.com/office/drawing/2014/main" id="{2108E774-D145-FA07-58F1-7DB37A30A596}"/>
+                <a16:creationId xmlns:a16="http://schemas.microsoft.com/office/drawing/2014/main" id="{2108E774-D145-FA07-58F1-7DB37A30A596}"/>
               </a:ext>
             </a:extLst>
           </p:cNvPr>
@@ -18926,7 +19131,7 @@
           <p:cNvPr id="63" name="Content placeholder 47">
             <a:extLst>
               <a:ext uri="{FF2B5EF4-FFF2-40B4-BE49-F238E27FC236}">
-                <a16:creationId xmlns="" xmlns:a16="http://schemas.microsoft.com/office/drawing/2014/main" id="{05B25D7D-82BA-4FF5-9C92-4AD181847515}"/>
+                <a16:creationId xmlns:a16="http://schemas.microsoft.com/office/drawing/2014/main" id="{05B25D7D-82BA-4FF5-9C92-4AD181847515}"/>
               </a:ext>
             </a:extLst>
           </p:cNvPr>
@@ -18980,7 +19185,7 @@
           <p:cNvPr id="25" name="Content placeholder 47" descr="Click icon to add picture">
             <a:extLst>
               <a:ext uri="{FF2B5EF4-FFF2-40B4-BE49-F238E27FC236}">
-                <a16:creationId xmlns="" xmlns:a16="http://schemas.microsoft.com/office/drawing/2014/main" id="{A9C2624B-E6E6-C673-E8FF-F4BF909C3AC2}"/>
+                <a16:creationId xmlns:a16="http://schemas.microsoft.com/office/drawing/2014/main" id="{A9C2624B-E6E6-C673-E8FF-F4BF909C3AC2}"/>
               </a:ext>
             </a:extLst>
           </p:cNvPr>
@@ -19045,7 +19250,7 @@
           <p:cNvPr id="26" name="Content placeholder 47">
             <a:extLst>
               <a:ext uri="{FF2B5EF4-FFF2-40B4-BE49-F238E27FC236}">
-                <a16:creationId xmlns="" xmlns:a16="http://schemas.microsoft.com/office/drawing/2014/main" id="{A003837A-CCD7-3699-D86F-CB884CA4C675}"/>
+                <a16:creationId xmlns:a16="http://schemas.microsoft.com/office/drawing/2014/main" id="{A003837A-CCD7-3699-D86F-CB884CA4C675}"/>
               </a:ext>
             </a:extLst>
           </p:cNvPr>
@@ -19109,7 +19314,7 @@
           <p:cNvPr id="2" name="Footer Placeholder 1">
             <a:extLst>
               <a:ext uri="{FF2B5EF4-FFF2-40B4-BE49-F238E27FC236}">
-                <a16:creationId xmlns="" xmlns:a16="http://schemas.microsoft.com/office/drawing/2014/main" id="{89028585-56FF-7B3D-783D-D06964F7C099}"/>
+                <a16:creationId xmlns:a16="http://schemas.microsoft.com/office/drawing/2014/main" id="{89028585-56FF-7B3D-783D-D06964F7C099}"/>
               </a:ext>
             </a:extLst>
           </p:cNvPr>
@@ -19147,7 +19352,7 @@
           <p:cNvPr id="3" name="Slide Number Placeholder 2">
             <a:extLst>
               <a:ext uri="{FF2B5EF4-FFF2-40B4-BE49-F238E27FC236}">
-                <a16:creationId xmlns="" xmlns:a16="http://schemas.microsoft.com/office/drawing/2014/main" id="{7D090978-DDC9-0FA2-2CFD-733C8B854F3C}"/>
+                <a16:creationId xmlns:a16="http://schemas.microsoft.com/office/drawing/2014/main" id="{7D090978-DDC9-0FA2-2CFD-733C8B854F3C}"/>
               </a:ext>
             </a:extLst>
           </p:cNvPr>
@@ -19217,7 +19422,7 @@
           <p:cNvPr id="4" name="Title 3">
             <a:extLst>
               <a:ext uri="{FF2B5EF4-FFF2-40B4-BE49-F238E27FC236}">
-                <a16:creationId xmlns="" xmlns:a16="http://schemas.microsoft.com/office/drawing/2014/main" id="{AB92FA2A-46BA-2A19-C3CE-EC6985867B92}"/>
+                <a16:creationId xmlns:a16="http://schemas.microsoft.com/office/drawing/2014/main" id="{AB92FA2A-46BA-2A19-C3CE-EC6985867B92}"/>
               </a:ext>
             </a:extLst>
           </p:cNvPr>
@@ -19261,7 +19466,7 @@
           <p:cNvPr id="38" name="Content placeholder 47">
             <a:extLst>
               <a:ext uri="{FF2B5EF4-FFF2-40B4-BE49-F238E27FC236}">
-                <a16:creationId xmlns="" xmlns:a16="http://schemas.microsoft.com/office/drawing/2014/main" id="{BF9EDF7D-3BB1-43C0-92BB-091CCC520477}"/>
+                <a16:creationId xmlns:a16="http://schemas.microsoft.com/office/drawing/2014/main" id="{BF9EDF7D-3BB1-43C0-92BB-091CCC520477}"/>
               </a:ext>
             </a:extLst>
           </p:cNvPr>
@@ -19490,7 +19695,7 @@
           <p:cNvPr id="39" name="Content placeholder 47" descr="Click icon to add picture">
             <a:extLst>
               <a:ext uri="{FF2B5EF4-FFF2-40B4-BE49-F238E27FC236}">
-                <a16:creationId xmlns="" xmlns:a16="http://schemas.microsoft.com/office/drawing/2014/main" id="{15896C2C-7C25-4BC0-AF9B-DF590A2909AA}"/>
+                <a16:creationId xmlns:a16="http://schemas.microsoft.com/office/drawing/2014/main" id="{15896C2C-7C25-4BC0-AF9B-DF590A2909AA}"/>
               </a:ext>
             </a:extLst>
           </p:cNvPr>
@@ -19556,7 +19761,7 @@
           <p:cNvPr id="40" name="Content placeholder 47">
             <a:extLst>
               <a:ext uri="{FF2B5EF4-FFF2-40B4-BE49-F238E27FC236}">
-                <a16:creationId xmlns="" xmlns:a16="http://schemas.microsoft.com/office/drawing/2014/main" id="{CAC554EF-FF8F-4055-A716-E82F461413B7}"/>
+                <a16:creationId xmlns:a16="http://schemas.microsoft.com/office/drawing/2014/main" id="{CAC554EF-FF8F-4055-A716-E82F461413B7}"/>
               </a:ext>
             </a:extLst>
           </p:cNvPr>
@@ -19624,7 +19829,7 @@
           <p:cNvPr id="56" name="Content placeholder 47">
             <a:extLst>
               <a:ext uri="{FF2B5EF4-FFF2-40B4-BE49-F238E27FC236}">
-                <a16:creationId xmlns="" xmlns:a16="http://schemas.microsoft.com/office/drawing/2014/main" id="{4F0742C0-A9F2-4886-B17E-6915399483C3}"/>
+                <a16:creationId xmlns:a16="http://schemas.microsoft.com/office/drawing/2014/main" id="{4F0742C0-A9F2-4886-B17E-6915399483C3}"/>
               </a:ext>
             </a:extLst>
           </p:cNvPr>
@@ -19853,7 +20058,7 @@
           <p:cNvPr id="41" name="Content placeholder 47" descr="Click icon to add picture">
             <a:extLst>
               <a:ext uri="{FF2B5EF4-FFF2-40B4-BE49-F238E27FC236}">
-                <a16:creationId xmlns="" xmlns:a16="http://schemas.microsoft.com/office/drawing/2014/main" id="{CE3DC674-39AB-43B9-AC30-97A68D221596}"/>
+                <a16:creationId xmlns:a16="http://schemas.microsoft.com/office/drawing/2014/main" id="{CE3DC674-39AB-43B9-AC30-97A68D221596}"/>
               </a:ext>
             </a:extLst>
           </p:cNvPr>
@@ -19919,7 +20124,7 @@
           <p:cNvPr id="42" name="Content placeholder 47">
             <a:extLst>
               <a:ext uri="{FF2B5EF4-FFF2-40B4-BE49-F238E27FC236}">
-                <a16:creationId xmlns="" xmlns:a16="http://schemas.microsoft.com/office/drawing/2014/main" id="{F12189CA-0E22-41A5-91FD-03761860993D}"/>
+                <a16:creationId xmlns:a16="http://schemas.microsoft.com/office/drawing/2014/main" id="{F12189CA-0E22-41A5-91FD-03761860993D}"/>
               </a:ext>
             </a:extLst>
           </p:cNvPr>
@@ -19994,7 +20199,7 @@
           <p:cNvPr id="48" name="Content placeholder 47">
             <a:extLst>
               <a:ext uri="{FF2B5EF4-FFF2-40B4-BE49-F238E27FC236}">
-                <a16:creationId xmlns="" xmlns:a16="http://schemas.microsoft.com/office/drawing/2014/main" id="{A962C62E-F92F-445A-9243-8B433747A548}"/>
+                <a16:creationId xmlns:a16="http://schemas.microsoft.com/office/drawing/2014/main" id="{A962C62E-F92F-445A-9243-8B433747A548}"/>
               </a:ext>
             </a:extLst>
           </p:cNvPr>
@@ -20223,7 +20428,7 @@
           <p:cNvPr id="43" name="Content placeholder 47" descr="Click icon to add picture">
             <a:extLst>
               <a:ext uri="{FF2B5EF4-FFF2-40B4-BE49-F238E27FC236}">
-                <a16:creationId xmlns="" xmlns:a16="http://schemas.microsoft.com/office/drawing/2014/main" id="{DE6F9463-BB2D-43FC-BE8F-21D3F9A2539C}"/>
+                <a16:creationId xmlns:a16="http://schemas.microsoft.com/office/drawing/2014/main" id="{DE6F9463-BB2D-43FC-BE8F-21D3F9A2539C}"/>
               </a:ext>
             </a:extLst>
           </p:cNvPr>
@@ -20289,7 +20494,7 @@
           <p:cNvPr id="44" name="Content placeholder 47">
             <a:extLst>
               <a:ext uri="{FF2B5EF4-FFF2-40B4-BE49-F238E27FC236}">
-                <a16:creationId xmlns="" xmlns:a16="http://schemas.microsoft.com/office/drawing/2014/main" id="{7DF27694-08A2-4530-B763-5A9B9D4DC6E0}"/>
+                <a16:creationId xmlns:a16="http://schemas.microsoft.com/office/drawing/2014/main" id="{7DF27694-08A2-4530-B763-5A9B9D4DC6E0}"/>
               </a:ext>
             </a:extLst>
           </p:cNvPr>
@@ -20367,7 +20572,7 @@
           <p:cNvPr id="61" name="Content placeholder 47">
             <a:extLst>
               <a:ext uri="{FF2B5EF4-FFF2-40B4-BE49-F238E27FC236}">
-                <a16:creationId xmlns="" xmlns:a16="http://schemas.microsoft.com/office/drawing/2014/main" id="{2EA753B3-D0BB-4484-85D1-E28345D99F4C}"/>
+                <a16:creationId xmlns:a16="http://schemas.microsoft.com/office/drawing/2014/main" id="{2EA753B3-D0BB-4484-85D1-E28345D99F4C}"/>
               </a:ext>
             </a:extLst>
           </p:cNvPr>
@@ -20596,7 +20801,7 @@
           <p:cNvPr id="45" name="Content placeholder 47" descr="Click icon to add picture">
             <a:extLst>
               <a:ext uri="{FF2B5EF4-FFF2-40B4-BE49-F238E27FC236}">
-                <a16:creationId xmlns="" xmlns:a16="http://schemas.microsoft.com/office/drawing/2014/main" id="{20398AA4-3D68-487D-BE7C-9F1D45E3F5FF}"/>
+                <a16:creationId xmlns:a16="http://schemas.microsoft.com/office/drawing/2014/main" id="{20398AA4-3D68-487D-BE7C-9F1D45E3F5FF}"/>
               </a:ext>
             </a:extLst>
           </p:cNvPr>
@@ -20662,7 +20867,7 @@
           <p:cNvPr id="46" name="Content placeholder 47">
             <a:extLst>
               <a:ext uri="{FF2B5EF4-FFF2-40B4-BE49-F238E27FC236}">
-                <a16:creationId xmlns="" xmlns:a16="http://schemas.microsoft.com/office/drawing/2014/main" id="{6B623D7A-5E96-42AB-9B1F-14E445503187}"/>
+                <a16:creationId xmlns:a16="http://schemas.microsoft.com/office/drawing/2014/main" id="{6B623D7A-5E96-42AB-9B1F-14E445503187}"/>
               </a:ext>
             </a:extLst>
           </p:cNvPr>
@@ -20737,7 +20942,7 @@
           <p:cNvPr id="49" name="Content placeholder 47">
             <a:extLst>
               <a:ext uri="{FF2B5EF4-FFF2-40B4-BE49-F238E27FC236}">
-                <a16:creationId xmlns="" xmlns:a16="http://schemas.microsoft.com/office/drawing/2014/main" id="{EAA5B0EA-1F3B-4D8B-9BB9-F9037A393705}"/>
+                <a16:creationId xmlns:a16="http://schemas.microsoft.com/office/drawing/2014/main" id="{EAA5B0EA-1F3B-4D8B-9BB9-F9037A393705}"/>
               </a:ext>
             </a:extLst>
           </p:cNvPr>
@@ -20966,7 +21171,7 @@
           <p:cNvPr id="47" name="Content placeholder 47" descr="Click icon to add picture">
             <a:extLst>
               <a:ext uri="{FF2B5EF4-FFF2-40B4-BE49-F238E27FC236}">
-                <a16:creationId xmlns="" xmlns:a16="http://schemas.microsoft.com/office/drawing/2014/main" id="{2C93687D-1E42-4B01-9F16-9FA098CE1153}"/>
+                <a16:creationId xmlns:a16="http://schemas.microsoft.com/office/drawing/2014/main" id="{2C93687D-1E42-4B01-9F16-9FA098CE1153}"/>
               </a:ext>
             </a:extLst>
           </p:cNvPr>
@@ -21032,7 +21237,7 @@
           <p:cNvPr id="50" name="Content placeholder 47">
             <a:extLst>
               <a:ext uri="{FF2B5EF4-FFF2-40B4-BE49-F238E27FC236}">
-                <a16:creationId xmlns="" xmlns:a16="http://schemas.microsoft.com/office/drawing/2014/main" id="{7AB91474-458B-45F7-9773-FA375C2CF7FD}"/>
+                <a16:creationId xmlns:a16="http://schemas.microsoft.com/office/drawing/2014/main" id="{7AB91474-458B-45F7-9773-FA375C2CF7FD}"/>
               </a:ext>
             </a:extLst>
           </p:cNvPr>
@@ -21107,7 +21312,7 @@
           <p:cNvPr id="62" name="Content placeholder 47">
             <a:extLst>
               <a:ext uri="{FF2B5EF4-FFF2-40B4-BE49-F238E27FC236}">
-                <a16:creationId xmlns="" xmlns:a16="http://schemas.microsoft.com/office/drawing/2014/main" id="{52E587E7-A09A-4FB2-8774-8073E737F106}"/>
+                <a16:creationId xmlns:a16="http://schemas.microsoft.com/office/drawing/2014/main" id="{52E587E7-A09A-4FB2-8774-8073E737F106}"/>
               </a:ext>
             </a:extLst>
           </p:cNvPr>
@@ -21336,7 +21541,7 @@
           <p:cNvPr id="51" name="Content placeholder 47" descr="Click icon to add picture">
             <a:extLst>
               <a:ext uri="{FF2B5EF4-FFF2-40B4-BE49-F238E27FC236}">
-                <a16:creationId xmlns="" xmlns:a16="http://schemas.microsoft.com/office/drawing/2014/main" id="{FBF01DC7-D684-4484-B2AA-B50F7B1A00DA}"/>
+                <a16:creationId xmlns:a16="http://schemas.microsoft.com/office/drawing/2014/main" id="{FBF01DC7-D684-4484-B2AA-B50F7B1A00DA}"/>
               </a:ext>
             </a:extLst>
           </p:cNvPr>
@@ -21402,7 +21607,7 @@
           <p:cNvPr id="52" name="Content placeholder 47">
             <a:extLst>
               <a:ext uri="{FF2B5EF4-FFF2-40B4-BE49-F238E27FC236}">
-                <a16:creationId xmlns="" xmlns:a16="http://schemas.microsoft.com/office/drawing/2014/main" id="{6046C90F-8A25-4E70-9BC9-4496C6B94EBC}"/>
+                <a16:creationId xmlns:a16="http://schemas.microsoft.com/office/drawing/2014/main" id="{6046C90F-8A25-4E70-9BC9-4496C6B94EBC}"/>
               </a:ext>
             </a:extLst>
           </p:cNvPr>
@@ -21477,7 +21682,7 @@
           <p:cNvPr id="55" name="Content placeholder 47">
             <a:extLst>
               <a:ext uri="{FF2B5EF4-FFF2-40B4-BE49-F238E27FC236}">
-                <a16:creationId xmlns="" xmlns:a16="http://schemas.microsoft.com/office/drawing/2014/main" id="{D05B9A22-6B21-40BB-BBC1-9586C432A97B}"/>
+                <a16:creationId xmlns:a16="http://schemas.microsoft.com/office/drawing/2014/main" id="{D05B9A22-6B21-40BB-BBC1-9586C432A97B}"/>
               </a:ext>
             </a:extLst>
           </p:cNvPr>
@@ -21706,7 +21911,7 @@
           <p:cNvPr id="53" name="Content placeholder 47" descr="Click icon to add picture">
             <a:extLst>
               <a:ext uri="{FF2B5EF4-FFF2-40B4-BE49-F238E27FC236}">
-                <a16:creationId xmlns="" xmlns:a16="http://schemas.microsoft.com/office/drawing/2014/main" id="{F5E2B418-8D0E-4995-A3ED-4348C6F4A1AF}"/>
+                <a16:creationId xmlns:a16="http://schemas.microsoft.com/office/drawing/2014/main" id="{F5E2B418-8D0E-4995-A3ED-4348C6F4A1AF}"/>
               </a:ext>
             </a:extLst>
           </p:cNvPr>
@@ -21772,7 +21977,7 @@
           <p:cNvPr id="58" name="Content placeholder 47">
             <a:extLst>
               <a:ext uri="{FF2B5EF4-FFF2-40B4-BE49-F238E27FC236}">
-                <a16:creationId xmlns="" xmlns:a16="http://schemas.microsoft.com/office/drawing/2014/main" id="{90A2A6E4-4D11-4F28-9D68-BC28580EBC05}"/>
+                <a16:creationId xmlns:a16="http://schemas.microsoft.com/office/drawing/2014/main" id="{90A2A6E4-4D11-4F28-9D68-BC28580EBC05}"/>
               </a:ext>
             </a:extLst>
           </p:cNvPr>
@@ -21847,7 +22052,7 @@
           <p:cNvPr id="63" name="Content placeholder 47">
             <a:extLst>
               <a:ext uri="{FF2B5EF4-FFF2-40B4-BE49-F238E27FC236}">
-                <a16:creationId xmlns="" xmlns:a16="http://schemas.microsoft.com/office/drawing/2014/main" id="{A74DEBE4-2F74-4EB7-9501-8D37A3151B2A}"/>
+                <a16:creationId xmlns:a16="http://schemas.microsoft.com/office/drawing/2014/main" id="{A74DEBE4-2F74-4EB7-9501-8D37A3151B2A}"/>
               </a:ext>
             </a:extLst>
           </p:cNvPr>
@@ -22076,7 +22281,7 @@
           <p:cNvPr id="59" name="Content placeholder 47" descr="Click icon to add picture">
             <a:extLst>
               <a:ext uri="{FF2B5EF4-FFF2-40B4-BE49-F238E27FC236}">
-                <a16:creationId xmlns="" xmlns:a16="http://schemas.microsoft.com/office/drawing/2014/main" id="{070D69EE-1032-4604-B201-FD13AE846E9E}"/>
+                <a16:creationId xmlns:a16="http://schemas.microsoft.com/office/drawing/2014/main" id="{070D69EE-1032-4604-B201-FD13AE846E9E}"/>
               </a:ext>
             </a:extLst>
           </p:cNvPr>
@@ -22142,7 +22347,7 @@
           <p:cNvPr id="60" name="Content placeholder 47">
             <a:extLst>
               <a:ext uri="{FF2B5EF4-FFF2-40B4-BE49-F238E27FC236}">
-                <a16:creationId xmlns="" xmlns:a16="http://schemas.microsoft.com/office/drawing/2014/main" id="{B65187B8-CD7A-46B0-A851-E2456586E758}"/>
+                <a16:creationId xmlns:a16="http://schemas.microsoft.com/office/drawing/2014/main" id="{B65187B8-CD7A-46B0-A851-E2456586E758}"/>
               </a:ext>
             </a:extLst>
           </p:cNvPr>
@@ -22217,7 +22422,7 @@
           <p:cNvPr id="5" name="Footer Placeholder 4">
             <a:extLst>
               <a:ext uri="{FF2B5EF4-FFF2-40B4-BE49-F238E27FC236}">
-                <a16:creationId xmlns="" xmlns:a16="http://schemas.microsoft.com/office/drawing/2014/main" id="{B2964988-2386-5A15-B085-00BD5D58E53C}"/>
+                <a16:creationId xmlns:a16="http://schemas.microsoft.com/office/drawing/2014/main" id="{B2964988-2386-5A15-B085-00BD5D58E53C}"/>
               </a:ext>
             </a:extLst>
           </p:cNvPr>
@@ -22255,7 +22460,7 @@
           <p:cNvPr id="6" name="Slide Number Placeholder 5">
             <a:extLst>
               <a:ext uri="{FF2B5EF4-FFF2-40B4-BE49-F238E27FC236}">
-                <a16:creationId xmlns="" xmlns:a16="http://schemas.microsoft.com/office/drawing/2014/main" id="{062CC095-C330-BF75-42CE-50A46EAD82C5}"/>
+                <a16:creationId xmlns:a16="http://schemas.microsoft.com/office/drawing/2014/main" id="{062CC095-C330-BF75-42CE-50A46EAD82C5}"/>
               </a:ext>
             </a:extLst>
           </p:cNvPr>
@@ -22335,7 +22540,7 @@
           <p:cNvPr id="4" name="Content placeholder 47">
             <a:extLst>
               <a:ext uri="{FF2B5EF4-FFF2-40B4-BE49-F238E27FC236}">
-                <a16:creationId xmlns="" xmlns:a16="http://schemas.microsoft.com/office/drawing/2014/main" id="{28B6388A-37D2-4382-A7FC-9B9A76BDE84D}"/>
+                <a16:creationId xmlns:a16="http://schemas.microsoft.com/office/drawing/2014/main" id="{28B6388A-37D2-4382-A7FC-9B9A76BDE84D}"/>
               </a:ext>
             </a:extLst>
           </p:cNvPr>
@@ -22384,7 +22589,7 @@
           <p:cNvPr id="6" name="Text Placeholder 2">
             <a:extLst>
               <a:ext uri="{FF2B5EF4-FFF2-40B4-BE49-F238E27FC236}">
-                <a16:creationId xmlns="" xmlns:a16="http://schemas.microsoft.com/office/drawing/2014/main" id="{18CB8A3D-9A54-FD7C-F6A5-B33E6C891A4E}"/>
+                <a16:creationId xmlns:a16="http://schemas.microsoft.com/office/drawing/2014/main" id="{18CB8A3D-9A54-FD7C-F6A5-B33E6C891A4E}"/>
               </a:ext>
             </a:extLst>
           </p:cNvPr>
@@ -22451,7 +22656,7 @@
           <p:cNvPr id="5" name="Title Placeholder 4">
             <a:extLst>
               <a:ext uri="{FF2B5EF4-FFF2-40B4-BE49-F238E27FC236}">
-                <a16:creationId xmlns="" xmlns:a16="http://schemas.microsoft.com/office/drawing/2014/main" id="{F38A7675-78A2-B642-22AF-B98514C68B06}"/>
+                <a16:creationId xmlns:a16="http://schemas.microsoft.com/office/drawing/2014/main" id="{F38A7675-78A2-B642-22AF-B98514C68B06}"/>
               </a:ext>
             </a:extLst>
           </p:cNvPr>
@@ -22489,7 +22694,7 @@
           <p:cNvPr id="8" name="Footer Placeholder 7">
             <a:extLst>
               <a:ext uri="{FF2B5EF4-FFF2-40B4-BE49-F238E27FC236}">
-                <a16:creationId xmlns="" xmlns:a16="http://schemas.microsoft.com/office/drawing/2014/main" id="{C176125D-E69D-E2ED-1549-3D67DBD487E0}"/>
+                <a16:creationId xmlns:a16="http://schemas.microsoft.com/office/drawing/2014/main" id="{C176125D-E69D-E2ED-1549-3D67DBD487E0}"/>
               </a:ext>
             </a:extLst>
           </p:cNvPr>
@@ -22840,7 +23045,7 @@
   </p:txStyles>
   <p:extLst>
     <p:ext uri="{27BBF7A9-308A-43DC-89C8-2F10F3537804}">
-      <p15:sldGuideLst xmlns="" xmlns:p15="http://schemas.microsoft.com/office/powerpoint/2012/main">
+      <p15:sldGuideLst xmlns:p15="http://schemas.microsoft.com/office/powerpoint/2012/main">
         <p15:guide id="1" orient="horz" pos="4032" userDrawn="1">
           <p15:clr>
             <a:srgbClr val="F26B43"/>
@@ -22894,7 +23099,7 @@
           <p:cNvPr id="7" name="Title 6">
             <a:extLst>
               <a:ext uri="{FF2B5EF4-FFF2-40B4-BE49-F238E27FC236}">
-                <a16:creationId xmlns="" xmlns:a16="http://schemas.microsoft.com/office/drawing/2014/main" id="{93A3B864-5E85-99D2-93E5-5CA1F4F35DC7}"/>
+                <a16:creationId xmlns:a16="http://schemas.microsoft.com/office/drawing/2014/main" id="{93A3B864-5E85-99D2-93E5-5CA1F4F35DC7}"/>
               </a:ext>
             </a:extLst>
           </p:cNvPr>
@@ -22907,7 +23112,7 @@
         </p:nvSpPr>
         <p:spPr>
           <a:xfrm>
-            <a:off x="1455964" y="1655726"/>
+            <a:off x="1455964" y="1605236"/>
             <a:ext cx="5257793" cy="2057441"/>
           </a:xfrm>
         </p:spPr>
@@ -22916,8 +23121,8 @@
           <a:lstStyle/>
           <a:p>
             <a:r>
-              <a:rPr lang="en-US" altLang="zh-CN" dirty="0" smtClean="0"/>
-              <a:t>Project 1</a:t>
+              <a:rPr lang="en-US" altLang="zh-CN" dirty="0"/>
+              <a:t>E-cigarette use</a:t>
             </a:r>
             <a:endParaRPr lang="en-US" dirty="0"/>
           </a:p>
@@ -22928,7 +23133,7 @@
           <p:cNvPr id="9" name="Text Placeholder 8">
             <a:extLst>
               <a:ext uri="{FF2B5EF4-FFF2-40B4-BE49-F238E27FC236}">
-                <a16:creationId xmlns="" xmlns:a16="http://schemas.microsoft.com/office/drawing/2014/main" id="{485E0237-B9A1-0B58-E0AA-05EF84817EB4}"/>
+                <a16:creationId xmlns:a16="http://schemas.microsoft.com/office/drawing/2014/main" id="{485E0237-B9A1-0B58-E0AA-05EF84817EB4}"/>
               </a:ext>
             </a:extLst>
           </p:cNvPr>
@@ -22941,7 +23146,7 @@
         </p:nvSpPr>
         <p:spPr>
           <a:xfrm>
-            <a:off x="1529366" y="3747284"/>
+            <a:off x="1551806" y="3326547"/>
             <a:ext cx="4050134" cy="2285866"/>
           </a:xfrm>
         </p:spPr>
@@ -22950,8 +23155,8 @@
           <a:lstStyle/>
           <a:p>
             <a:r>
-              <a:rPr lang="en-US" b="1" dirty="0" smtClean="0"/>
-              <a:t>Members/Presenters</a:t>
+              <a:rPr lang="en-US" b="1" dirty="0"/>
+              <a:t>Members</a:t>
             </a:r>
           </a:p>
           <a:p>
@@ -22960,7 +23165,7 @@
               <a:buChar char="-"/>
             </a:pPr>
             <a:r>
-              <a:rPr lang="en-US" dirty="0" smtClean="0"/>
+              <a:rPr lang="en-US" dirty="0"/>
               <a:t>Olivia</a:t>
             </a:r>
           </a:p>
@@ -22970,7 +23175,7 @@
               <a:buChar char="-"/>
             </a:pPr>
             <a:r>
-              <a:rPr lang="en-US" dirty="0" smtClean="0"/>
+              <a:rPr lang="en-US" dirty="0"/>
               <a:t>Sunera</a:t>
             </a:r>
           </a:p>
@@ -22980,7 +23185,7 @@
               <a:buChar char="-"/>
             </a:pPr>
             <a:r>
-              <a:rPr lang="en-US" dirty="0" smtClean="0"/>
+              <a:rPr lang="en-US" dirty="0"/>
               <a:t>Aryan</a:t>
             </a:r>
           </a:p>
@@ -22990,7 +23195,7 @@
               <a:buChar char="-"/>
             </a:pPr>
             <a:r>
-              <a:rPr lang="en-US" dirty="0" smtClean="0"/>
+              <a:rPr lang="en-US" dirty="0"/>
               <a:t>Pradeepan</a:t>
             </a:r>
           </a:p>
@@ -23008,7 +23213,7 @@
           <p:cNvPr id="30" name="Picture placeholder 29" descr="People in an office discussing work over a laptop&#10;">
             <a:extLst>
               <a:ext uri="{FF2B5EF4-FFF2-40B4-BE49-F238E27FC236}">
-                <a16:creationId xmlns="" xmlns:a16="http://schemas.microsoft.com/office/drawing/2014/main" id="{18C88B4D-F554-49C2-A23C-DFE94D4C835B}"/>
+                <a16:creationId xmlns:a16="http://schemas.microsoft.com/office/drawing/2014/main" id="{18C88B4D-F554-49C2-A23C-DFE94D4C835B}"/>
               </a:ext>
             </a:extLst>
           </p:cNvPr>
@@ -23042,10 +23247,10 @@
           <p:cNvPr id="10" name="Freeform: Shape 11">
             <a:extLst>
               <a:ext uri="{FF2B5EF4-FFF2-40B4-BE49-F238E27FC236}">
-                <a16:creationId xmlns="" xmlns:a16="http://schemas.microsoft.com/office/drawing/2014/main" id="{01A79B69-242C-3AEB-4A42-7A606A54C63A}"/>
+                <a16:creationId xmlns:a16="http://schemas.microsoft.com/office/drawing/2014/main" id="{01A79B69-242C-3AEB-4A42-7A606A54C63A}"/>
               </a:ext>
               <a:ext uri="{C183D7F6-B498-43B3-948B-1728B52AA6E4}">
-                <adec:decorative xmlns="" xmlns:adec="http://schemas.microsoft.com/office/drawing/2017/decorative" val="1"/>
+                <adec:decorative xmlns:adec="http://schemas.microsoft.com/office/drawing/2017/decorative" val="1"/>
               </a:ext>
             </a:extLst>
           </p:cNvPr>
@@ -23185,10 +23390,10 @@
           <p:cNvPr id="14" name="Freeform: Shape 11">
             <a:extLst>
               <a:ext uri="{FF2B5EF4-FFF2-40B4-BE49-F238E27FC236}">
-                <a16:creationId xmlns="" xmlns:a16="http://schemas.microsoft.com/office/drawing/2014/main" id="{E5D4DE6D-89C8-6FFF-287D-3F3BAD416CA1}"/>
+                <a16:creationId xmlns:a16="http://schemas.microsoft.com/office/drawing/2014/main" id="{E5D4DE6D-89C8-6FFF-287D-3F3BAD416CA1}"/>
               </a:ext>
               <a:ext uri="{C183D7F6-B498-43B3-948B-1728B52AA6E4}">
-                <adec:decorative xmlns="" xmlns:adec="http://schemas.microsoft.com/office/drawing/2017/decorative" val="1"/>
+                <adec:decorative xmlns:adec="http://schemas.microsoft.com/office/drawing/2017/decorative" val="1"/>
               </a:ext>
             </a:extLst>
           </p:cNvPr>
@@ -23334,13 +23539,6 @@
   <p:clrMapOvr>
     <a:masterClrMapping/>
   </p:clrMapOvr>
-  <p:timing>
-    <p:tnLst>
-      <p:par>
-        <p:cTn id="1" dur="indefinite" restart="never" nodeType="tmRoot"/>
-      </p:par>
-    </p:tnLst>
-  </p:timing>
 </p:sld>
 </file>
 
@@ -23363,10 +23561,34 @@
       </p:grpSpPr>
       <p:sp>
         <p:nvSpPr>
-          <p:cNvPr id="6" name="Title 5">
-            <a:extLst>
-              <a:ext uri="{FF2B5EF4-FFF2-40B4-BE49-F238E27FC236}">
-                <a16:creationId xmlns="" xmlns:a16="http://schemas.microsoft.com/office/drawing/2014/main" id="{4EFA9173-F892-5C7D-99AF-4C5FFB1532B4}"/>
+          <p:cNvPr id="12" name="Slide Number Placeholder 11"/>
+          <p:cNvSpPr>
+            <a:spLocks noGrp="1"/>
+          </p:cNvSpPr>
+          <p:nvPr>
+            <p:ph type="sldNum" sz="quarter" idx="40"/>
+          </p:nvPr>
+        </p:nvSpPr>
+        <p:spPr/>
+        <p:txBody>
+          <a:bodyPr/>
+          <a:lstStyle/>
+          <a:p>
+            <a:fld id="{47FEACEE-25B4-4A2D-B147-27296E36371D}" type="slidenum">
+              <a:rPr lang="en-US" altLang="zh-CN" smtClean="0"/>
+              <a:pPr/>
+              <a:t>10</a:t>
+            </a:fld>
+            <a:endParaRPr lang="en-US" altLang="zh-CN" dirty="0"/>
+          </a:p>
+        </p:txBody>
+      </p:sp>
+      <p:sp>
+        <p:nvSpPr>
+          <p:cNvPr id="5" name="Title 6">
+            <a:extLst>
+              <a:ext uri="{FF2B5EF4-FFF2-40B4-BE49-F238E27FC236}">
+                <a16:creationId xmlns:a16="http://schemas.microsoft.com/office/drawing/2014/main" id="{93A3B864-5E85-99D2-93E5-5CA1F4F35DC7}"/>
               </a:ext>
             </a:extLst>
           </p:cNvPr>
@@ -23379,6 +23601,443 @@
         </p:nvSpPr>
         <p:spPr>
           <a:xfrm>
+            <a:off x="663964" y="582927"/>
+            <a:ext cx="5257793" cy="907474"/>
+          </a:xfrm>
+        </p:spPr>
+        <p:txBody>
+          <a:bodyPr/>
+          <a:lstStyle/>
+          <a:p>
+            <a:r>
+              <a:rPr lang="en-US" sz="3200" dirty="0"/>
+              <a:t>Data frame creation using .</a:t>
+            </a:r>
+            <a:r>
+              <a:rPr lang="en-US" sz="3200" dirty="0" err="1"/>
+              <a:t>loc</a:t>
+            </a:r>
+            <a:r>
+              <a:rPr lang="en-US" sz="3200" dirty="0"/>
+              <a:t>[] function</a:t>
+            </a:r>
+          </a:p>
+        </p:txBody>
+      </p:sp>
+      <p:pic>
+        <p:nvPicPr>
+          <p:cNvPr id="5122" name="Picture 2"/>
+          <p:cNvPicPr>
+            <a:picLocks noChangeAspect="1" noChangeArrowheads="1"/>
+          </p:cNvPicPr>
+          <p:nvPr/>
+        </p:nvPicPr>
+        <p:blipFill>
+          <a:blip r:embed="rId2">
+            <a:extLst>
+              <a:ext uri="{28A0092B-C50C-407E-A947-70E740481C1C}">
+                <a14:useLocalDpi xmlns:a14="http://schemas.microsoft.com/office/drawing/2010/main" val="0"/>
+              </a:ext>
+            </a:extLst>
+          </a:blip>
+          <a:srcRect/>
+          <a:stretch>
+            <a:fillRect/>
+          </a:stretch>
+        </p:blipFill>
+        <p:spPr bwMode="auto">
+          <a:xfrm>
+            <a:off x="3326400" y="1850400"/>
+            <a:ext cx="7459200" cy="4032000"/>
+          </a:xfrm>
+          <a:prstGeom prst="rect">
+            <a:avLst/>
+          </a:prstGeom>
+          <a:noFill/>
+          <a:ln>
+            <a:noFill/>
+          </a:ln>
+          <a:effectLst/>
+          <a:extLst>
+            <a:ext uri="{909E8E84-426E-40DD-AFC4-6F175D3DCCD1}">
+              <a14:hiddenFill xmlns:a14="http://schemas.microsoft.com/office/drawing/2010/main">
+                <a:solidFill>
+                  <a:schemeClr val="accent1"/>
+                </a:solidFill>
+              </a14:hiddenFill>
+            </a:ext>
+            <a:ext uri="{91240B29-F687-4F45-9708-019B960494DF}">
+              <a14:hiddenLine xmlns:a14="http://schemas.microsoft.com/office/drawing/2010/main" w="9525">
+                <a:solidFill>
+                  <a:schemeClr val="tx1"/>
+                </a:solidFill>
+                <a:miter lim="800000"/>
+                <a:headEnd/>
+                <a:tailEnd/>
+              </a14:hiddenLine>
+            </a:ext>
+            <a:ext uri="{AF507438-7753-43E0-B8FC-AC1667EBCBE1}">
+              <a14:hiddenEffects xmlns:a14="http://schemas.microsoft.com/office/drawing/2010/main">
+                <a:effectLst>
+                  <a:outerShdw dist="35921" dir="2700000" algn="ctr" rotWithShape="0">
+                    <a:schemeClr val="bg2"/>
+                  </a:outerShdw>
+                </a:effectLst>
+              </a14:hiddenEffects>
+            </a:ext>
+          </a:extLst>
+        </p:spPr>
+      </p:pic>
+    </p:spTree>
+    <p:extLst>
+      <p:ext uri="{BB962C8B-B14F-4D97-AF65-F5344CB8AC3E}">
+        <p14:creationId xmlns:p14="http://schemas.microsoft.com/office/powerpoint/2010/main" val="1534281917"/>
+      </p:ext>
+    </p:extLst>
+  </p:cSld>
+  <p:clrMapOvr>
+    <a:masterClrMapping/>
+  </p:clrMapOvr>
+</p:sld>
+</file>
+
+<file path=ppt/slides/slide11.xml><?xml version="1.0" encoding="utf-8"?>
+<p:sld xmlns:a="http://schemas.openxmlformats.org/drawingml/2006/main" xmlns:r="http://schemas.openxmlformats.org/officeDocument/2006/relationships" xmlns:p="http://schemas.openxmlformats.org/presentationml/2006/main">
+  <p:cSld>
+    <p:spTree>
+      <p:nvGrpSpPr>
+        <p:cNvPr id="1" name=""/>
+        <p:cNvGrpSpPr/>
+        <p:nvPr/>
+      </p:nvGrpSpPr>
+      <p:grpSpPr>
+        <a:xfrm>
+          <a:off x="0" y="0"/>
+          <a:ext cx="0" cy="0"/>
+          <a:chOff x="0" y="0"/>
+          <a:chExt cx="0" cy="0"/>
+        </a:xfrm>
+      </p:grpSpPr>
+      <p:sp>
+        <p:nvSpPr>
+          <p:cNvPr id="12" name="Slide Number Placeholder 11"/>
+          <p:cNvSpPr>
+            <a:spLocks noGrp="1"/>
+          </p:cNvSpPr>
+          <p:nvPr>
+            <p:ph type="sldNum" sz="quarter" idx="40"/>
+          </p:nvPr>
+        </p:nvSpPr>
+        <p:spPr/>
+        <p:txBody>
+          <a:bodyPr/>
+          <a:lstStyle/>
+          <a:p>
+            <a:fld id="{47FEACEE-25B4-4A2D-B147-27296E36371D}" type="slidenum">
+              <a:rPr lang="en-US" altLang="zh-CN" smtClean="0"/>
+              <a:pPr/>
+              <a:t>11</a:t>
+            </a:fld>
+            <a:endParaRPr lang="en-US" altLang="zh-CN" dirty="0"/>
+          </a:p>
+        </p:txBody>
+      </p:sp>
+      <p:pic>
+        <p:nvPicPr>
+          <p:cNvPr id="3074" name="Picture 2"/>
+          <p:cNvPicPr>
+            <a:picLocks noChangeAspect="1" noChangeArrowheads="1"/>
+          </p:cNvPicPr>
+          <p:nvPr/>
+        </p:nvPicPr>
+        <p:blipFill>
+          <a:blip r:embed="rId2">
+            <a:extLst>
+              <a:ext uri="{28A0092B-C50C-407E-A947-70E740481C1C}">
+                <a14:useLocalDpi xmlns:a14="http://schemas.microsoft.com/office/drawing/2010/main" val="0"/>
+              </a:ext>
+            </a:extLst>
+          </a:blip>
+          <a:srcRect/>
+          <a:stretch>
+            <a:fillRect/>
+          </a:stretch>
+        </p:blipFill>
+        <p:spPr bwMode="auto">
+          <a:xfrm>
+            <a:off x="3412800" y="1540799"/>
+            <a:ext cx="7185599" cy="4096801"/>
+          </a:xfrm>
+          <a:prstGeom prst="rect">
+            <a:avLst/>
+          </a:prstGeom>
+          <a:noFill/>
+          <a:ln>
+            <a:noFill/>
+          </a:ln>
+          <a:effectLst/>
+          <a:extLst>
+            <a:ext uri="{909E8E84-426E-40DD-AFC4-6F175D3DCCD1}">
+              <a14:hiddenFill xmlns:a14="http://schemas.microsoft.com/office/drawing/2010/main">
+                <a:solidFill>
+                  <a:schemeClr val="accent1"/>
+                </a:solidFill>
+              </a14:hiddenFill>
+            </a:ext>
+            <a:ext uri="{91240B29-F687-4F45-9708-019B960494DF}">
+              <a14:hiddenLine xmlns:a14="http://schemas.microsoft.com/office/drawing/2010/main" w="9525">
+                <a:solidFill>
+                  <a:schemeClr val="tx1"/>
+                </a:solidFill>
+                <a:miter lim="800000"/>
+                <a:headEnd/>
+                <a:tailEnd/>
+              </a14:hiddenLine>
+            </a:ext>
+            <a:ext uri="{AF507438-7753-43E0-B8FC-AC1667EBCBE1}">
+              <a14:hiddenEffects xmlns:a14="http://schemas.microsoft.com/office/drawing/2010/main">
+                <a:effectLst>
+                  <a:outerShdw dist="35921" dir="2700000" algn="ctr" rotWithShape="0">
+                    <a:schemeClr val="bg2"/>
+                  </a:outerShdw>
+                </a:effectLst>
+              </a14:hiddenEffects>
+            </a:ext>
+          </a:extLst>
+        </p:spPr>
+      </p:pic>
+      <p:sp>
+        <p:nvSpPr>
+          <p:cNvPr id="5" name="Title 6">
+            <a:extLst>
+              <a:ext uri="{FF2B5EF4-FFF2-40B4-BE49-F238E27FC236}">
+                <a16:creationId xmlns:a16="http://schemas.microsoft.com/office/drawing/2014/main" id="{93A3B864-5E85-99D2-93E5-5CA1F4F35DC7}"/>
+              </a:ext>
+            </a:extLst>
+          </p:cNvPr>
+          <p:cNvSpPr>
+            <a:spLocks noGrp="1"/>
+          </p:cNvSpPr>
+          <p:nvPr>
+            <p:ph type="title"/>
+          </p:nvPr>
+        </p:nvSpPr>
+        <p:spPr>
+          <a:xfrm>
+            <a:off x="663964" y="582927"/>
+            <a:ext cx="5257793" cy="907474"/>
+          </a:xfrm>
+        </p:spPr>
+        <p:txBody>
+          <a:bodyPr/>
+          <a:lstStyle/>
+          <a:p>
+            <a:r>
+              <a:rPr lang="en-US" sz="3200" dirty="0"/>
+              <a:t>Creating Pie Chart using .plot() function</a:t>
+            </a:r>
+          </a:p>
+        </p:txBody>
+      </p:sp>
+    </p:spTree>
+    <p:extLst>
+      <p:ext uri="{BB962C8B-B14F-4D97-AF65-F5344CB8AC3E}">
+        <p14:creationId xmlns:p14="http://schemas.microsoft.com/office/powerpoint/2010/main" val="2906495823"/>
+      </p:ext>
+    </p:extLst>
+  </p:cSld>
+  <p:clrMapOvr>
+    <a:masterClrMapping/>
+  </p:clrMapOvr>
+</p:sld>
+</file>
+
+<file path=ppt/slides/slide12.xml><?xml version="1.0" encoding="utf-8"?>
+<p:sld xmlns:a="http://schemas.openxmlformats.org/drawingml/2006/main" xmlns:r="http://schemas.openxmlformats.org/officeDocument/2006/relationships" xmlns:p="http://schemas.openxmlformats.org/presentationml/2006/main">
+  <p:cSld>
+    <p:spTree>
+      <p:nvGrpSpPr>
+        <p:cNvPr id="1" name=""/>
+        <p:cNvGrpSpPr/>
+        <p:nvPr/>
+      </p:nvGrpSpPr>
+      <p:grpSpPr>
+        <a:xfrm>
+          <a:off x="0" y="0"/>
+          <a:ext cx="0" cy="0"/>
+          <a:chOff x="0" y="0"/>
+          <a:chExt cx="0" cy="0"/>
+        </a:xfrm>
+      </p:grpSpPr>
+      <p:sp>
+        <p:nvSpPr>
+          <p:cNvPr id="12" name="Slide Number Placeholder 11"/>
+          <p:cNvSpPr>
+            <a:spLocks noGrp="1"/>
+          </p:cNvSpPr>
+          <p:nvPr>
+            <p:ph type="sldNum" sz="quarter" idx="40"/>
+          </p:nvPr>
+        </p:nvSpPr>
+        <p:spPr/>
+        <p:txBody>
+          <a:bodyPr/>
+          <a:lstStyle/>
+          <a:p>
+            <a:fld id="{47FEACEE-25B4-4A2D-B147-27296E36371D}" type="slidenum">
+              <a:rPr lang="en-US" altLang="zh-CN" smtClean="0"/>
+              <a:pPr/>
+              <a:t>12</a:t>
+            </a:fld>
+            <a:endParaRPr lang="en-US" altLang="zh-CN" dirty="0"/>
+          </a:p>
+        </p:txBody>
+      </p:sp>
+      <p:sp>
+        <p:nvSpPr>
+          <p:cNvPr id="5" name="Title 6">
+            <a:extLst>
+              <a:ext uri="{FF2B5EF4-FFF2-40B4-BE49-F238E27FC236}">
+                <a16:creationId xmlns:a16="http://schemas.microsoft.com/office/drawing/2014/main" id="{93A3B864-5E85-99D2-93E5-5CA1F4F35DC7}"/>
+              </a:ext>
+            </a:extLst>
+          </p:cNvPr>
+          <p:cNvSpPr>
+            <a:spLocks noGrp="1"/>
+          </p:cNvSpPr>
+          <p:nvPr>
+            <p:ph type="title"/>
+          </p:nvPr>
+        </p:nvSpPr>
+        <p:spPr>
+          <a:xfrm>
+            <a:off x="663964" y="582927"/>
+            <a:ext cx="5888036" cy="907474"/>
+          </a:xfrm>
+        </p:spPr>
+        <p:txBody>
+          <a:bodyPr/>
+          <a:lstStyle/>
+          <a:p>
+            <a:r>
+              <a:rPr lang="en-US" sz="3200" dirty="0"/>
+              <a:t>Horizontal bar chart Creation using .plot() function</a:t>
+            </a:r>
+          </a:p>
+        </p:txBody>
+      </p:sp>
+      <p:pic>
+        <p:nvPicPr>
+          <p:cNvPr id="6146" name="Picture 2"/>
+          <p:cNvPicPr>
+            <a:picLocks noChangeAspect="1" noChangeArrowheads="1"/>
+          </p:cNvPicPr>
+          <p:nvPr/>
+        </p:nvPicPr>
+        <p:blipFill>
+          <a:blip r:embed="rId2">
+            <a:extLst>
+              <a:ext uri="{28A0092B-C50C-407E-A947-70E740481C1C}">
+                <a14:useLocalDpi xmlns:a14="http://schemas.microsoft.com/office/drawing/2010/main" val="0"/>
+              </a:ext>
+            </a:extLst>
+          </a:blip>
+          <a:srcRect/>
+          <a:stretch>
+            <a:fillRect/>
+          </a:stretch>
+        </p:blipFill>
+        <p:spPr bwMode="auto">
+          <a:xfrm>
+            <a:off x="3371788" y="1598400"/>
+            <a:ext cx="7874612" cy="4262400"/>
+          </a:xfrm>
+          <a:prstGeom prst="rect">
+            <a:avLst/>
+          </a:prstGeom>
+          <a:noFill/>
+          <a:ln>
+            <a:noFill/>
+          </a:ln>
+          <a:effectLst/>
+          <a:extLst>
+            <a:ext uri="{909E8E84-426E-40DD-AFC4-6F175D3DCCD1}">
+              <a14:hiddenFill xmlns:a14="http://schemas.microsoft.com/office/drawing/2010/main">
+                <a:solidFill>
+                  <a:schemeClr val="accent1"/>
+                </a:solidFill>
+              </a14:hiddenFill>
+            </a:ext>
+            <a:ext uri="{91240B29-F687-4F45-9708-019B960494DF}">
+              <a14:hiddenLine xmlns:a14="http://schemas.microsoft.com/office/drawing/2010/main" w="9525">
+                <a:solidFill>
+                  <a:schemeClr val="tx1"/>
+                </a:solidFill>
+                <a:miter lim="800000"/>
+                <a:headEnd/>
+                <a:tailEnd/>
+              </a14:hiddenLine>
+            </a:ext>
+            <a:ext uri="{AF507438-7753-43E0-B8FC-AC1667EBCBE1}">
+              <a14:hiddenEffects xmlns:a14="http://schemas.microsoft.com/office/drawing/2010/main">
+                <a:effectLst>
+                  <a:outerShdw dist="35921" dir="2700000" algn="ctr" rotWithShape="0">
+                    <a:schemeClr val="bg2"/>
+                  </a:outerShdw>
+                </a:effectLst>
+              </a14:hiddenEffects>
+            </a:ext>
+          </a:extLst>
+        </p:spPr>
+      </p:pic>
+    </p:spTree>
+    <p:extLst>
+      <p:ext uri="{BB962C8B-B14F-4D97-AF65-F5344CB8AC3E}">
+        <p14:creationId xmlns:p14="http://schemas.microsoft.com/office/powerpoint/2010/main" val="250443839"/>
+      </p:ext>
+    </p:extLst>
+  </p:cSld>
+  <p:clrMapOvr>
+    <a:masterClrMapping/>
+  </p:clrMapOvr>
+</p:sld>
+</file>
+
+<file path=ppt/slides/slide13.xml><?xml version="1.0" encoding="utf-8"?>
+<p:sld xmlns:a="http://schemas.openxmlformats.org/drawingml/2006/main" xmlns:r="http://schemas.openxmlformats.org/officeDocument/2006/relationships" xmlns:p="http://schemas.openxmlformats.org/presentationml/2006/main">
+  <p:cSld>
+    <p:spTree>
+      <p:nvGrpSpPr>
+        <p:cNvPr id="1" name=""/>
+        <p:cNvGrpSpPr/>
+        <p:nvPr/>
+      </p:nvGrpSpPr>
+      <p:grpSpPr>
+        <a:xfrm>
+          <a:off x="0" y="0"/>
+          <a:ext cx="0" cy="0"/>
+          <a:chOff x="0" y="0"/>
+          <a:chExt cx="0" cy="0"/>
+        </a:xfrm>
+      </p:grpSpPr>
+      <p:sp>
+        <p:nvSpPr>
+          <p:cNvPr id="6" name="Title 5">
+            <a:extLst>
+              <a:ext uri="{FF2B5EF4-FFF2-40B4-BE49-F238E27FC236}">
+                <a16:creationId xmlns:a16="http://schemas.microsoft.com/office/drawing/2014/main" id="{4EFA9173-F892-5C7D-99AF-4C5FFB1532B4}"/>
+              </a:ext>
+            </a:extLst>
+          </p:cNvPr>
+          <p:cNvSpPr>
+            <a:spLocks noGrp="1"/>
+          </p:cNvSpPr>
+          <p:nvPr>
+            <p:ph type="title"/>
+          </p:nvPr>
+        </p:nvSpPr>
+        <p:spPr>
+          <a:xfrm>
             <a:off x="661427" y="1703517"/>
             <a:ext cx="9823998" cy="1325563"/>
           </a:xfrm>
@@ -23400,7 +24059,7 @@
           <p:cNvPr id="29" name="Text Placeholder 28">
             <a:extLst>
               <a:ext uri="{FF2B5EF4-FFF2-40B4-BE49-F238E27FC236}">
-                <a16:creationId xmlns="" xmlns:a16="http://schemas.microsoft.com/office/drawing/2014/main" id="{52FD53DB-CD39-2575-F8BA-63488E81091E}"/>
+                <a16:creationId xmlns:a16="http://schemas.microsoft.com/office/drawing/2014/main" id="{52FD53DB-CD39-2575-F8BA-63488E81091E}"/>
               </a:ext>
             </a:extLst>
           </p:cNvPr>
@@ -23426,99 +24085,37 @@
               <a:buChar char="•"/>
             </a:pPr>
             <a:r>
-              <a:rPr lang="en-US" altLang="zh-CN" dirty="0" smtClean="0"/>
+              <a:rPr lang="en-US" altLang="zh-CN" dirty="0"/>
               <a:t>With this project, we were able to understand </a:t>
             </a:r>
-            <a:endParaRPr lang="en-US" altLang="zh-CN" dirty="0" smtClean="0"/>
           </a:p>
           <a:p>
             <a:r>
               <a:rPr lang="en-US" altLang="zh-CN" dirty="0"/>
-              <a:t> </a:t>
-            </a:r>
-            <a:r>
-              <a:rPr lang="en-US" altLang="zh-CN" dirty="0" smtClean="0"/>
-              <a:t>          </a:t>
-            </a:r>
-            <a:r>
-              <a:rPr lang="en-US" altLang="zh-CN" sz="1200" dirty="0" smtClean="0"/>
-              <a:t>- </a:t>
-            </a:r>
-            <a:r>
-              <a:rPr lang="en-US" altLang="zh-CN" sz="1200" dirty="0" smtClean="0"/>
-              <a:t>End </a:t>
-            </a:r>
-            <a:r>
-              <a:rPr lang="en-US" altLang="zh-CN" sz="1200" dirty="0" smtClean="0"/>
-              <a:t>to end concept of how to </a:t>
-            </a:r>
-            <a:r>
-              <a:rPr lang="en-US" altLang="zh-CN" sz="1200" dirty="0" smtClean="0"/>
-              <a:t>visualize</a:t>
-            </a:r>
-            <a:r>
-              <a:rPr lang="en-US" altLang="zh-CN" sz="1200" dirty="0" smtClean="0"/>
-              <a:t>, </a:t>
-            </a:r>
-            <a:r>
-              <a:rPr lang="en-US" altLang="zh-CN" sz="1200" dirty="0" smtClean="0"/>
-              <a:t>strategies, analyze</a:t>
-            </a:r>
-          </a:p>
-          <a:p>
-            <a:r>
-              <a:rPr lang="en-US" altLang="zh-CN" sz="1200" dirty="0"/>
-              <a:t> </a:t>
-            </a:r>
-            <a:r>
-              <a:rPr lang="en-US" altLang="zh-CN" sz="1200" dirty="0" smtClean="0"/>
               <a:t>           </a:t>
             </a:r>
             <a:r>
-              <a:rPr lang="en-US" altLang="zh-CN" sz="1200" dirty="0" smtClean="0"/>
-              <a:t> </a:t>
-            </a:r>
-            <a:r>
-              <a:rPr lang="en-US" altLang="zh-CN" sz="1200" dirty="0" smtClean="0"/>
-              <a:t>as a data analyst.</a:t>
-            </a:r>
-          </a:p>
-          <a:p>
-            <a:r>
-              <a:rPr lang="en-US" altLang="zh-CN" sz="1200" dirty="0" smtClean="0"/>
-              <a:t>           - Understand </a:t>
-            </a:r>
-            <a:r>
-              <a:rPr lang="en-US" altLang="zh-CN" sz="1200" dirty="0" smtClean="0"/>
-              <a:t>how important is data source, data quality </a:t>
-            </a:r>
-            <a:r>
-              <a:rPr lang="en-US" altLang="zh-CN" sz="1200" dirty="0" smtClean="0"/>
-              <a:t>&amp;             </a:t>
+              <a:rPr lang="en-US" altLang="zh-CN" sz="1200" dirty="0"/>
+              <a:t>- End to end concept of how to visualize, strategies, analyze</a:t>
             </a:r>
           </a:p>
           <a:p>
             <a:r>
               <a:rPr lang="en-US" altLang="zh-CN" sz="1200" dirty="0"/>
-              <a:t> </a:t>
+              <a:t>             as a data analyst.</a:t>
             </a:r>
+          </a:p>
+          <a:p>
             <a:r>
-              <a:rPr lang="en-US" altLang="zh-CN" sz="1200" dirty="0" smtClean="0"/>
-              <a:t>           </a:t>
+              <a:rPr lang="en-US" altLang="zh-CN" sz="1200" dirty="0"/>
+              <a:t>           - Understand how important is data source, data quality &amp;             </a:t>
             </a:r>
+          </a:p>
+          <a:p>
             <a:r>
-              <a:rPr lang="en-US" altLang="zh-CN" sz="1200" dirty="0" smtClean="0"/>
-              <a:t> analytical </a:t>
+              <a:rPr lang="en-US" altLang="zh-CN" sz="1200" dirty="0"/>
+              <a:t>             analytical tools which we use throughout the process.</a:t>
             </a:r>
-            <a:r>
-              <a:rPr lang="en-US" altLang="zh-CN" sz="1200" dirty="0" smtClean="0"/>
-              <a:t>tools which we use throughout the process</a:t>
-            </a:r>
-            <a:r>
-              <a:rPr lang="en-US" altLang="zh-CN" sz="1200" dirty="0" smtClean="0"/>
-              <a:t>.</a:t>
-            </a:r>
-            <a:endParaRPr lang="en-US" altLang="zh-CN" sz="1200" dirty="0" smtClean="0"/>
           </a:p>
         </p:txBody>
       </p:sp>
@@ -23527,7 +24124,7 @@
           <p:cNvPr id="38" name="Picture Placeholder 37" descr="People working in office">
             <a:extLst>
               <a:ext uri="{FF2B5EF4-FFF2-40B4-BE49-F238E27FC236}">
-                <a16:creationId xmlns="" xmlns:a16="http://schemas.microsoft.com/office/drawing/2014/main" id="{4162880A-4A88-ED9F-357E-65638ED8BB0C}"/>
+                <a16:creationId xmlns:a16="http://schemas.microsoft.com/office/drawing/2014/main" id="{4162880A-4A88-ED9F-357E-65638ED8BB0C}"/>
               </a:ext>
             </a:extLst>
           </p:cNvPr>
@@ -23558,10 +24155,10 @@
           <p:cNvPr id="39" name="Picture Placeholder 31">
             <a:extLst>
               <a:ext uri="{FF2B5EF4-FFF2-40B4-BE49-F238E27FC236}">
-                <a16:creationId xmlns="" xmlns:a16="http://schemas.microsoft.com/office/drawing/2014/main" id="{6037332D-8714-C147-6E64-3654D8C57839}"/>
+                <a16:creationId xmlns:a16="http://schemas.microsoft.com/office/drawing/2014/main" id="{6037332D-8714-C147-6E64-3654D8C57839}"/>
               </a:ext>
               <a:ext uri="{C183D7F6-B498-43B3-948B-1728B52AA6E4}">
-                <adec:decorative xmlns="" xmlns:adec="http://schemas.microsoft.com/office/drawing/2017/decorative" val="1"/>
+                <adec:decorative xmlns:adec="http://schemas.microsoft.com/office/drawing/2017/decorative" val="1"/>
               </a:ext>
             </a:extLst>
           </p:cNvPr>
@@ -23779,7 +24376,7 @@
           <p:cNvPr id="4" name="Footer Placeholder 3">
             <a:extLst>
               <a:ext uri="{FF2B5EF4-FFF2-40B4-BE49-F238E27FC236}">
-                <a16:creationId xmlns="" xmlns:a16="http://schemas.microsoft.com/office/drawing/2014/main" id="{8E531165-F745-171F-F6EC-07FDD4E3E06C}"/>
+                <a16:creationId xmlns:a16="http://schemas.microsoft.com/office/drawing/2014/main" id="{8E531165-F745-171F-F6EC-07FDD4E3E06C}"/>
               </a:ext>
             </a:extLst>
           </p:cNvPr>
@@ -23807,7 +24404,7 @@
           <p:cNvPr id="5" name="Slide Number Placeholder 4">
             <a:extLst>
               <a:ext uri="{FF2B5EF4-FFF2-40B4-BE49-F238E27FC236}">
-                <a16:creationId xmlns="" xmlns:a16="http://schemas.microsoft.com/office/drawing/2014/main" id="{02F30A6A-65C9-04FE-77CF-C95CC406DBDB}"/>
+                <a16:creationId xmlns:a16="http://schemas.microsoft.com/office/drawing/2014/main" id="{02F30A6A-65C9-04FE-77CF-C95CC406DBDB}"/>
               </a:ext>
             </a:extLst>
           </p:cNvPr>
@@ -23826,7 +24423,7 @@
             <a:fld id="{47FEACEE-25B4-4A2D-B147-27296E36371D}" type="slidenum">
               <a:rPr lang="en-US" altLang="zh-CN" smtClean="0"/>
               <a:pPr/>
-              <a:t>10</a:t>
+              <a:t>13</a:t>
             </a:fld>
             <a:endParaRPr lang="en-US" altLang="zh-CN" dirty="0"/>
           </a:p>
@@ -23842,17 +24439,10 @@
   <p:clrMapOvr>
     <a:masterClrMapping/>
   </p:clrMapOvr>
-  <p:timing>
-    <p:tnLst>
-      <p:par>
-        <p:cTn id="1" dur="indefinite" restart="never" nodeType="tmRoot"/>
-      </p:par>
-    </p:tnLst>
-  </p:timing>
 </p:sld>
 </file>
 
-<file path=ppt/slides/slide11.xml><?xml version="1.0" encoding="utf-8"?>
+<file path=ppt/slides/slide14.xml><?xml version="1.0" encoding="utf-8"?>
 <p:sld xmlns:a="http://schemas.openxmlformats.org/drawingml/2006/main" xmlns:r="http://schemas.openxmlformats.org/officeDocument/2006/relationships" xmlns:p="http://schemas.openxmlformats.org/presentationml/2006/main">
   <p:cSld>
     <p:spTree>
@@ -23874,7 +24464,7 @@
           <p:cNvPr id="24" name="Title 23">
             <a:extLst>
               <a:ext uri="{FF2B5EF4-FFF2-40B4-BE49-F238E27FC236}">
-                <a16:creationId xmlns="" xmlns:a16="http://schemas.microsoft.com/office/drawing/2014/main" id="{AD2C8D04-263D-9589-1CFF-A5968D7C33D7}"/>
+                <a16:creationId xmlns:a16="http://schemas.microsoft.com/office/drawing/2014/main" id="{AD2C8D04-263D-9589-1CFF-A5968D7C33D7}"/>
               </a:ext>
             </a:extLst>
           </p:cNvPr>
@@ -23902,7 +24492,7 @@
           <p:cNvPr id="14" name="Picture Placeholder 13" descr="People working in office">
             <a:extLst>
               <a:ext uri="{FF2B5EF4-FFF2-40B4-BE49-F238E27FC236}">
-                <a16:creationId xmlns="" xmlns:a16="http://schemas.microsoft.com/office/drawing/2014/main" id="{496155F4-61B2-441D-9F16-788866450DA2}"/>
+                <a16:creationId xmlns:a16="http://schemas.microsoft.com/office/drawing/2014/main" id="{496155F4-61B2-441D-9F16-788866450DA2}"/>
               </a:ext>
             </a:extLst>
           </p:cNvPr>
@@ -23931,7 +24521,7 @@
           <p:cNvPr id="16" name="Picture Placeholder 15" descr="People in an office discussing work over a laptop&#10;">
             <a:extLst>
               <a:ext uri="{FF2B5EF4-FFF2-40B4-BE49-F238E27FC236}">
-                <a16:creationId xmlns="" xmlns:a16="http://schemas.microsoft.com/office/drawing/2014/main" id="{BCD5762E-DD49-42B3-9CA8-46A4AD7193E2}"/>
+                <a16:creationId xmlns:a16="http://schemas.microsoft.com/office/drawing/2014/main" id="{BCD5762E-DD49-42B3-9CA8-46A4AD7193E2}"/>
               </a:ext>
             </a:extLst>
           </p:cNvPr>
@@ -23960,7 +24550,7 @@
           <p:cNvPr id="18" name="Picture Placeholder 17" descr="Layout of website design sketches on white paper">
             <a:extLst>
               <a:ext uri="{FF2B5EF4-FFF2-40B4-BE49-F238E27FC236}">
-                <a16:creationId xmlns="" xmlns:a16="http://schemas.microsoft.com/office/drawing/2014/main" id="{1051CD21-1408-4D13-BF0B-0D7013AD2D0C}"/>
+                <a16:creationId xmlns:a16="http://schemas.microsoft.com/office/drawing/2014/main" id="{1051CD21-1408-4D13-BF0B-0D7013AD2D0C}"/>
               </a:ext>
             </a:extLst>
           </p:cNvPr>
@@ -23989,7 +24579,7 @@
           <p:cNvPr id="28" name="Picture Placeholder 27" descr="Businesswoman reviewing sticky notes on a wall">
             <a:extLst>
               <a:ext uri="{FF2B5EF4-FFF2-40B4-BE49-F238E27FC236}">
-                <a16:creationId xmlns="" xmlns:a16="http://schemas.microsoft.com/office/drawing/2014/main" id="{B746A775-E65C-70F6-9DB4-E51F7F2DAECE}"/>
+                <a16:creationId xmlns:a16="http://schemas.microsoft.com/office/drawing/2014/main" id="{B746A775-E65C-70F6-9DB4-E51F7F2DAECE}"/>
               </a:ext>
             </a:extLst>
           </p:cNvPr>
@@ -24025,13 +24615,6 @@
   <p:clrMapOvr>
     <a:masterClrMapping/>
   </p:clrMapOvr>
-  <p:timing>
-    <p:tnLst>
-      <p:par>
-        <p:cTn id="1" dur="indefinite" restart="never" nodeType="tmRoot"/>
-      </p:par>
-    </p:tnLst>
-  </p:timing>
 </p:sld>
 </file>
 
@@ -24054,10 +24637,10 @@
       </p:grpSpPr>
       <p:sp>
         <p:nvSpPr>
-          <p:cNvPr id="38" name="Title 37">
-            <a:extLst>
-              <a:ext uri="{FF2B5EF4-FFF2-40B4-BE49-F238E27FC236}">
-                <a16:creationId xmlns="" xmlns:a16="http://schemas.microsoft.com/office/drawing/2014/main" id="{478CB64C-71AF-6B72-8069-000DD250502E}"/>
+          <p:cNvPr id="14" name="Title 1">
+            <a:extLst>
+              <a:ext uri="{FF2B5EF4-FFF2-40B4-BE49-F238E27FC236}">
+                <a16:creationId xmlns:a16="http://schemas.microsoft.com/office/drawing/2014/main" id="{E8C9360C-C199-3064-F234-4F2F9D6DF00C}"/>
               </a:ext>
             </a:extLst>
           </p:cNvPr>
@@ -24068,25 +24651,332 @@
             <p:ph type="title"/>
           </p:nvPr>
         </p:nvSpPr>
-        <p:spPr/>
+        <p:spPr>
+          <a:xfrm>
+            <a:off x="581709" y="721538"/>
+            <a:ext cx="10889796" cy="765063"/>
+          </a:xfrm>
+        </p:spPr>
         <p:txBody>
           <a:bodyPr/>
           <a:lstStyle/>
           <a:p>
             <a:r>
-              <a:rPr lang="en-US" dirty="0" smtClean="0"/>
-              <a:t>Journey</a:t>
+              <a:rPr lang="en-US" dirty="0"/>
+              <a:t>Research Question Motivation </a:t>
             </a:r>
-            <a:endParaRPr lang="en-US" dirty="0"/>
-          </a:p>
-        </p:txBody>
-      </p:sp>
-      <p:sp>
-        <p:nvSpPr>
-          <p:cNvPr id="40" name="Text Placeholder 39">
-            <a:extLst>
-              <a:ext uri="{FF2B5EF4-FFF2-40B4-BE49-F238E27FC236}">
-                <a16:creationId xmlns="" xmlns:a16="http://schemas.microsoft.com/office/drawing/2014/main" id="{FA2F9A05-8E79-46FF-1ABA-927EF2D69BC5}"/>
+          </a:p>
+        </p:txBody>
+      </p:sp>
+      <p:sp>
+        <p:nvSpPr>
+          <p:cNvPr id="16" name="Table Placeholder 2">
+            <a:extLst>
+              <a:ext uri="{FF2B5EF4-FFF2-40B4-BE49-F238E27FC236}">
+                <a16:creationId xmlns:a16="http://schemas.microsoft.com/office/drawing/2014/main" id="{E7AA4EB4-1CA3-D96F-1DB6-6DBC46FADF9A}"/>
+              </a:ext>
+            </a:extLst>
+          </p:cNvPr>
+          <p:cNvSpPr>
+            <a:spLocks noGrp="1"/>
+          </p:cNvSpPr>
+          <p:nvPr>
+            <p:ph type="tbl" sz="quarter" idx="27"/>
+          </p:nvPr>
+        </p:nvSpPr>
+        <p:spPr>
+          <a:xfrm>
+            <a:off x="581709" y="1614198"/>
+            <a:ext cx="10889796" cy="3956349"/>
+          </a:xfrm>
+        </p:spPr>
+        <p:txBody>
+          <a:bodyPr/>
+          <a:lstStyle/>
+          <a:p>
+            <a:r>
+              <a:rPr lang="en-AU" dirty="0"/>
+              <a:t>In Australia, e-cigarettes entered the market in the mid-2000s</a:t>
+            </a:r>
+            <a:r>
+              <a:rPr lang="en-AU" baseline="30000" dirty="0"/>
+              <a:t>1 </a:t>
+            </a:r>
+          </a:p>
+          <a:p>
+            <a:r>
+              <a:rPr lang="en-AU" dirty="0"/>
+              <a:t>There is a lot of research on the impacts of nicotine e-cigarettes informing campaigns, however, use of e-cigarettes has been significantly increasing since 2013</a:t>
+            </a:r>
+            <a:r>
+              <a:rPr lang="en-AU" baseline="30000" dirty="0"/>
+              <a:t>2</a:t>
+            </a:r>
+            <a:r>
+              <a:rPr lang="en-AU" dirty="0"/>
+              <a:t>, particularly among adolescents and young adults</a:t>
+            </a:r>
+          </a:p>
+          <a:p>
+            <a:r>
+              <a:rPr lang="en-AU" dirty="0"/>
+              <a:t>The true long-term impacts of e-cigarettes are yet to be concluded as vaping and e-cigarette use is still considered relatively new compared to tobacco smoking</a:t>
+            </a:r>
+          </a:p>
+          <a:p>
+            <a:r>
+              <a:rPr lang="en-AU" dirty="0"/>
+              <a:t>Anecdotally, e.g. in the news, adolescents have been presenting with respiratory symptoms</a:t>
+            </a:r>
+          </a:p>
+          <a:p>
+            <a:endParaRPr lang="en-AU" dirty="0"/>
+          </a:p>
+          <a:p>
+            <a:r>
+              <a:rPr lang="en-AU" dirty="0"/>
+              <a:t>Want to investigate/determine on a broad scale and with publicly available data, who is the typical e-cigarette user, and most popular products</a:t>
+            </a:r>
+          </a:p>
+          <a:p>
+            <a:endParaRPr lang="en-AU" dirty="0"/>
+          </a:p>
+        </p:txBody>
+      </p:sp>
+      <p:sp>
+        <p:nvSpPr>
+          <p:cNvPr id="8" name="Footer Placeholder 7">
+            <a:extLst>
+              <a:ext uri="{FF2B5EF4-FFF2-40B4-BE49-F238E27FC236}">
+                <a16:creationId xmlns:a16="http://schemas.microsoft.com/office/drawing/2014/main" id="{ADEB2C0F-594F-484D-E878-F311CBE9DC8C}"/>
+              </a:ext>
+            </a:extLst>
+          </p:cNvPr>
+          <p:cNvSpPr>
+            <a:spLocks noGrp="1"/>
+          </p:cNvSpPr>
+          <p:nvPr>
+            <p:ph type="ftr" sz="quarter" idx="28"/>
+          </p:nvPr>
+        </p:nvSpPr>
+        <p:spPr>
+          <a:xfrm>
+            <a:off x="484632" y="6217920"/>
+            <a:ext cx="4114800" cy="365125"/>
+          </a:xfrm>
+        </p:spPr>
+        <p:txBody>
+          <a:bodyPr anchor="ctr">
+            <a:normAutofit/>
+          </a:bodyPr>
+          <a:lstStyle/>
+          <a:p>
+            <a:pPr>
+              <a:spcAft>
+                <a:spcPts val="600"/>
+              </a:spcAft>
+            </a:pPr>
+            <a:r>
+              <a:rPr lang="en-US" dirty="0"/>
+              <a:t>E-cigarette use</a:t>
+            </a:r>
+          </a:p>
+        </p:txBody>
+      </p:sp>
+      <p:sp>
+        <p:nvSpPr>
+          <p:cNvPr id="9" name="Slide Number Placeholder 8">
+            <a:extLst>
+              <a:ext uri="{FF2B5EF4-FFF2-40B4-BE49-F238E27FC236}">
+                <a16:creationId xmlns:a16="http://schemas.microsoft.com/office/drawing/2014/main" id="{73525D0A-92BC-3990-F30F-284CB499D921}"/>
+              </a:ext>
+            </a:extLst>
+          </p:cNvPr>
+          <p:cNvSpPr>
+            <a:spLocks noGrp="1"/>
+          </p:cNvSpPr>
+          <p:nvPr>
+            <p:ph type="sldNum" sz="quarter" idx="29"/>
+          </p:nvPr>
+        </p:nvSpPr>
+        <p:spPr>
+          <a:xfrm>
+            <a:off x="11194169" y="6217920"/>
+            <a:ext cx="458592" cy="365125"/>
+          </a:xfrm>
+        </p:spPr>
+        <p:txBody>
+          <a:bodyPr anchor="ctr">
+            <a:normAutofit/>
+          </a:bodyPr>
+          <a:lstStyle/>
+          <a:p>
+            <a:pPr>
+              <a:spcAft>
+                <a:spcPts val="600"/>
+              </a:spcAft>
+            </a:pPr>
+            <a:fld id="{47FEACEE-25B4-4A2D-B147-27296E36371D}" type="slidenum">
+              <a:rPr lang="en-US" altLang="zh-CN" smtClean="0"/>
+              <a:pPr>
+                <a:spcAft>
+                  <a:spcPts val="600"/>
+                </a:spcAft>
+              </a:pPr>
+              <a:t>2</a:t>
+            </a:fld>
+            <a:endParaRPr lang="en-US" altLang="zh-CN"/>
+          </a:p>
+        </p:txBody>
+      </p:sp>
+      <p:sp>
+        <p:nvSpPr>
+          <p:cNvPr id="10" name="TextBox 9">
+            <a:extLst>
+              <a:ext uri="{FF2B5EF4-FFF2-40B4-BE49-F238E27FC236}">
+                <a16:creationId xmlns:a16="http://schemas.microsoft.com/office/drawing/2014/main" id="{0CCA89E8-F9D5-9AF9-C0D9-1FEB75C06EE5}"/>
+              </a:ext>
+            </a:extLst>
+          </p:cNvPr>
+          <p:cNvSpPr txBox="1"/>
+          <p:nvPr/>
+        </p:nvSpPr>
+        <p:spPr>
+          <a:xfrm>
+            <a:off x="581709" y="5789330"/>
+            <a:ext cx="9515960" cy="461665"/>
+          </a:xfrm>
+          <a:prstGeom prst="rect">
+            <a:avLst/>
+          </a:prstGeom>
+        </p:spPr>
+        <p:txBody>
+          <a:bodyPr wrap="square" rtlCol="0">
+            <a:spAutoFit/>
+          </a:bodyPr>
+          <a:lstStyle/>
+          <a:p>
+            <a:pPr marL="0" indent="0">
+              <a:lnSpc>
+                <a:spcPct val="100000"/>
+              </a:lnSpc>
+              <a:spcBef>
+                <a:spcPts val="0"/>
+              </a:spcBef>
+              <a:buFontTx/>
+              <a:buNone/>
+            </a:pPr>
+            <a:r>
+              <a:rPr lang="en-AU" sz="1200" baseline="30000" dirty="0">
+                <a:latin typeface="Posterama" panose="020B0504020200020000" pitchFamily="34" charset="0"/>
+                <a:ea typeface="微软雅黑"/>
+                <a:cs typeface="Posterama" panose="020B0504020200020000" pitchFamily="34" charset="0"/>
+              </a:rPr>
+              <a:t>1</a:t>
+            </a:r>
+            <a:r>
+              <a:rPr lang="en-AU" sz="1200" dirty="0">
+                <a:latin typeface="Posterama" panose="020B0504020200020000" pitchFamily="34" charset="0"/>
+                <a:ea typeface="微软雅黑"/>
+                <a:cs typeface="Posterama" panose="020B0504020200020000" pitchFamily="34" charset="0"/>
+              </a:rPr>
+              <a:t> </a:t>
+            </a:r>
+            <a:r>
+              <a:rPr lang="en-AU" sz="1200" dirty="0">
+                <a:latin typeface="Posterama" panose="020B0504020200020000" pitchFamily="34" charset="0"/>
+                <a:ea typeface="微软雅黑"/>
+                <a:cs typeface="Posterama" panose="020B0504020200020000" pitchFamily="34" charset="0"/>
+                <a:hlinkClick r:id="rId3"/>
+              </a:rPr>
+              <a:t>https://www.nzvapor.com/au/blog/company-news/history-of-vaping-law-in-australia/</a:t>
+            </a:r>
+            <a:endParaRPr lang="en-AU" sz="1200" dirty="0">
+              <a:latin typeface="Posterama" panose="020B0504020200020000" pitchFamily="34" charset="0"/>
+              <a:ea typeface="微软雅黑"/>
+              <a:cs typeface="Posterama" panose="020B0504020200020000" pitchFamily="34" charset="0"/>
+            </a:endParaRPr>
+          </a:p>
+          <a:p>
+            <a:pPr marL="0" indent="0">
+              <a:lnSpc>
+                <a:spcPct val="100000"/>
+              </a:lnSpc>
+              <a:spcBef>
+                <a:spcPts val="0"/>
+              </a:spcBef>
+              <a:buFontTx/>
+              <a:buNone/>
+            </a:pPr>
+            <a:r>
+              <a:rPr lang="en-AU" sz="1200" baseline="30000" dirty="0">
+                <a:latin typeface="Posterama" panose="020B0504020200020000" pitchFamily="34" charset="0"/>
+                <a:ea typeface="微软雅黑"/>
+                <a:cs typeface="Posterama" panose="020B0504020200020000" pitchFamily="34" charset="0"/>
+              </a:rPr>
+              <a:t>2</a:t>
+            </a:r>
+            <a:r>
+              <a:rPr lang="en-AU" sz="1200" dirty="0">
+                <a:latin typeface="Posterama" panose="020B0504020200020000" pitchFamily="34" charset="0"/>
+                <a:ea typeface="微软雅黑"/>
+                <a:cs typeface="Posterama" panose="020B0504020200020000" pitchFamily="34" charset="0"/>
+              </a:rPr>
+              <a:t> </a:t>
+            </a:r>
+            <a:r>
+              <a:rPr lang="en-AU" sz="1200" dirty="0">
+                <a:latin typeface="Posterama" panose="020B0504020200020000" pitchFamily="34" charset="0"/>
+                <a:ea typeface="微软雅黑"/>
+                <a:cs typeface="Posterama" panose="020B0504020200020000" pitchFamily="34" charset="0"/>
+                <a:hlinkClick r:id="rId4"/>
+              </a:rPr>
+              <a:t>https://www.tobaccoinaustralia.org.au/chapter-18-e-cigarettes/18-3-extent</a:t>
+            </a:r>
+            <a:endParaRPr lang="en-AU" sz="1200" dirty="0">
+              <a:latin typeface="Posterama" panose="020B0504020200020000" pitchFamily="34" charset="0"/>
+              <a:ea typeface="微软雅黑"/>
+              <a:cs typeface="Posterama" panose="020B0504020200020000" pitchFamily="34" charset="0"/>
+            </a:endParaRPr>
+          </a:p>
+        </p:txBody>
+      </p:sp>
+    </p:spTree>
+    <p:extLst>
+      <p:ext uri="{BB962C8B-B14F-4D97-AF65-F5344CB8AC3E}">
+        <p14:creationId xmlns:p14="http://schemas.microsoft.com/office/powerpoint/2010/main" val="824504266"/>
+      </p:ext>
+    </p:extLst>
+  </p:cSld>
+  <p:clrMapOvr>
+    <a:masterClrMapping/>
+  </p:clrMapOvr>
+</p:sld>
+</file>
+
+<file path=ppt/slides/slide3.xml><?xml version="1.0" encoding="utf-8"?>
+<p:sld xmlns:a="http://schemas.openxmlformats.org/drawingml/2006/main" xmlns:r="http://schemas.openxmlformats.org/officeDocument/2006/relationships" xmlns:p="http://schemas.openxmlformats.org/presentationml/2006/main">
+  <p:cSld>
+    <p:spTree>
+      <p:nvGrpSpPr>
+        <p:cNvPr id="1" name=""/>
+        <p:cNvGrpSpPr/>
+        <p:nvPr/>
+      </p:nvGrpSpPr>
+      <p:grpSpPr>
+        <a:xfrm>
+          <a:off x="0" y="0"/>
+          <a:ext cx="0" cy="0"/>
+          <a:chOff x="0" y="0"/>
+          <a:chExt cx="0" cy="0"/>
+        </a:xfrm>
+      </p:grpSpPr>
+      <p:sp>
+        <p:nvSpPr>
+          <p:cNvPr id="21" name="Text Placeholder 1">
+            <a:extLst>
+              <a:ext uri="{FF2B5EF4-FFF2-40B4-BE49-F238E27FC236}">
+                <a16:creationId xmlns:a16="http://schemas.microsoft.com/office/drawing/2014/main" id="{EA6D705B-AD12-67F6-3E9C-5792252ECD88}"/>
               </a:ext>
             </a:extLst>
           </p:cNvPr>
@@ -24097,24 +24987,803 @@
             <p:ph type="body" sz="quarter" idx="27"/>
           </p:nvPr>
         </p:nvSpPr>
-        <p:spPr/>
+        <p:spPr>
+          <a:xfrm>
+            <a:off x="1507136" y="3713698"/>
+            <a:ext cx="1877575" cy="755383"/>
+          </a:xfrm>
+        </p:spPr>
         <p:txBody>
           <a:bodyPr/>
           <a:lstStyle/>
           <a:p>
             <a:r>
               <a:rPr lang="en-US" dirty="0"/>
-              <a:t>Planning</a:t>
+              <a:t>Who are using e-cigarettes?</a:t>
             </a:r>
           </a:p>
         </p:txBody>
       </p:sp>
       <p:sp>
         <p:nvSpPr>
-          <p:cNvPr id="50" name="Text Placeholder 49">
-            <a:extLst>
-              <a:ext uri="{FF2B5EF4-FFF2-40B4-BE49-F238E27FC236}">
-                <a16:creationId xmlns="" xmlns:a16="http://schemas.microsoft.com/office/drawing/2014/main" id="{0532F467-8DBE-D445-0CF7-D5D242DAD663}"/>
+          <p:cNvPr id="25" name="Text Placeholder 3">
+            <a:extLst>
+              <a:ext uri="{FF2B5EF4-FFF2-40B4-BE49-F238E27FC236}">
+                <a16:creationId xmlns:a16="http://schemas.microsoft.com/office/drawing/2014/main" id="{EF4F5C12-462F-13DA-8FD1-8AF177EC1D83}"/>
+              </a:ext>
+            </a:extLst>
+          </p:cNvPr>
+          <p:cNvSpPr>
+            <a:spLocks noGrp="1"/>
+          </p:cNvSpPr>
+          <p:nvPr>
+            <p:ph type="body" sz="quarter" idx="38"/>
+          </p:nvPr>
+        </p:nvSpPr>
+        <p:spPr>
+          <a:xfrm>
+            <a:off x="3889942" y="2355643"/>
+            <a:ext cx="1877575" cy="692484"/>
+          </a:xfrm>
+        </p:spPr>
+        <p:txBody>
+          <a:bodyPr/>
+          <a:lstStyle/>
+          <a:p>
+            <a:r>
+              <a:rPr lang="en-US" dirty="0"/>
+              <a:t>What products are popular?</a:t>
+            </a:r>
+          </a:p>
+        </p:txBody>
+      </p:sp>
+      <p:sp>
+        <p:nvSpPr>
+          <p:cNvPr id="27" name="Text Placeholder 4">
+            <a:extLst>
+              <a:ext uri="{FF2B5EF4-FFF2-40B4-BE49-F238E27FC236}">
+                <a16:creationId xmlns:a16="http://schemas.microsoft.com/office/drawing/2014/main" id="{E4C68D81-B7D8-AA05-52B2-0FEA1F7593AA}"/>
+              </a:ext>
+            </a:extLst>
+          </p:cNvPr>
+          <p:cNvSpPr>
+            <a:spLocks noGrp="1"/>
+          </p:cNvSpPr>
+          <p:nvPr>
+            <p:ph type="body" sz="quarter" idx="39"/>
+          </p:nvPr>
+        </p:nvSpPr>
+        <p:spPr>
+          <a:xfrm>
+            <a:off x="3889941" y="3123804"/>
+            <a:ext cx="1877575" cy="506399"/>
+          </a:xfrm>
+        </p:spPr>
+        <p:txBody>
+          <a:bodyPr/>
+          <a:lstStyle/>
+          <a:p>
+            <a:r>
+              <a:rPr lang="en-US" dirty="0"/>
+              <a:t>Product types, </a:t>
+            </a:r>
+            <a:r>
+              <a:rPr lang="en-US" dirty="0" err="1"/>
+              <a:t>flavours</a:t>
+            </a:r>
+            <a:endParaRPr lang="en-US" dirty="0"/>
+          </a:p>
+        </p:txBody>
+      </p:sp>
+      <p:sp>
+        <p:nvSpPr>
+          <p:cNvPr id="29" name="Text Placeholder 5">
+            <a:extLst>
+              <a:ext uri="{FF2B5EF4-FFF2-40B4-BE49-F238E27FC236}">
+                <a16:creationId xmlns:a16="http://schemas.microsoft.com/office/drawing/2014/main" id="{70970930-46B5-B75F-5A52-6CF0202C1418}"/>
+              </a:ext>
+            </a:extLst>
+          </p:cNvPr>
+          <p:cNvSpPr>
+            <a:spLocks noGrp="1"/>
+          </p:cNvSpPr>
+          <p:nvPr>
+            <p:ph type="body" sz="quarter" idx="40"/>
+          </p:nvPr>
+        </p:nvSpPr>
+        <p:spPr>
+          <a:xfrm>
+            <a:off x="5107230" y="4469081"/>
+            <a:ext cx="1877575" cy="506399"/>
+          </a:xfrm>
+        </p:spPr>
+        <p:txBody>
+          <a:bodyPr/>
+          <a:lstStyle/>
+          <a:p>
+            <a:endParaRPr lang="en-US" dirty="0"/>
+          </a:p>
+        </p:txBody>
+      </p:sp>
+      <p:sp>
+        <p:nvSpPr>
+          <p:cNvPr id="31" name="Text Placeholder 6">
+            <a:extLst>
+              <a:ext uri="{FF2B5EF4-FFF2-40B4-BE49-F238E27FC236}">
+                <a16:creationId xmlns:a16="http://schemas.microsoft.com/office/drawing/2014/main" id="{80E0BEA9-1668-4660-6579-389123426399}"/>
+              </a:ext>
+            </a:extLst>
+          </p:cNvPr>
+          <p:cNvSpPr>
+            <a:spLocks noGrp="1"/>
+          </p:cNvSpPr>
+          <p:nvPr>
+            <p:ph type="body" sz="quarter" idx="41"/>
+          </p:nvPr>
+        </p:nvSpPr>
+        <p:spPr>
+          <a:xfrm>
+            <a:off x="5107230" y="5051157"/>
+            <a:ext cx="1877575" cy="506399"/>
+          </a:xfrm>
+        </p:spPr>
+        <p:txBody>
+          <a:bodyPr/>
+          <a:lstStyle/>
+          <a:p>
+            <a:endParaRPr lang="en-US"/>
+          </a:p>
+        </p:txBody>
+      </p:sp>
+      <p:sp>
+        <p:nvSpPr>
+          <p:cNvPr id="33" name="Text Placeholder 7">
+            <a:extLst>
+              <a:ext uri="{FF2B5EF4-FFF2-40B4-BE49-F238E27FC236}">
+                <a16:creationId xmlns:a16="http://schemas.microsoft.com/office/drawing/2014/main" id="{AF55B730-2EB2-3264-9AA2-C3108A067DAB}"/>
+              </a:ext>
+            </a:extLst>
+          </p:cNvPr>
+          <p:cNvSpPr>
+            <a:spLocks noGrp="1"/>
+          </p:cNvSpPr>
+          <p:nvPr>
+            <p:ph type="body" sz="quarter" idx="42"/>
+          </p:nvPr>
+        </p:nvSpPr>
+        <p:spPr>
+          <a:xfrm>
+            <a:off x="7501941" y="4469081"/>
+            <a:ext cx="1877575" cy="506399"/>
+          </a:xfrm>
+        </p:spPr>
+        <p:txBody>
+          <a:bodyPr/>
+          <a:lstStyle/>
+          <a:p>
+            <a:endParaRPr lang="en-US"/>
+          </a:p>
+        </p:txBody>
+      </p:sp>
+      <p:sp>
+        <p:nvSpPr>
+          <p:cNvPr id="35" name="Text Placeholder 8">
+            <a:extLst>
+              <a:ext uri="{FF2B5EF4-FFF2-40B4-BE49-F238E27FC236}">
+                <a16:creationId xmlns:a16="http://schemas.microsoft.com/office/drawing/2014/main" id="{6FB7A5B3-9470-736A-0CB1-388E13A61B6A}"/>
+              </a:ext>
+            </a:extLst>
+          </p:cNvPr>
+          <p:cNvSpPr>
+            <a:spLocks noGrp="1"/>
+          </p:cNvSpPr>
+          <p:nvPr>
+            <p:ph type="body" sz="quarter" idx="43"/>
+          </p:nvPr>
+        </p:nvSpPr>
+        <p:spPr>
+          <a:xfrm>
+            <a:off x="7501941" y="5051157"/>
+            <a:ext cx="1877575" cy="506399"/>
+          </a:xfrm>
+        </p:spPr>
+        <p:txBody>
+          <a:bodyPr/>
+          <a:lstStyle/>
+          <a:p>
+            <a:endParaRPr lang="en-US"/>
+          </a:p>
+        </p:txBody>
+      </p:sp>
+      <p:sp>
+        <p:nvSpPr>
+          <p:cNvPr id="37" name="Text Placeholder 9">
+            <a:extLst>
+              <a:ext uri="{FF2B5EF4-FFF2-40B4-BE49-F238E27FC236}">
+                <a16:creationId xmlns:a16="http://schemas.microsoft.com/office/drawing/2014/main" id="{444D5083-74F6-E69F-BA8D-A563407807A1}"/>
+              </a:ext>
+            </a:extLst>
+          </p:cNvPr>
+          <p:cNvSpPr>
+            <a:spLocks noGrp="1"/>
+          </p:cNvSpPr>
+          <p:nvPr>
+            <p:ph type="body" sz="quarter" idx="44"/>
+          </p:nvPr>
+        </p:nvSpPr>
+        <p:spPr>
+          <a:xfrm>
+            <a:off x="8734718" y="2355643"/>
+            <a:ext cx="1877575" cy="506399"/>
+          </a:xfrm>
+        </p:spPr>
+        <p:txBody>
+          <a:bodyPr/>
+          <a:lstStyle/>
+          <a:p>
+            <a:endParaRPr lang="en-US"/>
+          </a:p>
+        </p:txBody>
+      </p:sp>
+      <p:sp>
+        <p:nvSpPr>
+          <p:cNvPr id="39" name="Text Placeholder 10">
+            <a:extLst>
+              <a:ext uri="{FF2B5EF4-FFF2-40B4-BE49-F238E27FC236}">
+                <a16:creationId xmlns:a16="http://schemas.microsoft.com/office/drawing/2014/main" id="{63A0DDB9-D3C9-2A13-A284-FF5452277BC4}"/>
+              </a:ext>
+            </a:extLst>
+          </p:cNvPr>
+          <p:cNvSpPr>
+            <a:spLocks noGrp="1"/>
+          </p:cNvSpPr>
+          <p:nvPr>
+            <p:ph type="body" sz="quarter" idx="45"/>
+          </p:nvPr>
+        </p:nvSpPr>
+        <p:spPr>
+          <a:xfrm>
+            <a:off x="8734718" y="2937719"/>
+            <a:ext cx="1877575" cy="506399"/>
+          </a:xfrm>
+        </p:spPr>
+        <p:txBody>
+          <a:bodyPr/>
+          <a:lstStyle/>
+          <a:p>
+            <a:endParaRPr lang="en-US"/>
+          </a:p>
+        </p:txBody>
+      </p:sp>
+      <p:sp>
+        <p:nvSpPr>
+          <p:cNvPr id="41" name="Title 11">
+            <a:extLst>
+              <a:ext uri="{FF2B5EF4-FFF2-40B4-BE49-F238E27FC236}">
+                <a16:creationId xmlns:a16="http://schemas.microsoft.com/office/drawing/2014/main" id="{77DC0F20-5287-0FC8-4329-3EF299464F77}"/>
+              </a:ext>
+            </a:extLst>
+          </p:cNvPr>
+          <p:cNvSpPr>
+            <a:spLocks noGrp="1"/>
+          </p:cNvSpPr>
+          <p:nvPr>
+            <p:ph type="title"/>
+          </p:nvPr>
+        </p:nvSpPr>
+        <p:spPr>
+          <a:xfrm>
+            <a:off x="578914" y="368215"/>
+            <a:ext cx="10515600" cy="1563548"/>
+          </a:xfrm>
+        </p:spPr>
+        <p:txBody>
+          <a:bodyPr/>
+          <a:lstStyle/>
+          <a:p>
+            <a:r>
+              <a:rPr lang="en-US" dirty="0"/>
+              <a:t>Ideal target audience for anti e-cigarette campaigns</a:t>
+            </a:r>
+          </a:p>
+        </p:txBody>
+      </p:sp>
+      <p:sp>
+        <p:nvSpPr>
+          <p:cNvPr id="8" name="Footer Placeholder 7">
+            <a:extLst>
+              <a:ext uri="{FF2B5EF4-FFF2-40B4-BE49-F238E27FC236}">
+                <a16:creationId xmlns:a16="http://schemas.microsoft.com/office/drawing/2014/main" id="{E2F72623-2415-40C6-44A6-F0C3F6CD8148}"/>
+              </a:ext>
+            </a:extLst>
+          </p:cNvPr>
+          <p:cNvSpPr>
+            <a:spLocks noGrp="1"/>
+          </p:cNvSpPr>
+          <p:nvPr>
+            <p:ph type="ftr" sz="quarter" idx="46"/>
+          </p:nvPr>
+        </p:nvSpPr>
+        <p:spPr>
+          <a:xfrm>
+            <a:off x="484632" y="6217920"/>
+            <a:ext cx="4114800" cy="365125"/>
+          </a:xfrm>
+        </p:spPr>
+        <p:txBody>
+          <a:bodyPr anchor="ctr">
+            <a:normAutofit/>
+          </a:bodyPr>
+          <a:lstStyle/>
+          <a:p>
+            <a:pPr>
+              <a:spcAft>
+                <a:spcPts val="600"/>
+              </a:spcAft>
+            </a:pPr>
+            <a:r>
+              <a:rPr lang="en-US" dirty="0"/>
+              <a:t>E-cigarette use</a:t>
+            </a:r>
+          </a:p>
+        </p:txBody>
+      </p:sp>
+      <p:sp>
+        <p:nvSpPr>
+          <p:cNvPr id="9" name="Slide Number Placeholder 8">
+            <a:extLst>
+              <a:ext uri="{FF2B5EF4-FFF2-40B4-BE49-F238E27FC236}">
+                <a16:creationId xmlns:a16="http://schemas.microsoft.com/office/drawing/2014/main" id="{B7A3CE9E-0F77-7337-4931-C80ACD451DE7}"/>
+              </a:ext>
+            </a:extLst>
+          </p:cNvPr>
+          <p:cNvSpPr>
+            <a:spLocks noGrp="1"/>
+          </p:cNvSpPr>
+          <p:nvPr>
+            <p:ph type="sldNum" sz="quarter" idx="47"/>
+          </p:nvPr>
+        </p:nvSpPr>
+        <p:spPr>
+          <a:xfrm>
+            <a:off x="11194169" y="6217920"/>
+            <a:ext cx="458592" cy="365125"/>
+          </a:xfrm>
+        </p:spPr>
+        <p:txBody>
+          <a:bodyPr anchor="ctr">
+            <a:normAutofit/>
+          </a:bodyPr>
+          <a:lstStyle/>
+          <a:p>
+            <a:pPr>
+              <a:spcAft>
+                <a:spcPts val="600"/>
+              </a:spcAft>
+            </a:pPr>
+            <a:fld id="{47FEACEE-25B4-4A2D-B147-27296E36371D}" type="slidenum">
+              <a:rPr lang="en-US" altLang="zh-CN" smtClean="0"/>
+              <a:pPr>
+                <a:spcAft>
+                  <a:spcPts val="600"/>
+                </a:spcAft>
+              </a:pPr>
+              <a:t>3</a:t>
+            </a:fld>
+            <a:endParaRPr lang="en-US" altLang="zh-CN"/>
+          </a:p>
+        </p:txBody>
+      </p:sp>
+      <p:sp>
+        <p:nvSpPr>
+          <p:cNvPr id="10" name="Text Placeholder 4">
+            <a:extLst>
+              <a:ext uri="{FF2B5EF4-FFF2-40B4-BE49-F238E27FC236}">
+                <a16:creationId xmlns:a16="http://schemas.microsoft.com/office/drawing/2014/main" id="{36BFA3C3-13B4-0B92-3E10-EC0DA9DEE0A8}"/>
+              </a:ext>
+            </a:extLst>
+          </p:cNvPr>
+          <p:cNvSpPr txBox="1">
+            <a:spLocks/>
+          </p:cNvSpPr>
+          <p:nvPr/>
+        </p:nvSpPr>
+        <p:spPr>
+          <a:xfrm>
+            <a:off x="1507135" y="4469081"/>
+            <a:ext cx="1877575" cy="809756"/>
+          </a:xfrm>
+          <a:prstGeom prst="rect">
+            <a:avLst/>
+          </a:prstGeom>
+        </p:spPr>
+        <p:txBody>
+          <a:bodyPr vert="horz" lIns="91440" tIns="45720" rIns="91440" bIns="45720" rtlCol="0">
+            <a:noAutofit/>
+          </a:bodyPr>
+          <a:lstStyle>
+            <a:lvl1pPr marL="0" indent="0" algn="ctr" defTabSz="914400" rtl="0" eaLnBrk="1" latinLnBrk="0" hangingPunct="1">
+              <a:lnSpc>
+                <a:spcPct val="90000"/>
+              </a:lnSpc>
+              <a:spcBef>
+                <a:spcPts val="1000"/>
+              </a:spcBef>
+              <a:buFont typeface="Arial" panose="020B0604020202020204" pitchFamily="34" charset="0"/>
+              <a:buNone/>
+              <a:defRPr lang="en-US" altLang="zh-CN" sz="1400" b="0" kern="1200" dirty="0">
+                <a:solidFill>
+                  <a:schemeClr val="accent6"/>
+                </a:solidFill>
+                <a:latin typeface="+mn-lt"/>
+                <a:ea typeface="+mj-ea"/>
+                <a:cs typeface="+mn-cs"/>
+              </a:defRPr>
+            </a:lvl1pPr>
+            <a:lvl2pPr marL="685800" indent="-228600" algn="l" defTabSz="914400" rtl="0" eaLnBrk="1" latinLnBrk="0" hangingPunct="1">
+              <a:lnSpc>
+                <a:spcPct val="90000"/>
+              </a:lnSpc>
+              <a:spcBef>
+                <a:spcPts val="500"/>
+              </a:spcBef>
+              <a:buFont typeface="Arial" panose="020B0604020202020204" pitchFamily="34" charset="0"/>
+              <a:buChar char="•"/>
+              <a:defRPr sz="1000" kern="1200">
+                <a:solidFill>
+                  <a:schemeClr val="accent6"/>
+                </a:solidFill>
+                <a:latin typeface="+mn-lt"/>
+                <a:ea typeface="+mn-ea"/>
+                <a:cs typeface="+mn-cs"/>
+              </a:defRPr>
+            </a:lvl2pPr>
+            <a:lvl3pPr marL="1143000" indent="-228600" algn="l" defTabSz="914400" rtl="0" eaLnBrk="1" latinLnBrk="0" hangingPunct="1">
+              <a:lnSpc>
+                <a:spcPct val="90000"/>
+              </a:lnSpc>
+              <a:spcBef>
+                <a:spcPts val="500"/>
+              </a:spcBef>
+              <a:buFont typeface="Arial" panose="020B0604020202020204" pitchFamily="34" charset="0"/>
+              <a:buChar char="•"/>
+              <a:defRPr sz="900" kern="1200">
+                <a:solidFill>
+                  <a:schemeClr val="accent6"/>
+                </a:solidFill>
+                <a:latin typeface="+mn-lt"/>
+                <a:ea typeface="+mn-ea"/>
+                <a:cs typeface="+mn-cs"/>
+              </a:defRPr>
+            </a:lvl3pPr>
+            <a:lvl4pPr marL="1600200" indent="-228600" algn="l" defTabSz="914400" rtl="0" eaLnBrk="1" latinLnBrk="0" hangingPunct="1">
+              <a:lnSpc>
+                <a:spcPct val="90000"/>
+              </a:lnSpc>
+              <a:spcBef>
+                <a:spcPts val="500"/>
+              </a:spcBef>
+              <a:buFont typeface="Arial" panose="020B0604020202020204" pitchFamily="34" charset="0"/>
+              <a:buChar char="•"/>
+              <a:defRPr sz="800" kern="1200">
+                <a:solidFill>
+                  <a:schemeClr val="accent6"/>
+                </a:solidFill>
+                <a:latin typeface="+mn-lt"/>
+                <a:ea typeface="+mn-ea"/>
+                <a:cs typeface="+mn-cs"/>
+              </a:defRPr>
+            </a:lvl4pPr>
+            <a:lvl5pPr marL="2057400" indent="-228600" algn="l" defTabSz="914400" rtl="0" eaLnBrk="1" latinLnBrk="0" hangingPunct="1">
+              <a:lnSpc>
+                <a:spcPct val="90000"/>
+              </a:lnSpc>
+              <a:spcBef>
+                <a:spcPts val="500"/>
+              </a:spcBef>
+              <a:buFont typeface="Arial" panose="020B0604020202020204" pitchFamily="34" charset="0"/>
+              <a:buChar char="•"/>
+              <a:defRPr sz="800" kern="1200">
+                <a:solidFill>
+                  <a:schemeClr val="accent6"/>
+                </a:solidFill>
+                <a:latin typeface="+mn-lt"/>
+                <a:ea typeface="+mn-ea"/>
+                <a:cs typeface="+mn-cs"/>
+              </a:defRPr>
+            </a:lvl5pPr>
+            <a:lvl6pPr marL="2514600" indent="-228600" algn="l" defTabSz="914400" rtl="0" eaLnBrk="1" latinLnBrk="0" hangingPunct="1">
+              <a:lnSpc>
+                <a:spcPct val="90000"/>
+              </a:lnSpc>
+              <a:spcBef>
+                <a:spcPts val="500"/>
+              </a:spcBef>
+              <a:buFont typeface="Arial" panose="020B0604020202020204" pitchFamily="34" charset="0"/>
+              <a:buChar char="•"/>
+              <a:defRPr sz="1800" kern="1200">
+                <a:solidFill>
+                  <a:schemeClr val="tx1"/>
+                </a:solidFill>
+                <a:latin typeface="+mn-lt"/>
+                <a:ea typeface="+mn-ea"/>
+                <a:cs typeface="+mn-cs"/>
+              </a:defRPr>
+            </a:lvl6pPr>
+            <a:lvl7pPr marL="2971800" indent="-228600" algn="l" defTabSz="914400" rtl="0" eaLnBrk="1" latinLnBrk="0" hangingPunct="1">
+              <a:lnSpc>
+                <a:spcPct val="90000"/>
+              </a:lnSpc>
+              <a:spcBef>
+                <a:spcPts val="500"/>
+              </a:spcBef>
+              <a:buFont typeface="Arial" panose="020B0604020202020204" pitchFamily="34" charset="0"/>
+              <a:buChar char="•"/>
+              <a:defRPr sz="1800" kern="1200">
+                <a:solidFill>
+                  <a:schemeClr val="tx1"/>
+                </a:solidFill>
+                <a:latin typeface="+mn-lt"/>
+                <a:ea typeface="+mn-ea"/>
+                <a:cs typeface="+mn-cs"/>
+              </a:defRPr>
+            </a:lvl7pPr>
+            <a:lvl8pPr marL="3429000" indent="-228600" algn="l" defTabSz="914400" rtl="0" eaLnBrk="1" latinLnBrk="0" hangingPunct="1">
+              <a:lnSpc>
+                <a:spcPct val="90000"/>
+              </a:lnSpc>
+              <a:spcBef>
+                <a:spcPts val="500"/>
+              </a:spcBef>
+              <a:buFont typeface="Arial" panose="020B0604020202020204" pitchFamily="34" charset="0"/>
+              <a:buChar char="•"/>
+              <a:defRPr sz="1800" kern="1200">
+                <a:solidFill>
+                  <a:schemeClr val="tx1"/>
+                </a:solidFill>
+                <a:latin typeface="+mn-lt"/>
+                <a:ea typeface="+mn-ea"/>
+                <a:cs typeface="+mn-cs"/>
+              </a:defRPr>
+            </a:lvl8pPr>
+            <a:lvl9pPr marL="3886200" indent="-228600" algn="l" defTabSz="914400" rtl="0" eaLnBrk="1" latinLnBrk="0" hangingPunct="1">
+              <a:lnSpc>
+                <a:spcPct val="90000"/>
+              </a:lnSpc>
+              <a:spcBef>
+                <a:spcPts val="500"/>
+              </a:spcBef>
+              <a:buFont typeface="Arial" panose="020B0604020202020204" pitchFamily="34" charset="0"/>
+              <a:buChar char="•"/>
+              <a:defRPr sz="1800" kern="1200">
+                <a:solidFill>
+                  <a:schemeClr val="tx1"/>
+                </a:solidFill>
+                <a:latin typeface="+mn-lt"/>
+                <a:ea typeface="+mn-ea"/>
+                <a:cs typeface="+mn-cs"/>
+              </a:defRPr>
+            </a:lvl9pPr>
+          </a:lstStyle>
+          <a:p>
+            <a:r>
+              <a:rPr lang="en-US" dirty="0"/>
+              <a:t>Age groups, sex, education levels, countries </a:t>
+            </a:r>
+          </a:p>
+        </p:txBody>
+      </p:sp>
+    </p:spTree>
+    <p:extLst>
+      <p:ext uri="{BB962C8B-B14F-4D97-AF65-F5344CB8AC3E}">
+        <p14:creationId xmlns:p14="http://schemas.microsoft.com/office/powerpoint/2010/main" val="918445423"/>
+      </p:ext>
+    </p:extLst>
+  </p:cSld>
+  <p:clrMapOvr>
+    <a:masterClrMapping/>
+  </p:clrMapOvr>
+</p:sld>
+</file>
+
+<file path=ppt/slides/slide4.xml><?xml version="1.0" encoding="utf-8"?>
+<p:sld xmlns:a="http://schemas.openxmlformats.org/drawingml/2006/main" xmlns:r="http://schemas.openxmlformats.org/officeDocument/2006/relationships" xmlns:p="http://schemas.openxmlformats.org/presentationml/2006/main">
+  <p:cSld>
+    <p:spTree>
+      <p:nvGrpSpPr>
+        <p:cNvPr id="1" name=""/>
+        <p:cNvGrpSpPr/>
+        <p:nvPr/>
+      </p:nvGrpSpPr>
+      <p:grpSpPr>
+        <a:xfrm>
+          <a:off x="0" y="0"/>
+          <a:ext cx="0" cy="0"/>
+          <a:chOff x="0" y="0"/>
+          <a:chExt cx="0" cy="0"/>
+        </a:xfrm>
+      </p:grpSpPr>
+      <p:sp>
+        <p:nvSpPr>
+          <p:cNvPr id="18" name="Title 3">
+            <a:extLst>
+              <a:ext uri="{FF2B5EF4-FFF2-40B4-BE49-F238E27FC236}">
+                <a16:creationId xmlns:a16="http://schemas.microsoft.com/office/drawing/2014/main" id="{08D82434-D286-EBCC-AD7A-B9919218F743}"/>
+              </a:ext>
+            </a:extLst>
+          </p:cNvPr>
+          <p:cNvSpPr>
+            <a:spLocks noGrp="1"/>
+          </p:cNvSpPr>
+          <p:nvPr>
+            <p:ph type="title"/>
+          </p:nvPr>
+        </p:nvSpPr>
+        <p:spPr>
+          <a:xfrm>
+            <a:off x="512572" y="2826794"/>
+            <a:ext cx="4253399" cy="3158879"/>
+          </a:xfrm>
+        </p:spPr>
+        <p:txBody>
+          <a:bodyPr anchor="ctr">
+            <a:normAutofit/>
+          </a:bodyPr>
+          <a:lstStyle/>
+          <a:p>
+            <a:r>
+              <a:rPr lang="en-US" dirty="0"/>
+              <a:t>Conclusion</a:t>
+            </a:r>
+            <a:br>
+              <a:rPr lang="en-US" b="0" dirty="0"/>
+            </a:br>
+            <a:br>
+              <a:rPr lang="en-US" b="0" dirty="0"/>
+            </a:br>
+            <a:r>
+              <a:rPr lang="en-US" sz="2000" b="0" dirty="0"/>
+              <a:t>Who is the target audience for an anti e-cigarette campaign?</a:t>
+            </a:r>
+            <a:endParaRPr lang="en-US" dirty="0"/>
+          </a:p>
+        </p:txBody>
+      </p:sp>
+      <p:sp>
+        <p:nvSpPr>
+          <p:cNvPr id="23" name="Text Placeholder 2">
+            <a:extLst>
+              <a:ext uri="{FF2B5EF4-FFF2-40B4-BE49-F238E27FC236}">
+                <a16:creationId xmlns:a16="http://schemas.microsoft.com/office/drawing/2014/main" id="{B14202B2-198A-B36D-7DC2-0B1FA4A797E5}"/>
+              </a:ext>
+            </a:extLst>
+          </p:cNvPr>
+          <p:cNvSpPr>
+            <a:spLocks noGrp="1"/>
+          </p:cNvSpPr>
+          <p:nvPr>
+            <p:ph type="body" sz="quarter" idx="28"/>
+          </p:nvPr>
+        </p:nvSpPr>
+        <p:spPr>
+          <a:xfrm>
+            <a:off x="6302076" y="930385"/>
+            <a:ext cx="1913128" cy="1569986"/>
+          </a:xfrm>
+        </p:spPr>
+        <p:txBody>
+          <a:bodyPr/>
+          <a:lstStyle/>
+          <a:p>
+            <a:r>
+              <a:rPr lang="en-US" sz="1600" dirty="0"/>
+              <a:t>Adolescents (10-19 years old) in Iceland, New Zealand, Czech Republic, France, Canada</a:t>
+            </a:r>
+          </a:p>
+        </p:txBody>
+      </p:sp>
+      <p:sp>
+        <p:nvSpPr>
+          <p:cNvPr id="25" name="Text Placeholder 3">
+            <a:extLst>
+              <a:ext uri="{FF2B5EF4-FFF2-40B4-BE49-F238E27FC236}">
+                <a16:creationId xmlns:a16="http://schemas.microsoft.com/office/drawing/2014/main" id="{9430B4C0-1296-B2E1-1858-D3DC14B7039F}"/>
+              </a:ext>
+            </a:extLst>
+          </p:cNvPr>
+          <p:cNvSpPr>
+            <a:spLocks noGrp="1"/>
+          </p:cNvSpPr>
+          <p:nvPr>
+            <p:ph type="body" sz="quarter" idx="29"/>
+          </p:nvPr>
+        </p:nvSpPr>
+        <p:spPr>
+          <a:xfrm>
+            <a:off x="8375472" y="930385"/>
+            <a:ext cx="1904890" cy="1459396"/>
+          </a:xfrm>
+        </p:spPr>
+        <p:txBody>
+          <a:bodyPr/>
+          <a:lstStyle/>
+          <a:p>
+            <a:r>
+              <a:rPr lang="en-US" sz="1600" dirty="0"/>
+              <a:t>Adults in Iceland, New Zealand, Great Britain, Czech Republic</a:t>
+            </a:r>
+          </a:p>
+        </p:txBody>
+      </p:sp>
+      <p:sp>
+        <p:nvSpPr>
+          <p:cNvPr id="27" name="Text Placeholder 4">
+            <a:extLst>
+              <a:ext uri="{FF2B5EF4-FFF2-40B4-BE49-F238E27FC236}">
+                <a16:creationId xmlns:a16="http://schemas.microsoft.com/office/drawing/2014/main" id="{F41A5FC3-1A0C-C7CE-0EE8-9AB0751F0C75}"/>
+              </a:ext>
+            </a:extLst>
+          </p:cNvPr>
+          <p:cNvSpPr>
+            <a:spLocks noGrp="1"/>
+          </p:cNvSpPr>
+          <p:nvPr>
+            <p:ph type="body" sz="quarter" idx="30"/>
+          </p:nvPr>
+        </p:nvSpPr>
+        <p:spPr>
+          <a:xfrm>
+            <a:off x="7321949" y="2844725"/>
+            <a:ext cx="1914694" cy="1089194"/>
+          </a:xfrm>
+        </p:spPr>
+        <p:txBody>
+          <a:bodyPr/>
+          <a:lstStyle/>
+          <a:p>
+            <a:r>
+              <a:rPr lang="en-US" sz="1600" dirty="0"/>
+              <a:t>Males (of all ages) are more likely to smoke e-cigarettes</a:t>
+            </a:r>
+          </a:p>
+        </p:txBody>
+      </p:sp>
+      <p:sp>
+        <p:nvSpPr>
+          <p:cNvPr id="29" name="Text Placeholder 5">
+            <a:extLst>
+              <a:ext uri="{FF2B5EF4-FFF2-40B4-BE49-F238E27FC236}">
+                <a16:creationId xmlns:a16="http://schemas.microsoft.com/office/drawing/2014/main" id="{FDCCE211-0BD5-ADAE-DA5D-7250664A7034}"/>
+              </a:ext>
+            </a:extLst>
+          </p:cNvPr>
+          <p:cNvSpPr>
+            <a:spLocks noGrp="1"/>
+          </p:cNvSpPr>
+          <p:nvPr>
+            <p:ph type="body" sz="quarter" idx="31"/>
+          </p:nvPr>
+        </p:nvSpPr>
+        <p:spPr>
+          <a:xfrm>
+            <a:off x="9409651" y="2826795"/>
+            <a:ext cx="1913128" cy="1107124"/>
+          </a:xfrm>
+        </p:spPr>
+        <p:txBody>
+          <a:bodyPr/>
+          <a:lstStyle/>
+          <a:p>
+            <a:endParaRPr lang="en-US"/>
+          </a:p>
+        </p:txBody>
+      </p:sp>
+      <p:sp>
+        <p:nvSpPr>
+          <p:cNvPr id="31" name="Text Placeholder 6">
+            <a:extLst>
+              <a:ext uri="{FF2B5EF4-FFF2-40B4-BE49-F238E27FC236}">
+                <a16:creationId xmlns:a16="http://schemas.microsoft.com/office/drawing/2014/main" id="{40B82EDB-1724-236D-DBF2-E2D410035A85}"/>
               </a:ext>
             </a:extLst>
           </p:cNvPr>
@@ -24127,6 +25796,208 @@
         </p:nvSpPr>
         <p:spPr>
           <a:xfrm>
+            <a:off x="8367234" y="4631270"/>
+            <a:ext cx="1913128" cy="1075689"/>
+          </a:xfrm>
+        </p:spPr>
+        <p:txBody>
+          <a:bodyPr/>
+          <a:lstStyle/>
+          <a:p>
+            <a:endParaRPr lang="en-US"/>
+          </a:p>
+        </p:txBody>
+      </p:sp>
+      <p:sp>
+        <p:nvSpPr>
+          <p:cNvPr id="8" name="Footer Placeholder 7">
+            <a:extLst>
+              <a:ext uri="{FF2B5EF4-FFF2-40B4-BE49-F238E27FC236}">
+                <a16:creationId xmlns:a16="http://schemas.microsoft.com/office/drawing/2014/main" id="{5D0C30D5-F81A-8AC8-7DEA-7E40CC8201BF}"/>
+              </a:ext>
+            </a:extLst>
+          </p:cNvPr>
+          <p:cNvSpPr>
+            <a:spLocks noGrp="1"/>
+          </p:cNvSpPr>
+          <p:nvPr>
+            <p:ph type="ftr" sz="quarter" idx="33"/>
+          </p:nvPr>
+        </p:nvSpPr>
+        <p:spPr>
+          <a:xfrm>
+            <a:off x="484632" y="6217920"/>
+            <a:ext cx="4114800" cy="365125"/>
+          </a:xfrm>
+        </p:spPr>
+        <p:txBody>
+          <a:bodyPr anchor="ctr">
+            <a:normAutofit/>
+          </a:bodyPr>
+          <a:lstStyle/>
+          <a:p>
+            <a:pPr>
+              <a:spcAft>
+                <a:spcPts val="600"/>
+              </a:spcAft>
+            </a:pPr>
+            <a:r>
+              <a:rPr lang="en-US" dirty="0"/>
+              <a:t>E-cigarette use</a:t>
+            </a:r>
+          </a:p>
+        </p:txBody>
+      </p:sp>
+      <p:sp>
+        <p:nvSpPr>
+          <p:cNvPr id="9" name="Slide Number Placeholder 8">
+            <a:extLst>
+              <a:ext uri="{FF2B5EF4-FFF2-40B4-BE49-F238E27FC236}">
+                <a16:creationId xmlns:a16="http://schemas.microsoft.com/office/drawing/2014/main" id="{EC626ACC-40F6-74B9-573E-A0227E297CD5}"/>
+              </a:ext>
+            </a:extLst>
+          </p:cNvPr>
+          <p:cNvSpPr>
+            <a:spLocks noGrp="1"/>
+          </p:cNvSpPr>
+          <p:nvPr>
+            <p:ph type="sldNum" sz="quarter" idx="34"/>
+          </p:nvPr>
+        </p:nvSpPr>
+        <p:spPr>
+          <a:xfrm>
+            <a:off x="11194169" y="6217920"/>
+            <a:ext cx="458592" cy="365125"/>
+          </a:xfrm>
+        </p:spPr>
+        <p:txBody>
+          <a:bodyPr anchor="ctr">
+            <a:normAutofit/>
+          </a:bodyPr>
+          <a:lstStyle/>
+          <a:p>
+            <a:pPr>
+              <a:spcAft>
+                <a:spcPts val="600"/>
+              </a:spcAft>
+            </a:pPr>
+            <a:fld id="{47FEACEE-25B4-4A2D-B147-27296E36371D}" type="slidenum">
+              <a:rPr lang="en-US" altLang="zh-CN" smtClean="0"/>
+              <a:pPr>
+                <a:spcAft>
+                  <a:spcPts val="600"/>
+                </a:spcAft>
+              </a:pPr>
+              <a:t>4</a:t>
+            </a:fld>
+            <a:endParaRPr lang="en-US" altLang="zh-CN"/>
+          </a:p>
+        </p:txBody>
+      </p:sp>
+    </p:spTree>
+    <p:extLst>
+      <p:ext uri="{BB962C8B-B14F-4D97-AF65-F5344CB8AC3E}">
+        <p14:creationId xmlns:p14="http://schemas.microsoft.com/office/powerpoint/2010/main" val="943795644"/>
+      </p:ext>
+    </p:extLst>
+  </p:cSld>
+  <p:clrMapOvr>
+    <a:masterClrMapping/>
+  </p:clrMapOvr>
+</p:sld>
+</file>
+
+<file path=ppt/slides/slide5.xml><?xml version="1.0" encoding="utf-8"?>
+<p:sld xmlns:a="http://schemas.openxmlformats.org/drawingml/2006/main" xmlns:r="http://schemas.openxmlformats.org/officeDocument/2006/relationships" xmlns:p="http://schemas.openxmlformats.org/presentationml/2006/main">
+  <p:cSld>
+    <p:spTree>
+      <p:nvGrpSpPr>
+        <p:cNvPr id="1" name=""/>
+        <p:cNvGrpSpPr/>
+        <p:nvPr/>
+      </p:nvGrpSpPr>
+      <p:grpSpPr>
+        <a:xfrm>
+          <a:off x="0" y="0"/>
+          <a:ext cx="0" cy="0"/>
+          <a:chOff x="0" y="0"/>
+          <a:chExt cx="0" cy="0"/>
+        </a:xfrm>
+      </p:grpSpPr>
+      <p:sp>
+        <p:nvSpPr>
+          <p:cNvPr id="38" name="Title 37">
+            <a:extLst>
+              <a:ext uri="{FF2B5EF4-FFF2-40B4-BE49-F238E27FC236}">
+                <a16:creationId xmlns:a16="http://schemas.microsoft.com/office/drawing/2014/main" id="{478CB64C-71AF-6B72-8069-000DD250502E}"/>
+              </a:ext>
+            </a:extLst>
+          </p:cNvPr>
+          <p:cNvSpPr>
+            <a:spLocks noGrp="1"/>
+          </p:cNvSpPr>
+          <p:nvPr>
+            <p:ph type="title"/>
+          </p:nvPr>
+        </p:nvSpPr>
+        <p:spPr/>
+        <p:txBody>
+          <a:bodyPr/>
+          <a:lstStyle/>
+          <a:p>
+            <a:r>
+              <a:rPr lang="en-US" dirty="0"/>
+              <a:t>Journey</a:t>
+            </a:r>
+          </a:p>
+        </p:txBody>
+      </p:sp>
+      <p:sp>
+        <p:nvSpPr>
+          <p:cNvPr id="40" name="Text Placeholder 39">
+            <a:extLst>
+              <a:ext uri="{FF2B5EF4-FFF2-40B4-BE49-F238E27FC236}">
+                <a16:creationId xmlns:a16="http://schemas.microsoft.com/office/drawing/2014/main" id="{FA2F9A05-8E79-46FF-1ABA-927EF2D69BC5}"/>
+              </a:ext>
+            </a:extLst>
+          </p:cNvPr>
+          <p:cNvSpPr>
+            <a:spLocks noGrp="1"/>
+          </p:cNvSpPr>
+          <p:nvPr>
+            <p:ph type="body" sz="quarter" idx="27"/>
+          </p:nvPr>
+        </p:nvSpPr>
+        <p:spPr/>
+        <p:txBody>
+          <a:bodyPr/>
+          <a:lstStyle/>
+          <a:p>
+            <a:r>
+              <a:rPr lang="en-US" dirty="0"/>
+              <a:t>Planning</a:t>
+            </a:r>
+          </a:p>
+        </p:txBody>
+      </p:sp>
+      <p:sp>
+        <p:nvSpPr>
+          <p:cNvPr id="50" name="Text Placeholder 49">
+            <a:extLst>
+              <a:ext uri="{FF2B5EF4-FFF2-40B4-BE49-F238E27FC236}">
+                <a16:creationId xmlns:a16="http://schemas.microsoft.com/office/drawing/2014/main" id="{0532F467-8DBE-D445-0CF7-D5D242DAD663}"/>
+              </a:ext>
+            </a:extLst>
+          </p:cNvPr>
+          <p:cNvSpPr>
+            <a:spLocks noGrp="1"/>
+          </p:cNvSpPr>
+          <p:nvPr>
+            <p:ph type="body" sz="quarter" idx="32"/>
+          </p:nvPr>
+        </p:nvSpPr>
+        <p:spPr>
+          <a:xfrm>
             <a:off x="838200" y="2929823"/>
             <a:ext cx="1865376" cy="2556577"/>
           </a:xfrm>
@@ -24140,16 +26011,8 @@
               <a:buChar char="•"/>
             </a:pPr>
             <a:r>
-              <a:rPr lang="en-AU" dirty="0" smtClean="0"/>
-              <a:t>Selection of </a:t>
-            </a:r>
-            <a:r>
               <a:rPr lang="en-AU" dirty="0"/>
-              <a:t>research </a:t>
-            </a:r>
-            <a:r>
-              <a:rPr lang="en-AU" dirty="0" smtClean="0"/>
-              <a:t>project Topic.</a:t>
+              <a:t>Selection of research project Topic.</a:t>
             </a:r>
             <a:endParaRPr lang="en-US" dirty="0"/>
           </a:p>
@@ -24160,7 +26023,7 @@
           <p:cNvPr id="42" name="Text Placeholder 41">
             <a:extLst>
               <a:ext uri="{FF2B5EF4-FFF2-40B4-BE49-F238E27FC236}">
-                <a16:creationId xmlns="" xmlns:a16="http://schemas.microsoft.com/office/drawing/2014/main" id="{48BF8F22-E288-84B0-03E9-82D678051D45}"/>
+                <a16:creationId xmlns:a16="http://schemas.microsoft.com/office/drawing/2014/main" id="{48BF8F22-E288-84B0-03E9-82D678051D45}"/>
               </a:ext>
             </a:extLst>
           </p:cNvPr>
@@ -24189,7 +26052,7 @@
           <p:cNvPr id="52" name="Text Placeholder 51">
             <a:extLst>
               <a:ext uri="{FF2B5EF4-FFF2-40B4-BE49-F238E27FC236}">
-                <a16:creationId xmlns="" xmlns:a16="http://schemas.microsoft.com/office/drawing/2014/main" id="{BACB9342-C47E-6729-46BE-F10DBB78182A}"/>
+                <a16:creationId xmlns:a16="http://schemas.microsoft.com/office/drawing/2014/main" id="{BACB9342-C47E-6729-46BE-F10DBB78182A}"/>
               </a:ext>
             </a:extLst>
           </p:cNvPr>
@@ -24222,7 +26085,7 @@
               <a:buChar char="•"/>
             </a:pPr>
             <a:r>
-              <a:rPr lang="en-US" dirty="0" smtClean="0"/>
+              <a:rPr lang="en-US" dirty="0"/>
               <a:t>Identify the data source.</a:t>
             </a:r>
           </a:p>
@@ -24263,7 +26126,7 @@
           <p:cNvPr id="44" name="Text Placeholder 43">
             <a:extLst>
               <a:ext uri="{FF2B5EF4-FFF2-40B4-BE49-F238E27FC236}">
-                <a16:creationId xmlns="" xmlns:a16="http://schemas.microsoft.com/office/drawing/2014/main" id="{D0C47E92-8875-E555-5480-8A9BAEE853A7}"/>
+                <a16:creationId xmlns:a16="http://schemas.microsoft.com/office/drawing/2014/main" id="{D0C47E92-8875-E555-5480-8A9BAEE853A7}"/>
               </a:ext>
             </a:extLst>
           </p:cNvPr>
@@ -24291,7 +26154,7 @@
           <p:cNvPr id="54" name="Text Placeholder 53">
             <a:extLst>
               <a:ext uri="{FF2B5EF4-FFF2-40B4-BE49-F238E27FC236}">
-                <a16:creationId xmlns="" xmlns:a16="http://schemas.microsoft.com/office/drawing/2014/main" id="{DDCD388C-8374-D810-DCE5-554B7E05F55A}"/>
+                <a16:creationId xmlns:a16="http://schemas.microsoft.com/office/drawing/2014/main" id="{DDCD388C-8374-D810-DCE5-554B7E05F55A}"/>
               </a:ext>
             </a:extLst>
           </p:cNvPr>
@@ -24317,7 +26180,7 @@
               <a:buChar char="•"/>
             </a:pPr>
             <a:r>
-              <a:rPr lang="en-US" sz="1400" dirty="0" smtClean="0"/>
+              <a:rPr lang="en-US" sz="1400" dirty="0"/>
               <a:t>Create common Github Repository with necessary files and folders.</a:t>
             </a:r>
           </a:p>
@@ -24330,7 +26193,7 @@
           </a:p>
           <a:p>
             <a:pPr algn="l"/>
-            <a:endParaRPr lang="en-US" sz="1400" dirty="0" smtClean="0"/>
+            <a:endParaRPr lang="en-US" sz="1400" dirty="0"/>
           </a:p>
           <a:p>
             <a:pPr marL="285750" indent="-285750" algn="l">
@@ -24346,7 +26209,7 @@
           <p:cNvPr id="46" name="Text Placeholder 45">
             <a:extLst>
               <a:ext uri="{FF2B5EF4-FFF2-40B4-BE49-F238E27FC236}">
-                <a16:creationId xmlns="" xmlns:a16="http://schemas.microsoft.com/office/drawing/2014/main" id="{B87AFF1A-EF07-5FBF-C582-29AE302A47D5}"/>
+                <a16:creationId xmlns:a16="http://schemas.microsoft.com/office/drawing/2014/main" id="{B87AFF1A-EF07-5FBF-C582-29AE302A47D5}"/>
               </a:ext>
             </a:extLst>
           </p:cNvPr>
@@ -24363,10 +26226,9 @@
           <a:lstStyle/>
           <a:p>
             <a:r>
-              <a:rPr lang="en-US" dirty="0" smtClean="0"/>
+              <a:rPr lang="en-US" dirty="0"/>
               <a:t>Methodology</a:t>
             </a:r>
-            <a:endParaRPr lang="en-US" dirty="0"/>
           </a:p>
         </p:txBody>
       </p:sp>
@@ -24375,7 +26237,7 @@
           <p:cNvPr id="56" name="Text Placeholder 55">
             <a:extLst>
               <a:ext uri="{FF2B5EF4-FFF2-40B4-BE49-F238E27FC236}">
-                <a16:creationId xmlns="" xmlns:a16="http://schemas.microsoft.com/office/drawing/2014/main" id="{E62055F1-67DB-9D6D-ABE2-20C3B2514A43}"/>
+                <a16:creationId xmlns:a16="http://schemas.microsoft.com/office/drawing/2014/main" id="{E62055F1-67DB-9D6D-ABE2-20C3B2514A43}"/>
               </a:ext>
             </a:extLst>
           </p:cNvPr>
@@ -24402,11 +26264,7 @@
             </a:pPr>
             <a:r>
               <a:rPr lang="en-US" dirty="0"/>
-              <a:t>Data </a:t>
-            </a:r>
-            <a:r>
-              <a:rPr lang="en-US" dirty="0" smtClean="0"/>
-              <a:t>Access.</a:t>
+              <a:t>Data Access.</a:t>
             </a:r>
           </a:p>
           <a:p>
@@ -24423,19 +26281,7 @@
             </a:pPr>
             <a:r>
               <a:rPr lang="en-US" dirty="0"/>
-              <a:t>D</a:t>
-            </a:r>
-            <a:r>
-              <a:rPr lang="en-US" dirty="0" smtClean="0"/>
-              <a:t>ata Analysis using </a:t>
-            </a:r>
-            <a:r>
-              <a:rPr lang="en-US" dirty="0"/>
-              <a:t>Python/ Pandas </a:t>
-            </a:r>
-            <a:r>
-              <a:rPr lang="en-US" dirty="0" smtClean="0"/>
-              <a:t>functions.</a:t>
+              <a:t>Data Analysis using Python/ Pandas functions.</a:t>
             </a:r>
           </a:p>
           <a:p>
@@ -24443,7 +26289,7 @@
               <a:buFont typeface="Arial" pitchFamily="34" charset="0"/>
               <a:buChar char="•"/>
             </a:pPr>
-            <a:endParaRPr lang="en-US" dirty="0" smtClean="0"/>
+            <a:endParaRPr lang="en-US" dirty="0"/>
           </a:p>
           <a:p>
             <a:pPr marL="285750" indent="-285750" algn="l">
@@ -24451,10 +26297,9 @@
               <a:buChar char="•"/>
             </a:pPr>
             <a:r>
-              <a:rPr lang="en-US" dirty="0" smtClean="0"/>
+              <a:rPr lang="en-US" dirty="0"/>
               <a:t>Data Visualization</a:t>
             </a:r>
-            <a:endParaRPr lang="en-US" dirty="0"/>
           </a:p>
         </p:txBody>
       </p:sp>
@@ -24463,7 +26308,7 @@
           <p:cNvPr id="48" name="Text Placeholder 47">
             <a:extLst>
               <a:ext uri="{FF2B5EF4-FFF2-40B4-BE49-F238E27FC236}">
-                <a16:creationId xmlns="" xmlns:a16="http://schemas.microsoft.com/office/drawing/2014/main" id="{9303DF4A-6DF5-9082-4ABE-2B0D5433359A}"/>
+                <a16:creationId xmlns:a16="http://schemas.microsoft.com/office/drawing/2014/main" id="{9303DF4A-6DF5-9082-4ABE-2B0D5433359A}"/>
               </a:ext>
             </a:extLst>
           </p:cNvPr>
@@ -24480,10 +26325,9 @@
           <a:lstStyle/>
           <a:p>
             <a:r>
-              <a:rPr lang="en-US" dirty="0" smtClean="0"/>
+              <a:rPr lang="en-US" dirty="0"/>
               <a:t>Present</a:t>
             </a:r>
-            <a:endParaRPr lang="en-US" dirty="0"/>
           </a:p>
         </p:txBody>
       </p:sp>
@@ -24492,7 +26336,7 @@
           <p:cNvPr id="58" name="Text Placeholder 57">
             <a:extLst>
               <a:ext uri="{FF2B5EF4-FFF2-40B4-BE49-F238E27FC236}">
-                <a16:creationId xmlns="" xmlns:a16="http://schemas.microsoft.com/office/drawing/2014/main" id="{0930742F-3693-100E-944F-A04AB5320145}"/>
+                <a16:creationId xmlns:a16="http://schemas.microsoft.com/office/drawing/2014/main" id="{0930742F-3693-100E-944F-A04AB5320145}"/>
               </a:ext>
             </a:extLst>
           </p:cNvPr>
@@ -24518,10 +26362,9 @@
               <a:buChar char="•"/>
             </a:pPr>
             <a:r>
-              <a:rPr lang="en-US" dirty="0" smtClean="0"/>
+              <a:rPr lang="en-US" dirty="0"/>
               <a:t>Compilation &amp; Presentation </a:t>
             </a:r>
-            <a:endParaRPr lang="en-US" dirty="0"/>
           </a:p>
         </p:txBody>
       </p:sp>
@@ -24530,10 +26373,10 @@
           <p:cNvPr id="26" name="Rectangle 25">
             <a:extLst>
               <a:ext uri="{FF2B5EF4-FFF2-40B4-BE49-F238E27FC236}">
-                <a16:creationId xmlns="" xmlns:a16="http://schemas.microsoft.com/office/drawing/2014/main" id="{285177ED-2E57-8FF5-AFD8-AA79A7B24B3D}"/>
+                <a16:creationId xmlns:a16="http://schemas.microsoft.com/office/drawing/2014/main" id="{285177ED-2E57-8FF5-AFD8-AA79A7B24B3D}"/>
               </a:ext>
               <a:ext uri="{C183D7F6-B498-43B3-948B-1728B52AA6E4}">
-                <adec:decorative xmlns="" xmlns:adec="http://schemas.microsoft.com/office/drawing/2017/decorative" val="1"/>
+                <adec:decorative xmlns:adec="http://schemas.microsoft.com/office/drawing/2017/decorative" val="1"/>
               </a:ext>
             </a:extLst>
           </p:cNvPr>
@@ -24592,7 +26435,7 @@
           <p:cNvPr id="4" name="Footer Placeholder 3">
             <a:extLst>
               <a:ext uri="{FF2B5EF4-FFF2-40B4-BE49-F238E27FC236}">
-                <a16:creationId xmlns="" xmlns:a16="http://schemas.microsoft.com/office/drawing/2014/main" id="{DEFD68CE-EF5C-4046-41F5-3763D028DAE5}"/>
+                <a16:creationId xmlns:a16="http://schemas.microsoft.com/office/drawing/2014/main" id="{DEFD68CE-EF5C-4046-41F5-3763D028DAE5}"/>
               </a:ext>
             </a:extLst>
           </p:cNvPr>
@@ -24620,7 +26463,7 @@
           <p:cNvPr id="5" name="Slide Number Placeholder 4">
             <a:extLst>
               <a:ext uri="{FF2B5EF4-FFF2-40B4-BE49-F238E27FC236}">
-                <a16:creationId xmlns="" xmlns:a16="http://schemas.microsoft.com/office/drawing/2014/main" id="{64FC7183-3EBB-B8D1-A66D-964D3C3A7DA8}"/>
+                <a16:creationId xmlns:a16="http://schemas.microsoft.com/office/drawing/2014/main" id="{64FC7183-3EBB-B8D1-A66D-964D3C3A7DA8}"/>
               </a:ext>
             </a:extLst>
           </p:cNvPr>
@@ -24639,7 +26482,7 @@
             <a:fld id="{47FEACEE-25B4-4A2D-B147-27296E36371D}" type="slidenum">
               <a:rPr lang="en-US" altLang="zh-CN" noProof="0" smtClean="0"/>
               <a:pPr/>
-              <a:t>2</a:t>
+              <a:t>5</a:t>
             </a:fld>
             <a:endParaRPr lang="en-US" altLang="zh-CN" noProof="0" dirty="0"/>
           </a:p>
@@ -24655,17 +26498,10 @@
   <p:clrMapOvr>
     <a:masterClrMapping/>
   </p:clrMapOvr>
-  <p:timing>
-    <p:tnLst>
-      <p:par>
-        <p:cTn id="1" dur="indefinite" restart="never" nodeType="tmRoot"/>
-      </p:par>
-    </p:tnLst>
-  </p:timing>
 </p:sld>
 </file>
 
-<file path=ppt/slides/slide3.xml><?xml version="1.0" encoding="utf-8"?>
+<file path=ppt/slides/slide6.xml><?xml version="1.0" encoding="utf-8"?>
 <p:sld xmlns:a="http://schemas.openxmlformats.org/drawingml/2006/main" xmlns:r="http://schemas.openxmlformats.org/officeDocument/2006/relationships" xmlns:p="http://schemas.openxmlformats.org/presentationml/2006/main">
   <p:cSld>
     <p:spTree>
@@ -24687,7 +26523,7 @@
           <p:cNvPr id="8" name="Title 7">
             <a:extLst>
               <a:ext uri="{FF2B5EF4-FFF2-40B4-BE49-F238E27FC236}">
-                <a16:creationId xmlns="" xmlns:a16="http://schemas.microsoft.com/office/drawing/2014/main" id="{721E73BA-53B9-C0C1-476A-00736A64AB79}"/>
+                <a16:creationId xmlns:a16="http://schemas.microsoft.com/office/drawing/2014/main" id="{721E73BA-53B9-C0C1-476A-00736A64AB79}"/>
               </a:ext>
             </a:extLst>
           </p:cNvPr>
@@ -24715,7 +26551,7 @@
           <p:cNvPr id="192" name="Picture Placeholder 191" descr="Abacus with solid fill">
             <a:extLst>
               <a:ext uri="{FF2B5EF4-FFF2-40B4-BE49-F238E27FC236}">
-                <a16:creationId xmlns="" xmlns:a16="http://schemas.microsoft.com/office/drawing/2014/main" id="{03D5E3D1-D423-EF5A-EE43-00CF1BD7FF63}"/>
+                <a16:creationId xmlns:a16="http://schemas.microsoft.com/office/drawing/2014/main" id="{03D5E3D1-D423-EF5A-EE43-00CF1BD7FF63}"/>
               </a:ext>
             </a:extLst>
           </p:cNvPr>
@@ -24733,7 +26569,7 @@
                 <a14:useLocalDpi xmlns:a14="http://schemas.microsoft.com/office/drawing/2010/main"/>
               </a:ext>
               <a:ext uri="{96DAC541-7B7A-43D3-8B79-37D633B846F1}">
-                <asvg:svgBlip xmlns="" xmlns:asvg="http://schemas.microsoft.com/office/drawing/2016/SVG/main" r:embed="rId4"/>
+                <asvg:svgBlip xmlns:asvg="http://schemas.microsoft.com/office/drawing/2016/SVG/main" r:embed="rId4"/>
               </a:ext>
             </a:extLst>
           </a:blip>
@@ -24749,7 +26585,7 @@
           <p:cNvPr id="9" name="Text Placeholder 8">
             <a:extLst>
               <a:ext uri="{FF2B5EF4-FFF2-40B4-BE49-F238E27FC236}">
-                <a16:creationId xmlns="" xmlns:a16="http://schemas.microsoft.com/office/drawing/2014/main" id="{FA96FE97-5E27-FC36-5E3A-511A31E6C789}"/>
+                <a16:creationId xmlns:a16="http://schemas.microsoft.com/office/drawing/2014/main" id="{FA96FE97-5E27-FC36-5E3A-511A31E6C789}"/>
               </a:ext>
             </a:extLst>
           </p:cNvPr>
@@ -24766,10 +26602,9 @@
           <a:lstStyle/>
           <a:p>
             <a:r>
-              <a:rPr lang="en-US" dirty="0" smtClean="0"/>
+              <a:rPr lang="en-US" dirty="0"/>
               <a:t>Initial Work</a:t>
             </a:r>
-            <a:endParaRPr lang="en-US" dirty="0"/>
           </a:p>
         </p:txBody>
       </p:sp>
@@ -24778,7 +26613,7 @@
           <p:cNvPr id="10" name="Text Placeholder 9">
             <a:extLst>
               <a:ext uri="{FF2B5EF4-FFF2-40B4-BE49-F238E27FC236}">
-                <a16:creationId xmlns="" xmlns:a16="http://schemas.microsoft.com/office/drawing/2014/main" id="{4CE5DE1C-24E7-3841-9376-89E91B4A4762}"/>
+                <a16:creationId xmlns:a16="http://schemas.microsoft.com/office/drawing/2014/main" id="{4CE5DE1C-24E7-3841-9376-89E91B4A4762}"/>
               </a:ext>
             </a:extLst>
           </p:cNvPr>
@@ -24800,17 +26635,15 @@
           <a:lstStyle/>
           <a:p>
             <a:r>
-              <a:rPr lang="en-US" dirty="0" smtClean="0"/>
+              <a:rPr lang="en-US" dirty="0"/>
               <a:t>Decided to go ahead with “Tobacco and E-Cigarettes” as project topic</a:t>
             </a:r>
-            <a:endParaRPr lang="en-US" dirty="0"/>
           </a:p>
           <a:p>
             <a:r>
-              <a:rPr lang="en-US" dirty="0" smtClean="0"/>
+              <a:rPr lang="en-US" dirty="0"/>
               <a:t>Decided to use following resources as data source </a:t>
             </a:r>
-            <a:endParaRPr lang="en-US" dirty="0"/>
           </a:p>
           <a:p>
             <a:pPr marL="0" indent="0">
@@ -24818,27 +26651,7 @@
             </a:pPr>
             <a:r>
               <a:rPr lang="en-US" sz="1100" dirty="0"/>
-              <a:t> </a:t>
-            </a:r>
-            <a:r>
-              <a:rPr lang="en-US" sz="1100" dirty="0" smtClean="0"/>
-              <a:t>     - World </a:t>
-            </a:r>
-            <a:r>
-              <a:rPr lang="en-US" sz="1100" dirty="0"/>
-              <a:t>Health </a:t>
-            </a:r>
-            <a:r>
-              <a:rPr lang="en-US" sz="1100" dirty="0" smtClean="0"/>
-              <a:t>Organization </a:t>
-            </a:r>
-            <a:r>
-              <a:rPr lang="en-US" sz="1100" dirty="0"/>
-              <a:t>Global Health </a:t>
-            </a:r>
-            <a:r>
-              <a:rPr lang="en-US" sz="1100" dirty="0" smtClean="0"/>
-              <a:t>Observatory.</a:t>
+              <a:t>      - World Health Organization Global Health Observatory.</a:t>
             </a:r>
           </a:p>
           <a:p>
@@ -24847,19 +26660,11 @@
             </a:pPr>
             <a:r>
               <a:rPr lang="en-US" sz="1100" dirty="0"/>
-              <a:t> </a:t>
-            </a:r>
-            <a:r>
-              <a:rPr lang="en-US" sz="1100" dirty="0" smtClean="0"/>
-              <a:t>     - </a:t>
+              <a:t>      - </a:t>
             </a:r>
             <a:r>
               <a:rPr lang="en-AU" sz="1100" dirty="0"/>
-              <a:t>National Adult Tobacco Survey (NATS</a:t>
-            </a:r>
-            <a:r>
-              <a:rPr lang="en-AU" sz="1100" dirty="0" smtClean="0"/>
-              <a:t>).</a:t>
+              <a:t>National Adult Tobacco Survey (NATS).</a:t>
             </a:r>
           </a:p>
           <a:p>
@@ -24867,29 +26672,25 @@
               <a:buNone/>
             </a:pPr>
             <a:r>
-              <a:rPr lang="en-AU" sz="1100" dirty="0" smtClean="0"/>
+              <a:rPr lang="en-AU" sz="1100" dirty="0"/>
               <a:t>      - </a:t>
             </a:r>
             <a:r>
               <a:rPr lang="en-US" sz="1100" dirty="0"/>
-              <a:t>CDC STATE System E-Cigarette Legislation - Youth </a:t>
-            </a:r>
-            <a:r>
-              <a:rPr lang="en-US" sz="1100" dirty="0" smtClean="0"/>
-              <a:t>Access.</a:t>
+              <a:t>CDC STATE System E-Cigarette Legislation - Youth Access.</a:t>
             </a:r>
           </a:p>
           <a:p>
             <a:pPr marL="0" indent="0">
               <a:buNone/>
             </a:pPr>
-            <a:endParaRPr lang="en-US" sz="1200" dirty="0" smtClean="0"/>
+            <a:endParaRPr lang="en-US" sz="1200" dirty="0"/>
           </a:p>
           <a:p>
             <a:pPr marL="0" indent="0">
               <a:buNone/>
             </a:pPr>
-            <a:endParaRPr lang="en-US" sz="1200" dirty="0" smtClean="0"/>
+            <a:endParaRPr lang="en-US" sz="1200" dirty="0"/>
           </a:p>
           <a:p>
             <a:endParaRPr lang="en-US" dirty="0"/>
@@ -24901,7 +26702,7 @@
           <p:cNvPr id="194" name="Picture Placeholder 193" descr="Bar graph with upward trend with solid fill">
             <a:extLst>
               <a:ext uri="{FF2B5EF4-FFF2-40B4-BE49-F238E27FC236}">
-                <a16:creationId xmlns="" xmlns:a16="http://schemas.microsoft.com/office/drawing/2014/main" id="{FAB9DE8A-4935-A3E0-0122-F76CDEAC29D1}"/>
+                <a16:creationId xmlns:a16="http://schemas.microsoft.com/office/drawing/2014/main" id="{FAB9DE8A-4935-A3E0-0122-F76CDEAC29D1}"/>
               </a:ext>
             </a:extLst>
           </p:cNvPr>
@@ -24919,7 +26720,7 @@
                 <a14:useLocalDpi xmlns:a14="http://schemas.microsoft.com/office/drawing/2010/main"/>
               </a:ext>
               <a:ext uri="{96DAC541-7B7A-43D3-8B79-37D633B846F1}">
-                <asvg:svgBlip xmlns="" xmlns:asvg="http://schemas.microsoft.com/office/drawing/2016/SVG/main" r:embed="rId6"/>
+                <asvg:svgBlip xmlns:asvg="http://schemas.microsoft.com/office/drawing/2016/SVG/main" r:embed="rId6"/>
               </a:ext>
             </a:extLst>
           </a:blip>
@@ -24940,7 +26741,7 @@
           <p:cNvPr id="11" name="Text Placeholder 10">
             <a:extLst>
               <a:ext uri="{FF2B5EF4-FFF2-40B4-BE49-F238E27FC236}">
-                <a16:creationId xmlns="" xmlns:a16="http://schemas.microsoft.com/office/drawing/2014/main" id="{DC774673-50D8-2D6F-C339-6E4B0A126B06}"/>
+                <a16:creationId xmlns:a16="http://schemas.microsoft.com/office/drawing/2014/main" id="{DC774673-50D8-2D6F-C339-6E4B0A126B06}"/>
               </a:ext>
             </a:extLst>
           </p:cNvPr>
@@ -24962,10 +26763,9 @@
           <a:lstStyle/>
           <a:p>
             <a:r>
-              <a:rPr lang="en-US" dirty="0" smtClean="0"/>
+              <a:rPr lang="en-US" dirty="0"/>
               <a:t>Research, Data Analysis &amp; Visualization</a:t>
             </a:r>
-            <a:endParaRPr lang="en-US" dirty="0"/>
           </a:p>
         </p:txBody>
       </p:sp>
@@ -24974,7 +26774,7 @@
           <p:cNvPr id="196" name="Picture Placeholder 195" descr="Link with solid fill">
             <a:extLst>
               <a:ext uri="{FF2B5EF4-FFF2-40B4-BE49-F238E27FC236}">
-                <a16:creationId xmlns="" xmlns:a16="http://schemas.microsoft.com/office/drawing/2014/main" id="{B21D7164-3991-2960-0F80-CB302359CD8D}"/>
+                <a16:creationId xmlns:a16="http://schemas.microsoft.com/office/drawing/2014/main" id="{B21D7164-3991-2960-0F80-CB302359CD8D}"/>
               </a:ext>
             </a:extLst>
           </p:cNvPr>
@@ -24992,7 +26792,7 @@
                 <a14:useLocalDpi xmlns:a14="http://schemas.microsoft.com/office/drawing/2010/main"/>
               </a:ext>
               <a:ext uri="{96DAC541-7B7A-43D3-8B79-37D633B846F1}">
-                <asvg:svgBlip xmlns="" xmlns:asvg="http://schemas.microsoft.com/office/drawing/2016/SVG/main" r:embed="rId8"/>
+                <asvg:svgBlip xmlns:asvg="http://schemas.microsoft.com/office/drawing/2016/SVG/main" r:embed="rId8"/>
               </a:ext>
             </a:extLst>
           </a:blip>
@@ -25008,7 +26808,7 @@
           <p:cNvPr id="12" name="Text Placeholder 11">
             <a:extLst>
               <a:ext uri="{FF2B5EF4-FFF2-40B4-BE49-F238E27FC236}">
-                <a16:creationId xmlns="" xmlns:a16="http://schemas.microsoft.com/office/drawing/2014/main" id="{D3E02E0C-26E8-8160-D35F-2398015C051B}"/>
+                <a16:creationId xmlns:a16="http://schemas.microsoft.com/office/drawing/2014/main" id="{D3E02E0C-26E8-8160-D35F-2398015C051B}"/>
               </a:ext>
             </a:extLst>
           </p:cNvPr>
@@ -25025,10 +26825,9 @@
           <a:lstStyle/>
           <a:p>
             <a:r>
-              <a:rPr lang="en-US" dirty="0" smtClean="0"/>
+              <a:rPr lang="en-US" dirty="0"/>
               <a:t>Data Storage, Compilation and Presentation</a:t>
             </a:r>
-            <a:endParaRPr lang="en-US" dirty="0"/>
           </a:p>
         </p:txBody>
       </p:sp>
@@ -25037,7 +26836,7 @@
           <p:cNvPr id="14" name="Text Placeholder 13">
             <a:extLst>
               <a:ext uri="{FF2B5EF4-FFF2-40B4-BE49-F238E27FC236}">
-                <a16:creationId xmlns="" xmlns:a16="http://schemas.microsoft.com/office/drawing/2014/main" id="{C78180D0-1AB6-8416-0EB1-10648E1A6050}"/>
+                <a16:creationId xmlns:a16="http://schemas.microsoft.com/office/drawing/2014/main" id="{C78180D0-1AB6-8416-0EB1-10648E1A6050}"/>
               </a:ext>
             </a:extLst>
           </p:cNvPr>
@@ -25059,25 +26858,25 @@
           <a:lstStyle/>
           <a:p>
             <a:r>
-              <a:rPr lang="en-US" dirty="0" smtClean="0"/>
+              <a:rPr lang="en-US" dirty="0"/>
               <a:t>Creation of Common repository for the project with other team members as collaborators.</a:t>
             </a:r>
           </a:p>
           <a:p>
             <a:r>
-              <a:rPr lang="en-US" dirty="0" smtClean="0"/>
+              <a:rPr lang="en-US" dirty="0"/>
               <a:t>Creation of Necessary folders and files in Project Repo for organized data storage and sharing.</a:t>
             </a:r>
           </a:p>
           <a:p>
             <a:r>
-              <a:rPr lang="en-US" dirty="0" smtClean="0"/>
+              <a:rPr lang="en-US" dirty="0"/>
               <a:t>Creation of Readme.md file with necessary details.</a:t>
             </a:r>
           </a:p>
           <a:p>
             <a:r>
-              <a:rPr lang="en-US" dirty="0" smtClean="0"/>
+              <a:rPr lang="en-US" dirty="0"/>
               <a:t>Creation of PowerPoint Presentation.</a:t>
             </a:r>
           </a:p>
@@ -25091,7 +26890,7 @@
           <p:cNvPr id="5" name="Slide Number Placeholder 4">
             <a:extLst>
               <a:ext uri="{FF2B5EF4-FFF2-40B4-BE49-F238E27FC236}">
-                <a16:creationId xmlns="" xmlns:a16="http://schemas.microsoft.com/office/drawing/2014/main" id="{FD96C503-BABC-632E-06CA-12C8474920EB}"/>
+                <a16:creationId xmlns:a16="http://schemas.microsoft.com/office/drawing/2014/main" id="{FD96C503-BABC-632E-06CA-12C8474920EB}"/>
               </a:ext>
             </a:extLst>
           </p:cNvPr>
@@ -25110,7 +26909,7 @@
             <a:fld id="{47FEACEE-25B4-4A2D-B147-27296E36371D}" type="slidenum">
               <a:rPr lang="en-US" altLang="zh-CN" smtClean="0"/>
               <a:pPr/>
-              <a:t>3</a:t>
+              <a:t>6</a:t>
             </a:fld>
             <a:endParaRPr lang="en-US" altLang="zh-CN" dirty="0"/>
           </a:p>
@@ -25121,7 +26920,7 @@
           <p:cNvPr id="15" name="Text Placeholder 9">
             <a:extLst>
               <a:ext uri="{FF2B5EF4-FFF2-40B4-BE49-F238E27FC236}">
-                <a16:creationId xmlns="" xmlns:a16="http://schemas.microsoft.com/office/drawing/2014/main" id="{4CE5DE1C-24E7-3841-9376-89E91B4A4762}"/>
+                <a16:creationId xmlns:a16="http://schemas.microsoft.com/office/drawing/2014/main" id="{4CE5DE1C-24E7-3841-9376-89E91B4A4762}"/>
               </a:ext>
             </a:extLst>
           </p:cNvPr>
@@ -25143,42 +26942,33 @@
           <a:lstStyle/>
           <a:p>
             <a:r>
-              <a:rPr lang="en-US" dirty="0" smtClean="0"/>
+              <a:rPr lang="en-US" dirty="0"/>
               <a:t>Use of .read_csv() function to understand the data.</a:t>
             </a:r>
           </a:p>
           <a:p>
             <a:r>
-              <a:rPr lang="en-US" dirty="0" smtClean="0"/>
+              <a:rPr lang="en-US" dirty="0"/>
               <a:t>Use of different Pandas/Python conditions/functions for data cleansing, formatting and for analysis of cleansed data.</a:t>
             </a:r>
           </a:p>
           <a:p>
             <a:r>
-              <a:rPr lang="en-US" dirty="0" smtClean="0"/>
-              <a:t>Creation of Data frames and graphs using </a:t>
+              <a:rPr lang="en-US" dirty="0"/>
+              <a:t>Creation of Data frames and graphs using Pandas/Python functions for data visualization.</a:t>
             </a:r>
-            <a:r>
-              <a:rPr lang="en-US" dirty="0"/>
-              <a:t>Pandas/Python </a:t>
-            </a:r>
-            <a:r>
-              <a:rPr lang="en-US" dirty="0" smtClean="0"/>
-              <a:t>functions for data visualization.</a:t>
-            </a:r>
-            <a:endParaRPr lang="en-US" dirty="0"/>
           </a:p>
           <a:p>
             <a:pPr marL="0" indent="0">
               <a:buNone/>
             </a:pPr>
-            <a:endParaRPr lang="en-US" dirty="0" smtClean="0"/>
+            <a:endParaRPr lang="en-US" dirty="0"/>
           </a:p>
           <a:p>
             <a:pPr marL="0" indent="0">
               <a:buNone/>
             </a:pPr>
-            <a:endParaRPr lang="en-US" dirty="0" smtClean="0"/>
+            <a:endParaRPr lang="en-US" dirty="0"/>
           </a:p>
           <a:p>
             <a:endParaRPr lang="en-US" sz="1600" dirty="0"/>
@@ -25195,17 +26985,10 @@
   <p:clrMapOvr>
     <a:masterClrMapping/>
   </p:clrMapOvr>
-  <p:timing>
-    <p:tnLst>
-      <p:par>
-        <p:cTn id="1" dur="indefinite" restart="never" nodeType="tmRoot"/>
-      </p:par>
-    </p:tnLst>
-  </p:timing>
 </p:sld>
 </file>
 
-<file path=ppt/slides/slide4.xml><?xml version="1.0" encoding="utf-8"?>
+<file path=ppt/slides/slide7.xml><?xml version="1.0" encoding="utf-8"?>
 <p:sld xmlns:a="http://schemas.openxmlformats.org/drawingml/2006/main" xmlns:r="http://schemas.openxmlformats.org/officeDocument/2006/relationships" xmlns:p="http://schemas.openxmlformats.org/presentationml/2006/main">
   <p:cSld>
     <p:spTree>
@@ -25240,7 +27023,7 @@
             <a:fld id="{47FEACEE-25B4-4A2D-B147-27296E36371D}" type="slidenum">
               <a:rPr lang="en-US" altLang="zh-CN" smtClean="0"/>
               <a:pPr/>
-              <a:t>4</a:t>
+              <a:t>7</a:t>
             </a:fld>
             <a:endParaRPr lang="en-US" altLang="zh-CN" dirty="0"/>
           </a:p>
@@ -25315,7 +27098,7 @@
           <p:cNvPr id="14" name="Title 6">
             <a:extLst>
               <a:ext uri="{FF2B5EF4-FFF2-40B4-BE49-F238E27FC236}">
-                <a16:creationId xmlns="" xmlns:a16="http://schemas.microsoft.com/office/drawing/2014/main" id="{93A3B864-5E85-99D2-93E5-5CA1F4F35DC7}"/>
+                <a16:creationId xmlns:a16="http://schemas.microsoft.com/office/drawing/2014/main" id="{93A3B864-5E85-99D2-93E5-5CA1F4F35DC7}"/>
               </a:ext>
             </a:extLst>
           </p:cNvPr>
@@ -25337,10 +27120,9 @@
           <a:lstStyle/>
           <a:p>
             <a:r>
-              <a:rPr lang="en-US" sz="3200" dirty="0" smtClean="0"/>
+              <a:rPr lang="en-US" sz="3200" dirty="0"/>
               <a:t>Reading .Csv file using .read_csv() function</a:t>
             </a:r>
-            <a:endParaRPr lang="en-US" sz="3200" dirty="0"/>
           </a:p>
         </p:txBody>
       </p:sp>
@@ -25354,17 +27136,10 @@
   <p:clrMapOvr>
     <a:masterClrMapping/>
   </p:clrMapOvr>
-  <p:timing>
-    <p:tnLst>
-      <p:par>
-        <p:cTn id="1" dur="indefinite" restart="never" nodeType="tmRoot"/>
-      </p:par>
-    </p:tnLst>
-  </p:timing>
 </p:sld>
 </file>
 
-<file path=ppt/slides/slide5.xml><?xml version="1.0" encoding="utf-8"?>
+<file path=ppt/slides/slide8.xml><?xml version="1.0" encoding="utf-8"?>
 <p:sld xmlns:a="http://schemas.openxmlformats.org/drawingml/2006/main" xmlns:r="http://schemas.openxmlformats.org/officeDocument/2006/relationships" xmlns:p="http://schemas.openxmlformats.org/presentationml/2006/main">
   <p:cSld>
     <p:spTree>
@@ -25399,7 +27174,7 @@
             <a:fld id="{47FEACEE-25B4-4A2D-B147-27296E36371D}" type="slidenum">
               <a:rPr lang="en-US" altLang="zh-CN" smtClean="0"/>
               <a:pPr/>
-              <a:t>5</a:t>
+              <a:t>8</a:t>
             </a:fld>
             <a:endParaRPr lang="en-US" altLang="zh-CN" dirty="0"/>
           </a:p>
@@ -25474,7 +27249,7 @@
           <p:cNvPr id="14" name="Title 6">
             <a:extLst>
               <a:ext uri="{FF2B5EF4-FFF2-40B4-BE49-F238E27FC236}">
-                <a16:creationId xmlns="" xmlns:a16="http://schemas.microsoft.com/office/drawing/2014/main" id="{93A3B864-5E85-99D2-93E5-5CA1F4F35DC7}"/>
+                <a16:creationId xmlns:a16="http://schemas.microsoft.com/office/drawing/2014/main" id="{93A3B864-5E85-99D2-93E5-5CA1F4F35DC7}"/>
               </a:ext>
             </a:extLst>
           </p:cNvPr>
@@ -25496,10 +27271,9 @@
           <a:lstStyle/>
           <a:p>
             <a:r>
-              <a:rPr lang="en-US" sz="3200" dirty="0" smtClean="0"/>
+              <a:rPr lang="en-US" sz="3200" dirty="0"/>
               <a:t>Creating Data frame using conditions</a:t>
             </a:r>
-            <a:endParaRPr lang="en-US" sz="3200" dirty="0"/>
           </a:p>
         </p:txBody>
       </p:sp>
@@ -25513,17 +27287,10 @@
   <p:clrMapOvr>
     <a:masterClrMapping/>
   </p:clrMapOvr>
-  <p:timing>
-    <p:tnLst>
-      <p:par>
-        <p:cTn id="1" dur="indefinite" restart="never" nodeType="tmRoot"/>
-      </p:par>
-    </p:tnLst>
-  </p:timing>
 </p:sld>
 </file>
 
-<file path=ppt/slides/slide6.xml><?xml version="1.0" encoding="utf-8"?>
+<file path=ppt/slides/slide9.xml><?xml version="1.0" encoding="utf-8"?>
 <p:sld xmlns:a="http://schemas.openxmlformats.org/drawingml/2006/main" xmlns:r="http://schemas.openxmlformats.org/officeDocument/2006/relationships" xmlns:p="http://schemas.openxmlformats.org/presentationml/2006/main">
   <p:cSld>
     <p:spTree>
@@ -25558,7 +27325,7 @@
             <a:fld id="{47FEACEE-25B4-4A2D-B147-27296E36371D}" type="slidenum">
               <a:rPr lang="en-US" altLang="zh-CN" smtClean="0"/>
               <a:pPr/>
-              <a:t>6</a:t>
+              <a:t>9</a:t>
             </a:fld>
             <a:endParaRPr lang="en-US" altLang="zh-CN" dirty="0"/>
           </a:p>
@@ -25633,7 +27400,7 @@
           <p:cNvPr id="5" name="Title 6">
             <a:extLst>
               <a:ext uri="{FF2B5EF4-FFF2-40B4-BE49-F238E27FC236}">
-                <a16:creationId xmlns="" xmlns:a16="http://schemas.microsoft.com/office/drawing/2014/main" id="{93A3B864-5E85-99D2-93E5-5CA1F4F35DC7}"/>
+                <a16:creationId xmlns:a16="http://schemas.microsoft.com/office/drawing/2014/main" id="{93A3B864-5E85-99D2-93E5-5CA1F4F35DC7}"/>
               </a:ext>
             </a:extLst>
           </p:cNvPr>
@@ -25655,10 +27422,9 @@
           <a:lstStyle/>
           <a:p>
             <a:r>
-              <a:rPr lang="en-US" sz="3200" dirty="0" smtClean="0"/>
+              <a:rPr lang="en-US" sz="3200" dirty="0"/>
               <a:t>Renaming Column name using .rename() function</a:t>
             </a:r>
-            <a:endParaRPr lang="en-US" sz="3200" dirty="0"/>
           </a:p>
         </p:txBody>
       </p:sp>
@@ -25672,498 +27438,6 @@
   <p:clrMapOvr>
     <a:masterClrMapping/>
   </p:clrMapOvr>
-  <p:timing>
-    <p:tnLst>
-      <p:par>
-        <p:cTn id="1" dur="indefinite" restart="never" nodeType="tmRoot"/>
-      </p:par>
-    </p:tnLst>
-  </p:timing>
-</p:sld>
-</file>
-
-<file path=ppt/slides/slide7.xml><?xml version="1.0" encoding="utf-8"?>
-<p:sld xmlns:a="http://schemas.openxmlformats.org/drawingml/2006/main" xmlns:r="http://schemas.openxmlformats.org/officeDocument/2006/relationships" xmlns:p="http://schemas.openxmlformats.org/presentationml/2006/main">
-  <p:cSld>
-    <p:spTree>
-      <p:nvGrpSpPr>
-        <p:cNvPr id="1" name=""/>
-        <p:cNvGrpSpPr/>
-        <p:nvPr/>
-      </p:nvGrpSpPr>
-      <p:grpSpPr>
-        <a:xfrm>
-          <a:off x="0" y="0"/>
-          <a:ext cx="0" cy="0"/>
-          <a:chOff x="0" y="0"/>
-          <a:chExt cx="0" cy="0"/>
-        </a:xfrm>
-      </p:grpSpPr>
-      <p:sp>
-        <p:nvSpPr>
-          <p:cNvPr id="12" name="Slide Number Placeholder 11"/>
-          <p:cNvSpPr>
-            <a:spLocks noGrp="1"/>
-          </p:cNvSpPr>
-          <p:nvPr>
-            <p:ph type="sldNum" sz="quarter" idx="40"/>
-          </p:nvPr>
-        </p:nvSpPr>
-        <p:spPr/>
-        <p:txBody>
-          <a:bodyPr/>
-          <a:lstStyle/>
-          <a:p>
-            <a:fld id="{47FEACEE-25B4-4A2D-B147-27296E36371D}" type="slidenum">
-              <a:rPr lang="en-US" altLang="zh-CN" smtClean="0"/>
-              <a:pPr/>
-              <a:t>7</a:t>
-            </a:fld>
-            <a:endParaRPr lang="en-US" altLang="zh-CN" dirty="0"/>
-          </a:p>
-        </p:txBody>
-      </p:sp>
-      <p:sp>
-        <p:nvSpPr>
-          <p:cNvPr id="5" name="Title 6">
-            <a:extLst>
-              <a:ext uri="{FF2B5EF4-FFF2-40B4-BE49-F238E27FC236}">
-                <a16:creationId xmlns="" xmlns:a16="http://schemas.microsoft.com/office/drawing/2014/main" id="{93A3B864-5E85-99D2-93E5-5CA1F4F35DC7}"/>
-              </a:ext>
-            </a:extLst>
-          </p:cNvPr>
-          <p:cNvSpPr>
-            <a:spLocks noGrp="1"/>
-          </p:cNvSpPr>
-          <p:nvPr>
-            <p:ph type="title"/>
-          </p:nvPr>
-        </p:nvSpPr>
-        <p:spPr>
-          <a:xfrm>
-            <a:off x="663964" y="582927"/>
-            <a:ext cx="5257793" cy="907474"/>
-          </a:xfrm>
-        </p:spPr>
-        <p:txBody>
-          <a:bodyPr/>
-          <a:lstStyle/>
-          <a:p>
-            <a:r>
-              <a:rPr lang="en-US" sz="3200" dirty="0" smtClean="0"/>
-              <a:t>Data frame creation using .</a:t>
-            </a:r>
-            <a:r>
-              <a:rPr lang="en-US" sz="3200" dirty="0" err="1" smtClean="0"/>
-              <a:t>loc</a:t>
-            </a:r>
-            <a:r>
-              <a:rPr lang="en-US" sz="3200" dirty="0" smtClean="0"/>
-              <a:t>[] function</a:t>
-            </a:r>
-            <a:endParaRPr lang="en-US" sz="3200" dirty="0"/>
-          </a:p>
-        </p:txBody>
-      </p:sp>
-      <p:pic>
-        <p:nvPicPr>
-          <p:cNvPr id="5122" name="Picture 2"/>
-          <p:cNvPicPr>
-            <a:picLocks noChangeAspect="1" noChangeArrowheads="1"/>
-          </p:cNvPicPr>
-          <p:nvPr/>
-        </p:nvPicPr>
-        <p:blipFill>
-          <a:blip r:embed="rId2">
-            <a:extLst>
-              <a:ext uri="{28A0092B-C50C-407E-A947-70E740481C1C}">
-                <a14:useLocalDpi xmlns:a14="http://schemas.microsoft.com/office/drawing/2010/main" val="0"/>
-              </a:ext>
-            </a:extLst>
-          </a:blip>
-          <a:srcRect/>
-          <a:stretch>
-            <a:fillRect/>
-          </a:stretch>
-        </p:blipFill>
-        <p:spPr bwMode="auto">
-          <a:xfrm>
-            <a:off x="3326400" y="1850400"/>
-            <a:ext cx="7459200" cy="4032000"/>
-          </a:xfrm>
-          <a:prstGeom prst="rect">
-            <a:avLst/>
-          </a:prstGeom>
-          <a:noFill/>
-          <a:ln>
-            <a:noFill/>
-          </a:ln>
-          <a:effectLst/>
-          <a:extLst>
-            <a:ext uri="{909E8E84-426E-40DD-AFC4-6F175D3DCCD1}">
-              <a14:hiddenFill xmlns:a14="http://schemas.microsoft.com/office/drawing/2010/main">
-                <a:solidFill>
-                  <a:schemeClr val="accent1"/>
-                </a:solidFill>
-              </a14:hiddenFill>
-            </a:ext>
-            <a:ext uri="{91240B29-F687-4F45-9708-019B960494DF}">
-              <a14:hiddenLine xmlns:a14="http://schemas.microsoft.com/office/drawing/2010/main" w="9525">
-                <a:solidFill>
-                  <a:schemeClr val="tx1"/>
-                </a:solidFill>
-                <a:miter lim="800000"/>
-                <a:headEnd/>
-                <a:tailEnd/>
-              </a14:hiddenLine>
-            </a:ext>
-            <a:ext uri="{AF507438-7753-43E0-B8FC-AC1667EBCBE1}">
-              <a14:hiddenEffects xmlns:a14="http://schemas.microsoft.com/office/drawing/2010/main">
-                <a:effectLst>
-                  <a:outerShdw dist="35921" dir="2700000" algn="ctr" rotWithShape="0">
-                    <a:schemeClr val="bg2"/>
-                  </a:outerShdw>
-                </a:effectLst>
-              </a14:hiddenEffects>
-            </a:ext>
-          </a:extLst>
-        </p:spPr>
-      </p:pic>
-    </p:spTree>
-    <p:extLst>
-      <p:ext uri="{BB962C8B-B14F-4D97-AF65-F5344CB8AC3E}">
-        <p14:creationId xmlns:p14="http://schemas.microsoft.com/office/powerpoint/2010/main" val="1534281917"/>
-      </p:ext>
-    </p:extLst>
-  </p:cSld>
-  <p:clrMapOvr>
-    <a:masterClrMapping/>
-  </p:clrMapOvr>
-  <p:timing>
-    <p:tnLst>
-      <p:par>
-        <p:cTn id="1" dur="indefinite" restart="never" nodeType="tmRoot"/>
-      </p:par>
-    </p:tnLst>
-  </p:timing>
-</p:sld>
-</file>
-
-<file path=ppt/slides/slide8.xml><?xml version="1.0" encoding="utf-8"?>
-<p:sld xmlns:a="http://schemas.openxmlformats.org/drawingml/2006/main" xmlns:r="http://schemas.openxmlformats.org/officeDocument/2006/relationships" xmlns:p="http://schemas.openxmlformats.org/presentationml/2006/main">
-  <p:cSld>
-    <p:spTree>
-      <p:nvGrpSpPr>
-        <p:cNvPr id="1" name=""/>
-        <p:cNvGrpSpPr/>
-        <p:nvPr/>
-      </p:nvGrpSpPr>
-      <p:grpSpPr>
-        <a:xfrm>
-          <a:off x="0" y="0"/>
-          <a:ext cx="0" cy="0"/>
-          <a:chOff x="0" y="0"/>
-          <a:chExt cx="0" cy="0"/>
-        </a:xfrm>
-      </p:grpSpPr>
-      <p:sp>
-        <p:nvSpPr>
-          <p:cNvPr id="12" name="Slide Number Placeholder 11"/>
-          <p:cNvSpPr>
-            <a:spLocks noGrp="1"/>
-          </p:cNvSpPr>
-          <p:nvPr>
-            <p:ph type="sldNum" sz="quarter" idx="40"/>
-          </p:nvPr>
-        </p:nvSpPr>
-        <p:spPr/>
-        <p:txBody>
-          <a:bodyPr/>
-          <a:lstStyle/>
-          <a:p>
-            <a:fld id="{47FEACEE-25B4-4A2D-B147-27296E36371D}" type="slidenum">
-              <a:rPr lang="en-US" altLang="zh-CN" smtClean="0"/>
-              <a:pPr/>
-              <a:t>8</a:t>
-            </a:fld>
-            <a:endParaRPr lang="en-US" altLang="zh-CN" dirty="0"/>
-          </a:p>
-        </p:txBody>
-      </p:sp>
-      <p:pic>
-        <p:nvPicPr>
-          <p:cNvPr id="3074" name="Picture 2"/>
-          <p:cNvPicPr>
-            <a:picLocks noChangeAspect="1" noChangeArrowheads="1"/>
-          </p:cNvPicPr>
-          <p:nvPr/>
-        </p:nvPicPr>
-        <p:blipFill>
-          <a:blip r:embed="rId2">
-            <a:extLst>
-              <a:ext uri="{28A0092B-C50C-407E-A947-70E740481C1C}">
-                <a14:useLocalDpi xmlns:a14="http://schemas.microsoft.com/office/drawing/2010/main" val="0"/>
-              </a:ext>
-            </a:extLst>
-          </a:blip>
-          <a:srcRect/>
-          <a:stretch>
-            <a:fillRect/>
-          </a:stretch>
-        </p:blipFill>
-        <p:spPr bwMode="auto">
-          <a:xfrm>
-            <a:off x="3412800" y="1540799"/>
-            <a:ext cx="7185599" cy="4096801"/>
-          </a:xfrm>
-          <a:prstGeom prst="rect">
-            <a:avLst/>
-          </a:prstGeom>
-          <a:noFill/>
-          <a:ln>
-            <a:noFill/>
-          </a:ln>
-          <a:effectLst/>
-          <a:extLst>
-            <a:ext uri="{909E8E84-426E-40DD-AFC4-6F175D3DCCD1}">
-              <a14:hiddenFill xmlns:a14="http://schemas.microsoft.com/office/drawing/2010/main">
-                <a:solidFill>
-                  <a:schemeClr val="accent1"/>
-                </a:solidFill>
-              </a14:hiddenFill>
-            </a:ext>
-            <a:ext uri="{91240B29-F687-4F45-9708-019B960494DF}">
-              <a14:hiddenLine xmlns:a14="http://schemas.microsoft.com/office/drawing/2010/main" w="9525">
-                <a:solidFill>
-                  <a:schemeClr val="tx1"/>
-                </a:solidFill>
-                <a:miter lim="800000"/>
-                <a:headEnd/>
-                <a:tailEnd/>
-              </a14:hiddenLine>
-            </a:ext>
-            <a:ext uri="{AF507438-7753-43E0-B8FC-AC1667EBCBE1}">
-              <a14:hiddenEffects xmlns:a14="http://schemas.microsoft.com/office/drawing/2010/main">
-                <a:effectLst>
-                  <a:outerShdw dist="35921" dir="2700000" algn="ctr" rotWithShape="0">
-                    <a:schemeClr val="bg2"/>
-                  </a:outerShdw>
-                </a:effectLst>
-              </a14:hiddenEffects>
-            </a:ext>
-          </a:extLst>
-        </p:spPr>
-      </p:pic>
-      <p:sp>
-        <p:nvSpPr>
-          <p:cNvPr id="5" name="Title 6">
-            <a:extLst>
-              <a:ext uri="{FF2B5EF4-FFF2-40B4-BE49-F238E27FC236}">
-                <a16:creationId xmlns="" xmlns:a16="http://schemas.microsoft.com/office/drawing/2014/main" id="{93A3B864-5E85-99D2-93E5-5CA1F4F35DC7}"/>
-              </a:ext>
-            </a:extLst>
-          </p:cNvPr>
-          <p:cNvSpPr>
-            <a:spLocks noGrp="1"/>
-          </p:cNvSpPr>
-          <p:nvPr>
-            <p:ph type="title"/>
-          </p:nvPr>
-        </p:nvSpPr>
-        <p:spPr>
-          <a:xfrm>
-            <a:off x="663964" y="582927"/>
-            <a:ext cx="5257793" cy="907474"/>
-          </a:xfrm>
-        </p:spPr>
-        <p:txBody>
-          <a:bodyPr/>
-          <a:lstStyle/>
-          <a:p>
-            <a:r>
-              <a:rPr lang="en-US" sz="3200" dirty="0" smtClean="0"/>
-              <a:t>Creating Pie Chart using .plot() function</a:t>
-            </a:r>
-            <a:endParaRPr lang="en-US" sz="3200" dirty="0"/>
-          </a:p>
-        </p:txBody>
-      </p:sp>
-    </p:spTree>
-    <p:extLst>
-      <p:ext uri="{BB962C8B-B14F-4D97-AF65-F5344CB8AC3E}">
-        <p14:creationId xmlns:p14="http://schemas.microsoft.com/office/powerpoint/2010/main" val="2906495823"/>
-      </p:ext>
-    </p:extLst>
-  </p:cSld>
-  <p:clrMapOvr>
-    <a:masterClrMapping/>
-  </p:clrMapOvr>
-  <p:timing>
-    <p:tnLst>
-      <p:par>
-        <p:cTn id="1" dur="indefinite" restart="never" nodeType="tmRoot"/>
-      </p:par>
-    </p:tnLst>
-  </p:timing>
-</p:sld>
-</file>
-
-<file path=ppt/slides/slide9.xml><?xml version="1.0" encoding="utf-8"?>
-<p:sld xmlns:a="http://schemas.openxmlformats.org/drawingml/2006/main" xmlns:r="http://schemas.openxmlformats.org/officeDocument/2006/relationships" xmlns:p="http://schemas.openxmlformats.org/presentationml/2006/main">
-  <p:cSld>
-    <p:spTree>
-      <p:nvGrpSpPr>
-        <p:cNvPr id="1" name=""/>
-        <p:cNvGrpSpPr/>
-        <p:nvPr/>
-      </p:nvGrpSpPr>
-      <p:grpSpPr>
-        <a:xfrm>
-          <a:off x="0" y="0"/>
-          <a:ext cx="0" cy="0"/>
-          <a:chOff x="0" y="0"/>
-          <a:chExt cx="0" cy="0"/>
-        </a:xfrm>
-      </p:grpSpPr>
-      <p:sp>
-        <p:nvSpPr>
-          <p:cNvPr id="12" name="Slide Number Placeholder 11"/>
-          <p:cNvSpPr>
-            <a:spLocks noGrp="1"/>
-          </p:cNvSpPr>
-          <p:nvPr>
-            <p:ph type="sldNum" sz="quarter" idx="40"/>
-          </p:nvPr>
-        </p:nvSpPr>
-        <p:spPr/>
-        <p:txBody>
-          <a:bodyPr/>
-          <a:lstStyle/>
-          <a:p>
-            <a:fld id="{47FEACEE-25B4-4A2D-B147-27296E36371D}" type="slidenum">
-              <a:rPr lang="en-US" altLang="zh-CN" smtClean="0"/>
-              <a:pPr/>
-              <a:t>9</a:t>
-            </a:fld>
-            <a:endParaRPr lang="en-US" altLang="zh-CN" dirty="0"/>
-          </a:p>
-        </p:txBody>
-      </p:sp>
-      <p:sp>
-        <p:nvSpPr>
-          <p:cNvPr id="5" name="Title 6">
-            <a:extLst>
-              <a:ext uri="{FF2B5EF4-FFF2-40B4-BE49-F238E27FC236}">
-                <a16:creationId xmlns="" xmlns:a16="http://schemas.microsoft.com/office/drawing/2014/main" id="{93A3B864-5E85-99D2-93E5-5CA1F4F35DC7}"/>
-              </a:ext>
-            </a:extLst>
-          </p:cNvPr>
-          <p:cNvSpPr>
-            <a:spLocks noGrp="1"/>
-          </p:cNvSpPr>
-          <p:nvPr>
-            <p:ph type="title"/>
-          </p:nvPr>
-        </p:nvSpPr>
-        <p:spPr>
-          <a:xfrm>
-            <a:off x="663964" y="582927"/>
-            <a:ext cx="5888036" cy="907474"/>
-          </a:xfrm>
-        </p:spPr>
-        <p:txBody>
-          <a:bodyPr/>
-          <a:lstStyle/>
-          <a:p>
-            <a:r>
-              <a:rPr lang="en-US" sz="3200" dirty="0" smtClean="0"/>
-              <a:t>Horizontal bar chart Creation using .plot() function</a:t>
-            </a:r>
-            <a:endParaRPr lang="en-US" sz="3200" dirty="0"/>
-          </a:p>
-        </p:txBody>
-      </p:sp>
-      <p:pic>
-        <p:nvPicPr>
-          <p:cNvPr id="6146" name="Picture 2"/>
-          <p:cNvPicPr>
-            <a:picLocks noChangeAspect="1" noChangeArrowheads="1"/>
-          </p:cNvPicPr>
-          <p:nvPr/>
-        </p:nvPicPr>
-        <p:blipFill>
-          <a:blip r:embed="rId2">
-            <a:extLst>
-              <a:ext uri="{28A0092B-C50C-407E-A947-70E740481C1C}">
-                <a14:useLocalDpi xmlns:a14="http://schemas.microsoft.com/office/drawing/2010/main" val="0"/>
-              </a:ext>
-            </a:extLst>
-          </a:blip>
-          <a:srcRect/>
-          <a:stretch>
-            <a:fillRect/>
-          </a:stretch>
-        </p:blipFill>
-        <p:spPr bwMode="auto">
-          <a:xfrm>
-            <a:off x="3371788" y="1598400"/>
-            <a:ext cx="7874612" cy="4262400"/>
-          </a:xfrm>
-          <a:prstGeom prst="rect">
-            <a:avLst/>
-          </a:prstGeom>
-          <a:noFill/>
-          <a:ln>
-            <a:noFill/>
-          </a:ln>
-          <a:effectLst/>
-          <a:extLst>
-            <a:ext uri="{909E8E84-426E-40DD-AFC4-6F175D3DCCD1}">
-              <a14:hiddenFill xmlns:a14="http://schemas.microsoft.com/office/drawing/2010/main">
-                <a:solidFill>
-                  <a:schemeClr val="accent1"/>
-                </a:solidFill>
-              </a14:hiddenFill>
-            </a:ext>
-            <a:ext uri="{91240B29-F687-4F45-9708-019B960494DF}">
-              <a14:hiddenLine xmlns:a14="http://schemas.microsoft.com/office/drawing/2010/main" w="9525">
-                <a:solidFill>
-                  <a:schemeClr val="tx1"/>
-                </a:solidFill>
-                <a:miter lim="800000"/>
-                <a:headEnd/>
-                <a:tailEnd/>
-              </a14:hiddenLine>
-            </a:ext>
-            <a:ext uri="{AF507438-7753-43E0-B8FC-AC1667EBCBE1}">
-              <a14:hiddenEffects xmlns:a14="http://schemas.microsoft.com/office/drawing/2010/main">
-                <a:effectLst>
-                  <a:outerShdw dist="35921" dir="2700000" algn="ctr" rotWithShape="0">
-                    <a:schemeClr val="bg2"/>
-                  </a:outerShdw>
-                </a:effectLst>
-              </a14:hiddenEffects>
-            </a:ext>
-          </a:extLst>
-        </p:spPr>
-      </p:pic>
-    </p:spTree>
-    <p:extLst>
-      <p:ext uri="{BB962C8B-B14F-4D97-AF65-F5344CB8AC3E}">
-        <p14:creationId xmlns:p14="http://schemas.microsoft.com/office/powerpoint/2010/main" val="250443839"/>
-      </p:ext>
-    </p:extLst>
-  </p:cSld>
-  <p:clrMapOvr>
-    <a:masterClrMapping/>
-  </p:clrMapOvr>
-  <p:timing>
-    <p:tnLst>
-      <p:par>
-        <p:cTn id="1" dur="indefinite" restart="never" nodeType="tmRoot"/>
-      </p:par>
-    </p:tnLst>
-  </p:timing>
 </p:sld>
 </file>
 
@@ -26387,7 +27661,7 @@
   <a:extraClrSchemeLst/>
   <a:extLst>
     <a:ext uri="{05A4C25C-085E-4340-85A3-A5531E510DB2}">
-      <thm15:themeFamily xmlns="" xmlns:thm15="http://schemas.microsoft.com/office/thememl/2012/main" name="Hexagon presentation light - tm89027928_Win22_jx_v15" id="{E4F720B1-AC3A-441F-B00A-6ECF71D2AB0C}" vid="{71933BEE-9DD7-4D62-B50F-A654080E9C93}"/>
+      <thm15:themeFamily xmlns:thm15="http://schemas.microsoft.com/office/thememl/2012/main" name="Hexagon presentation light - tm89027928_Win22_jx_v15" id="{E4F720B1-AC3A-441F-B00A-6ECF71D2AB0C}" vid="{71933BEE-9DD7-4D62-B50F-A654080E9C93}"/>
     </a:ext>
   </a:extLst>
 </a:theme>
@@ -26682,7 +27956,7 @@
   <a:extraClrSchemeLst/>
   <a:extLst>
     <a:ext uri="{05A4C25C-085E-4340-85A3-A5531E510DB2}">
-      <thm15:themeFamily xmlns="" xmlns:thm15="http://schemas.microsoft.com/office/thememl/2012/main" name="Office Theme" id="{62F939B6-93AF-4DB8-9C6B-D6C7DFDC589F}" vid="{4A3C46E8-61CC-4603-A589-7422A47A8E4A}"/>
+      <thm15:themeFamily xmlns:thm15="http://schemas.microsoft.com/office/thememl/2012/main" name="Office Theme" id="{62F939B6-93AF-4DB8-9C6B-D6C7DFDC589F}" vid="{4A3C46E8-61CC-4603-A589-7422A47A8E4A}"/>
     </a:ext>
   </a:extLst>
 </a:theme>
@@ -26977,13 +28251,42 @@
   <a:extraClrSchemeLst/>
   <a:extLst>
     <a:ext uri="{05A4C25C-085E-4340-85A3-A5531E510DB2}">
-      <thm15:themeFamily xmlns="" xmlns:thm15="http://schemas.microsoft.com/office/thememl/2012/main" name="Office Theme" id="{62F939B6-93AF-4DB8-9C6B-D6C7DFDC589F}" vid="{4A3C46E8-61CC-4603-A589-7422A47A8E4A}"/>
+      <thm15:themeFamily xmlns:thm15="http://schemas.microsoft.com/office/thememl/2012/main" name="Office Theme" id="{62F939B6-93AF-4DB8-9C6B-D6C7DFDC589F}" vid="{4A3C46E8-61CC-4603-A589-7422A47A8E4A}"/>
     </a:ext>
   </a:extLst>
 </a:theme>
 </file>
 
 <file path=customXml/item1.xml><?xml version="1.0" encoding="utf-8"?>
+<p:properties xmlns:p="http://schemas.microsoft.com/office/2006/metadata/properties" xmlns:xsi="http://www.w3.org/2001/XMLSchema-instance" xmlns:pc="http://schemas.microsoft.com/office/infopath/2007/PartnerControls">
+  <documentManagement>
+    <_ip_UnifiedCompliancePolicyUIAction xmlns="http://schemas.microsoft.com/sharepoint/v3" xsi:nil="true"/>
+    <Image xmlns="71af3243-3dd4-4a8d-8c0d-dd76da1f02a5">
+      <Url xsi:nil="true"/>
+      <Description xsi:nil="true"/>
+    </Image>
+    <Status xmlns="71af3243-3dd4-4a8d-8c0d-dd76da1f02a5">Not started</Status>
+    <Background xmlns="71af3243-3dd4-4a8d-8c0d-dd76da1f02a5">false</Background>
+    <_ip_UnifiedCompliancePolicyProperties xmlns="http://schemas.microsoft.com/sharepoint/v3" xsi:nil="true"/>
+    <ImageTagsTaxHTField xmlns="71af3243-3dd4-4a8d-8c0d-dd76da1f02a5">
+      <Terms xmlns="http://schemas.microsoft.com/office/infopath/2007/PartnerControls"/>
+    </ImageTagsTaxHTField>
+    <TaxCatchAll xmlns="230e9df3-be65-4c73-a93b-d1236ebd677e" xsi:nil="true"/>
+    <MediaServiceKeyPoints xmlns="71af3243-3dd4-4a8d-8c0d-dd76da1f02a5" xsi:nil="true"/>
+  </documentManagement>
+</p:properties>
+</file>
+
+<file path=customXml/item2.xml><?xml version="1.0" encoding="utf-8"?>
+<?mso-contentType ?>
+<FormTemplates xmlns="http://schemas.microsoft.com/sharepoint/v3/contenttype/forms">
+  <Display>DocumentLibraryForm</Display>
+  <Edit>DocumentLibraryForm</Edit>
+  <New>DocumentLibraryForm</New>
+</FormTemplates>
+</file>
+
+<file path=customXml/item3.xml><?xml version="1.0" encoding="utf-8"?>
 <ct:contentTypeSchema xmlns:ct="http://schemas.microsoft.com/office/2006/metadata/contentType" xmlns:ma="http://schemas.microsoft.com/office/2006/metadata/properties/metaAttributes" ct:_="" ma:_="" ma:contentTypeName="Document" ma:contentTypeID="0x01010079F111ED35F8CC479449609E8A0923A6" ma:contentTypeVersion="28" ma:contentTypeDescription="Create a new document." ma:contentTypeScope="" ma:versionID="60f5a4f2d2b0abadcf532d48ebf9cb71">
   <xsd:schema xmlns:xsd="http://www.w3.org/2001/XMLSchema" xmlns:xs="http://www.w3.org/2001/XMLSchema" xmlns:p="http://schemas.microsoft.com/office/2006/metadata/properties" xmlns:ns1="http://schemas.microsoft.com/sharepoint/v3" xmlns:ns2="71af3243-3dd4-4a8d-8c0d-dd76da1f02a5" xmlns:ns3="16c05727-aa75-4e4a-9b5f-8a80a1165891" xmlns:ns4="230e9df3-be65-4c73-a93b-d1236ebd677e" targetNamespace="http://schemas.microsoft.com/office/2006/metadata/properties" ma:root="true" ma:fieldsID="7dd78129e6a1811f84807ad11c651531" ns1:_="" ns2:_="" ns3:_="" ns4:_="">
     <xsd:import namespace="http://schemas.microsoft.com/sharepoint/v3"/>
@@ -27295,36 +28598,34 @@
 </ct:contentTypeSchema>
 </file>
 
-<file path=customXml/item2.xml><?xml version="1.0" encoding="utf-8"?>
-<?mso-contentType ?>
-<FormTemplates xmlns="http://schemas.microsoft.com/sharepoint/v3/contenttype/forms">
-  <Display>DocumentLibraryForm</Display>
-  <Edit>DocumentLibraryForm</Edit>
-  <New>DocumentLibraryForm</New>
-</FormTemplates>
+<file path=customXml/itemProps1.xml><?xml version="1.0" encoding="utf-8"?>
+<ds:datastoreItem xmlns:ds="http://schemas.openxmlformats.org/officeDocument/2006/customXml" ds:itemID="{F4AD51DF-C727-4608-B606-5D6C957D4C4D}">
+  <ds:schemaRefs>
+    <ds:schemaRef ds:uri="http://purl.org/dc/elements/1.1/"/>
+    <ds:schemaRef ds:uri="http://schemas.microsoft.com/office/2006/metadata/properties"/>
+    <ds:schemaRef ds:uri="http://schemas.microsoft.com/sharepoint/v3"/>
+    <ds:schemaRef ds:uri="http://purl.org/dc/terms/"/>
+    <ds:schemaRef ds:uri="16c05727-aa75-4e4a-9b5f-8a80a1165891"/>
+    <ds:schemaRef ds:uri="http://schemas.microsoft.com/office/2006/documentManagement/types"/>
+    <ds:schemaRef ds:uri="http://schemas.microsoft.com/office/infopath/2007/PartnerControls"/>
+    <ds:schemaRef ds:uri="http://schemas.openxmlformats.org/package/2006/metadata/core-properties"/>
+    <ds:schemaRef ds:uri="230e9df3-be65-4c73-a93b-d1236ebd677e"/>
+    <ds:schemaRef ds:uri="71af3243-3dd4-4a8d-8c0d-dd76da1f02a5"/>
+    <ds:schemaRef ds:uri="http://www.w3.org/XML/1998/namespace"/>
+    <ds:schemaRef ds:uri="http://purl.org/dc/dcmitype/"/>
+  </ds:schemaRefs>
+</ds:datastoreItem>
 </file>
 
-<file path=customXml/item3.xml><?xml version="1.0" encoding="utf-8"?>
-<p:properties xmlns:p="http://schemas.microsoft.com/office/2006/metadata/properties" xmlns:xsi="http://www.w3.org/2001/XMLSchema-instance" xmlns:pc="http://schemas.microsoft.com/office/infopath/2007/PartnerControls">
-  <documentManagement>
-    <_ip_UnifiedCompliancePolicyUIAction xmlns="http://schemas.microsoft.com/sharepoint/v3" xsi:nil="true"/>
-    <Image xmlns="71af3243-3dd4-4a8d-8c0d-dd76da1f02a5">
-      <Url xsi:nil="true"/>
-      <Description xsi:nil="true"/>
-    </Image>
-    <Status xmlns="71af3243-3dd4-4a8d-8c0d-dd76da1f02a5">Not started</Status>
-    <Background xmlns="71af3243-3dd4-4a8d-8c0d-dd76da1f02a5">false</Background>
-    <_ip_UnifiedCompliancePolicyProperties xmlns="http://schemas.microsoft.com/sharepoint/v3" xsi:nil="true"/>
-    <ImageTagsTaxHTField xmlns="71af3243-3dd4-4a8d-8c0d-dd76da1f02a5">
-      <Terms xmlns="http://schemas.microsoft.com/office/infopath/2007/PartnerControls"/>
-    </ImageTagsTaxHTField>
-    <TaxCatchAll xmlns="230e9df3-be65-4c73-a93b-d1236ebd677e" xsi:nil="true"/>
-    <MediaServiceKeyPoints xmlns="71af3243-3dd4-4a8d-8c0d-dd76da1f02a5" xsi:nil="true"/>
-  </documentManagement>
-</p:properties>
+<file path=customXml/itemProps2.xml><?xml version="1.0" encoding="utf-8"?>
+<ds:datastoreItem xmlns:ds="http://schemas.openxmlformats.org/officeDocument/2006/customXml" ds:itemID="{1E0D8C9A-C895-482B-B501-694996FFDE4D}">
+  <ds:schemaRefs>
+    <ds:schemaRef ds:uri="http://schemas.microsoft.com/sharepoint/v3/contenttype/forms"/>
+  </ds:schemaRefs>
+</ds:datastoreItem>
 </file>
 
-<file path=customXml/itemProps1.xml><?xml version="1.0" encoding="utf-8"?>
+<file path=customXml/itemProps3.xml><?xml version="1.0" encoding="utf-8"?>
 <ds:datastoreItem xmlns:ds="http://schemas.openxmlformats.org/officeDocument/2006/customXml" ds:itemID="{C511997D-2559-4D54-8469-327570B1872D}">
   <ds:schemaRefs>
     <ds:schemaRef ds:uri="http://schemas.microsoft.com/office/2006/metadata/contentType"/>
@@ -27345,33 +28646,6 @@
 </ds:datastoreItem>
 </file>
 
-<file path=customXml/itemProps2.xml><?xml version="1.0" encoding="utf-8"?>
-<ds:datastoreItem xmlns:ds="http://schemas.openxmlformats.org/officeDocument/2006/customXml" ds:itemID="{1E0D8C9A-C895-482B-B501-694996FFDE4D}">
-  <ds:schemaRefs>
-    <ds:schemaRef ds:uri="http://schemas.microsoft.com/sharepoint/v3/contenttype/forms"/>
-  </ds:schemaRefs>
-</ds:datastoreItem>
-</file>
-
-<file path=customXml/itemProps3.xml><?xml version="1.0" encoding="utf-8"?>
-<ds:datastoreItem xmlns:ds="http://schemas.openxmlformats.org/officeDocument/2006/customXml" ds:itemID="{F4AD51DF-C727-4608-B606-5D6C957D4C4D}">
-  <ds:schemaRefs>
-    <ds:schemaRef ds:uri="http://purl.org/dc/elements/1.1/"/>
-    <ds:schemaRef ds:uri="http://schemas.microsoft.com/office/2006/metadata/properties"/>
-    <ds:schemaRef ds:uri="http://schemas.microsoft.com/sharepoint/v3"/>
-    <ds:schemaRef ds:uri="http://purl.org/dc/terms/"/>
-    <ds:schemaRef ds:uri="16c05727-aa75-4e4a-9b5f-8a80a1165891"/>
-    <ds:schemaRef ds:uri="http://schemas.microsoft.com/office/2006/documentManagement/types"/>
-    <ds:schemaRef ds:uri="http://schemas.microsoft.com/office/infopath/2007/PartnerControls"/>
-    <ds:schemaRef ds:uri="http://schemas.openxmlformats.org/package/2006/metadata/core-properties"/>
-    <ds:schemaRef ds:uri="230e9df3-be65-4c73-a93b-d1236ebd677e"/>
-    <ds:schemaRef ds:uri="71af3243-3dd4-4a8d-8c0d-dd76da1f02a5"/>
-    <ds:schemaRef ds:uri="http://www.w3.org/XML/1998/namespace"/>
-    <ds:schemaRef ds:uri="http://purl.org/dc/dcmitype/"/>
-  </ds:schemaRefs>
-</ds:datastoreItem>
-</file>
-
 <file path=docMetadata/LabelInfo.xml><?xml version="1.0" encoding="utf-8"?>
 <clbl:labelList xmlns:clbl="http://schemas.microsoft.com/office/2020/mipLabelMetadata"/>
 </file>